--- a/doc/mfma gemm.pptx
+++ b/doc/mfma gemm.pptx
@@ -5,10 +5,10 @@
     <p:sldMasterId id="2147483891" r:id="rId3"/>
   </p:sldMasterIdLst>
   <p:notesMasterIdLst>
-    <p:notesMasterId r:id="rId9"/>
+    <p:notesMasterId r:id="rId16"/>
   </p:notesMasterIdLst>
   <p:handoutMasterIdLst>
-    <p:handoutMasterId r:id="rId10"/>
+    <p:handoutMasterId r:id="rId17"/>
   </p:handoutMasterIdLst>
   <p:sldIdLst>
     <p:sldId id="2022" r:id="rId4"/>
@@ -16,6 +16,13 @@
     <p:sldId id="2024" r:id="rId6"/>
     <p:sldId id="2025" r:id="rId7"/>
     <p:sldId id="2026" r:id="rId8"/>
+    <p:sldId id="2027" r:id="rId9"/>
+    <p:sldId id="2028" r:id="rId10"/>
+    <p:sldId id="2029" r:id="rId11"/>
+    <p:sldId id="2033" r:id="rId12"/>
+    <p:sldId id="2030" r:id="rId13"/>
+    <p:sldId id="2031" r:id="rId14"/>
+    <p:sldId id="2032" r:id="rId15"/>
   </p:sldIdLst>
   <p:sldSz cx="12188825" cy="6858000"/>
   <p:notesSz cx="6858000" cy="4819650"/>
@@ -154,6 +161,13 @@
             <p14:sldId id="2024"/>
             <p14:sldId id="2025"/>
             <p14:sldId id="2026"/>
+            <p14:sldId id="2027"/>
+            <p14:sldId id="2028"/>
+            <p14:sldId id="2029"/>
+            <p14:sldId id="2033"/>
+            <p14:sldId id="2030"/>
+            <p14:sldId id="2031"/>
+            <p14:sldId id="2032"/>
           </p14:sldIdLst>
         </p14:section>
       </p14:sectionLst>
@@ -333,7 +347,7 @@
               <a:pPr>
                 <a:defRPr/>
               </a:pPr>
-              <a:t>3/13/2020</a:t>
+              <a:t>4/1/2020</a:t>
             </a:fld>
             <a:endParaRPr lang="en-US"/>
           </a:p>
@@ -552,7 +566,7 @@
               <a:pPr>
                 <a:defRPr/>
               </a:pPr>
-              <a:t>3/13/2020</a:t>
+              <a:t>4/1/2020</a:t>
             </a:fld>
             <a:endParaRPr lang="en-US"/>
           </a:p>
@@ -2780,6 +2794,465 @@
     <p:extLst>
       <p:ext uri="{BB962C8B-B14F-4D97-AF65-F5344CB8AC3E}">
         <p14:creationId xmlns:p14="http://schemas.microsoft.com/office/powerpoint/2010/main" val="350960616"/>
+      </p:ext>
+    </p:extLst>
+  </p:cSld>
+  <p:clrMapOvr>
+    <a:masterClrMapping/>
+  </p:clrMapOvr>
+</p:sld>
+</file>
+
+<file path=ppt/slides/slide10.xml><?xml version="1.0" encoding="utf-8"?>
+<p:sld xmlns:a="http://schemas.openxmlformats.org/drawingml/2006/main" xmlns:r="http://schemas.openxmlformats.org/officeDocument/2006/relationships" xmlns:p="http://schemas.openxmlformats.org/presentationml/2006/main">
+  <p:cSld>
+    <p:spTree>
+      <p:nvGrpSpPr>
+        <p:cNvPr id="1" name=""/>
+        <p:cNvGrpSpPr/>
+        <p:nvPr/>
+      </p:nvGrpSpPr>
+      <p:grpSpPr>
+        <a:xfrm>
+          <a:off x="0" y="0"/>
+          <a:ext cx="0" cy="0"/>
+          <a:chOff x="0" y="0"/>
+          <a:chExt cx="0" cy="0"/>
+        </a:xfrm>
+      </p:grpSpPr>
+      <p:sp>
+        <p:nvSpPr>
+          <p:cNvPr id="2" name="Content Placeholder 1">
+            <a:extLst>
+              <a:ext uri="{FF2B5EF4-FFF2-40B4-BE49-F238E27FC236}">
+                <a16:creationId xmlns:a16="http://schemas.microsoft.com/office/drawing/2014/main" id="{62F0C778-32F6-4750-AA9D-CF74A2AD5ADD}"/>
+              </a:ext>
+            </a:extLst>
+          </p:cNvPr>
+          <p:cNvSpPr>
+            <a:spLocks noGrp="1"/>
+          </p:cNvSpPr>
+          <p:nvPr>
+            <p:ph idx="1"/>
+          </p:nvPr>
+        </p:nvSpPr>
+        <p:spPr>
+          <a:xfrm>
+            <a:off x="313245" y="1038225"/>
+            <a:ext cx="11338560" cy="5067302"/>
+          </a:xfrm>
+        </p:spPr>
+        <p:txBody>
+          <a:bodyPr/>
+          <a:lstStyle/>
+          <a:p>
+            <a:r>
+              <a:rPr lang="en-US" altLang="zh-CN" dirty="0"/>
+              <a:t>Performance – Phantom fp32:</a:t>
+            </a:r>
+          </a:p>
+        </p:txBody>
+      </p:sp>
+      <p:sp>
+        <p:nvSpPr>
+          <p:cNvPr id="3" name="Title 2">
+            <a:extLst>
+              <a:ext uri="{FF2B5EF4-FFF2-40B4-BE49-F238E27FC236}">
+                <a16:creationId xmlns:a16="http://schemas.microsoft.com/office/drawing/2014/main" id="{CEDC0840-5118-4BFD-899F-D50C1A686498}"/>
+              </a:ext>
+            </a:extLst>
+          </p:cNvPr>
+          <p:cNvSpPr>
+            <a:spLocks noGrp="1"/>
+          </p:cNvSpPr>
+          <p:nvPr>
+            <p:ph type="title"/>
+          </p:nvPr>
+        </p:nvSpPr>
+        <p:spPr/>
+        <p:txBody>
+          <a:bodyPr/>
+          <a:lstStyle/>
+          <a:p>
+            <a:r>
+              <a:rPr lang="en-US" altLang="zh-CN" dirty="0"/>
+              <a:t>Auto generator </a:t>
+            </a:r>
+            <a:endParaRPr lang="en-US" dirty="0"/>
+          </a:p>
+        </p:txBody>
+      </p:sp>
+      <p:sp>
+        <p:nvSpPr>
+          <p:cNvPr id="4" name="Text Placeholder 3">
+            <a:extLst>
+              <a:ext uri="{FF2B5EF4-FFF2-40B4-BE49-F238E27FC236}">
+                <a16:creationId xmlns:a16="http://schemas.microsoft.com/office/drawing/2014/main" id="{23BC3E91-3C7D-4DD3-9DC0-25A44DC2381D}"/>
+              </a:ext>
+            </a:extLst>
+          </p:cNvPr>
+          <p:cNvSpPr>
+            <a:spLocks noGrp="1"/>
+          </p:cNvSpPr>
+          <p:nvPr>
+            <p:ph type="body" sz="quarter" idx="10"/>
+          </p:nvPr>
+        </p:nvSpPr>
+        <p:spPr/>
+        <p:txBody>
+          <a:bodyPr/>
+          <a:lstStyle/>
+          <a:p>
+            <a:endParaRPr lang="en-US" dirty="0"/>
+          </a:p>
+        </p:txBody>
+      </p:sp>
+      <p:pic>
+        <p:nvPicPr>
+          <p:cNvPr id="8" name="Picture 7" descr="A screenshot of a cell phone&#10;&#10;Description automatically generated">
+            <a:extLst>
+              <a:ext uri="{FF2B5EF4-FFF2-40B4-BE49-F238E27FC236}">
+                <a16:creationId xmlns:a16="http://schemas.microsoft.com/office/drawing/2014/main" id="{5CE09579-23B9-4003-B7E2-D3360972D2C0}"/>
+              </a:ext>
+            </a:extLst>
+          </p:cNvPr>
+          <p:cNvPicPr>
+            <a:picLocks noChangeAspect="1"/>
+          </p:cNvPicPr>
+          <p:nvPr/>
+        </p:nvPicPr>
+        <p:blipFill>
+          <a:blip r:embed="rId2">
+            <a:extLst>
+              <a:ext uri="{28A0092B-C50C-407E-A947-70E740481C1C}">
+                <a14:useLocalDpi xmlns:a14="http://schemas.microsoft.com/office/drawing/2010/main" val="0"/>
+              </a:ext>
+            </a:extLst>
+          </a:blip>
+          <a:stretch>
+            <a:fillRect/>
+          </a:stretch>
+        </p:blipFill>
+        <p:spPr>
+          <a:xfrm>
+            <a:off x="1685915" y="1537967"/>
+            <a:ext cx="8359796" cy="4964433"/>
+          </a:xfrm>
+          <a:prstGeom prst="rect">
+            <a:avLst/>
+          </a:prstGeom>
+        </p:spPr>
+      </p:pic>
+    </p:spTree>
+    <p:extLst>
+      <p:ext uri="{BB962C8B-B14F-4D97-AF65-F5344CB8AC3E}">
+        <p14:creationId xmlns:p14="http://schemas.microsoft.com/office/powerpoint/2010/main" val="697874042"/>
+      </p:ext>
+    </p:extLst>
+  </p:cSld>
+  <p:clrMapOvr>
+    <a:masterClrMapping/>
+  </p:clrMapOvr>
+</p:sld>
+</file>
+
+<file path=ppt/slides/slide11.xml><?xml version="1.0" encoding="utf-8"?>
+<p:sld xmlns:a="http://schemas.openxmlformats.org/drawingml/2006/main" xmlns:r="http://schemas.openxmlformats.org/officeDocument/2006/relationships" xmlns:p="http://schemas.openxmlformats.org/presentationml/2006/main">
+  <p:cSld>
+    <p:spTree>
+      <p:nvGrpSpPr>
+        <p:cNvPr id="1" name=""/>
+        <p:cNvGrpSpPr/>
+        <p:nvPr/>
+      </p:nvGrpSpPr>
+      <p:grpSpPr>
+        <a:xfrm>
+          <a:off x="0" y="0"/>
+          <a:ext cx="0" cy="0"/>
+          <a:chOff x="0" y="0"/>
+          <a:chExt cx="0" cy="0"/>
+        </a:xfrm>
+      </p:grpSpPr>
+      <p:sp>
+        <p:nvSpPr>
+          <p:cNvPr id="2" name="Content Placeholder 1">
+            <a:extLst>
+              <a:ext uri="{FF2B5EF4-FFF2-40B4-BE49-F238E27FC236}">
+                <a16:creationId xmlns:a16="http://schemas.microsoft.com/office/drawing/2014/main" id="{62F0C778-32F6-4750-AA9D-CF74A2AD5ADD}"/>
+              </a:ext>
+            </a:extLst>
+          </p:cNvPr>
+          <p:cNvSpPr>
+            <a:spLocks noGrp="1"/>
+          </p:cNvSpPr>
+          <p:nvPr>
+            <p:ph idx="1"/>
+          </p:nvPr>
+        </p:nvSpPr>
+        <p:spPr>
+          <a:xfrm>
+            <a:off x="313245" y="1038225"/>
+            <a:ext cx="11338560" cy="5067302"/>
+          </a:xfrm>
+        </p:spPr>
+        <p:txBody>
+          <a:bodyPr/>
+          <a:lstStyle/>
+          <a:p>
+            <a:r>
+              <a:rPr lang="en-US" altLang="zh-CN" dirty="0"/>
+              <a:t>Performance – Phantom bf16:</a:t>
+            </a:r>
+          </a:p>
+        </p:txBody>
+      </p:sp>
+      <p:sp>
+        <p:nvSpPr>
+          <p:cNvPr id="3" name="Title 2">
+            <a:extLst>
+              <a:ext uri="{FF2B5EF4-FFF2-40B4-BE49-F238E27FC236}">
+                <a16:creationId xmlns:a16="http://schemas.microsoft.com/office/drawing/2014/main" id="{CEDC0840-5118-4BFD-899F-D50C1A686498}"/>
+              </a:ext>
+            </a:extLst>
+          </p:cNvPr>
+          <p:cNvSpPr>
+            <a:spLocks noGrp="1"/>
+          </p:cNvSpPr>
+          <p:nvPr>
+            <p:ph type="title"/>
+          </p:nvPr>
+        </p:nvSpPr>
+        <p:spPr/>
+        <p:txBody>
+          <a:bodyPr/>
+          <a:lstStyle/>
+          <a:p>
+            <a:r>
+              <a:rPr lang="en-US" altLang="zh-CN" dirty="0"/>
+              <a:t>Auto generator </a:t>
+            </a:r>
+            <a:endParaRPr lang="en-US" dirty="0"/>
+          </a:p>
+        </p:txBody>
+      </p:sp>
+      <p:sp>
+        <p:nvSpPr>
+          <p:cNvPr id="4" name="Text Placeholder 3">
+            <a:extLst>
+              <a:ext uri="{FF2B5EF4-FFF2-40B4-BE49-F238E27FC236}">
+                <a16:creationId xmlns:a16="http://schemas.microsoft.com/office/drawing/2014/main" id="{23BC3E91-3C7D-4DD3-9DC0-25A44DC2381D}"/>
+              </a:ext>
+            </a:extLst>
+          </p:cNvPr>
+          <p:cNvSpPr>
+            <a:spLocks noGrp="1"/>
+          </p:cNvSpPr>
+          <p:nvPr>
+            <p:ph type="body" sz="quarter" idx="10"/>
+          </p:nvPr>
+        </p:nvSpPr>
+        <p:spPr/>
+        <p:txBody>
+          <a:bodyPr/>
+          <a:lstStyle/>
+          <a:p>
+            <a:endParaRPr lang="en-US" dirty="0"/>
+          </a:p>
+        </p:txBody>
+      </p:sp>
+      <p:pic>
+        <p:nvPicPr>
+          <p:cNvPr id="6" name="Picture 5" descr="A screenshot of a cell phone&#10;&#10;Description automatically generated">
+            <a:extLst>
+              <a:ext uri="{FF2B5EF4-FFF2-40B4-BE49-F238E27FC236}">
+                <a16:creationId xmlns:a16="http://schemas.microsoft.com/office/drawing/2014/main" id="{E8B34306-5882-4056-A4E2-A8E5CE744714}"/>
+              </a:ext>
+            </a:extLst>
+          </p:cNvPr>
+          <p:cNvPicPr>
+            <a:picLocks noChangeAspect="1"/>
+          </p:cNvPicPr>
+          <p:nvPr/>
+        </p:nvPicPr>
+        <p:blipFill>
+          <a:blip r:embed="rId2">
+            <a:extLst>
+              <a:ext uri="{28A0092B-C50C-407E-A947-70E740481C1C}">
+                <a14:useLocalDpi xmlns:a14="http://schemas.microsoft.com/office/drawing/2010/main" val="0"/>
+              </a:ext>
+            </a:extLst>
+          </a:blip>
+          <a:stretch>
+            <a:fillRect/>
+          </a:stretch>
+        </p:blipFill>
+        <p:spPr>
+          <a:xfrm>
+            <a:off x="1726140" y="1581545"/>
+            <a:ext cx="8279345" cy="4903921"/>
+          </a:xfrm>
+          <a:prstGeom prst="rect">
+            <a:avLst/>
+          </a:prstGeom>
+        </p:spPr>
+      </p:pic>
+    </p:spTree>
+    <p:extLst>
+      <p:ext uri="{BB962C8B-B14F-4D97-AF65-F5344CB8AC3E}">
+        <p14:creationId xmlns:p14="http://schemas.microsoft.com/office/powerpoint/2010/main" val="3185651181"/>
+      </p:ext>
+    </p:extLst>
+  </p:cSld>
+  <p:clrMapOvr>
+    <a:masterClrMapping/>
+  </p:clrMapOvr>
+</p:sld>
+</file>
+
+<file path=ppt/slides/slide12.xml><?xml version="1.0" encoding="utf-8"?>
+<p:sld xmlns:a="http://schemas.openxmlformats.org/drawingml/2006/main" xmlns:r="http://schemas.openxmlformats.org/officeDocument/2006/relationships" xmlns:p="http://schemas.openxmlformats.org/presentationml/2006/main">
+  <p:cSld>
+    <p:spTree>
+      <p:nvGrpSpPr>
+        <p:cNvPr id="1" name=""/>
+        <p:cNvGrpSpPr/>
+        <p:nvPr/>
+      </p:nvGrpSpPr>
+      <p:grpSpPr>
+        <a:xfrm>
+          <a:off x="0" y="0"/>
+          <a:ext cx="0" cy="0"/>
+          <a:chOff x="0" y="0"/>
+          <a:chExt cx="0" cy="0"/>
+        </a:xfrm>
+      </p:grpSpPr>
+      <p:sp>
+        <p:nvSpPr>
+          <p:cNvPr id="2" name="Content Placeholder 1">
+            <a:extLst>
+              <a:ext uri="{FF2B5EF4-FFF2-40B4-BE49-F238E27FC236}">
+                <a16:creationId xmlns:a16="http://schemas.microsoft.com/office/drawing/2014/main" id="{62F0C778-32F6-4750-AA9D-CF74A2AD5ADD}"/>
+              </a:ext>
+            </a:extLst>
+          </p:cNvPr>
+          <p:cNvSpPr>
+            <a:spLocks noGrp="1"/>
+          </p:cNvSpPr>
+          <p:nvPr>
+            <p:ph idx="1"/>
+          </p:nvPr>
+        </p:nvSpPr>
+        <p:spPr>
+          <a:xfrm>
+            <a:off x="313245" y="1038225"/>
+            <a:ext cx="11338560" cy="5067302"/>
+          </a:xfrm>
+        </p:spPr>
+        <p:txBody>
+          <a:bodyPr/>
+          <a:lstStyle/>
+          <a:p>
+            <a:r>
+              <a:rPr lang="en-US" altLang="zh-CN" dirty="0"/>
+              <a:t>Performance – Phantom fp16:</a:t>
+            </a:r>
+          </a:p>
+        </p:txBody>
+      </p:sp>
+      <p:sp>
+        <p:nvSpPr>
+          <p:cNvPr id="3" name="Title 2">
+            <a:extLst>
+              <a:ext uri="{FF2B5EF4-FFF2-40B4-BE49-F238E27FC236}">
+                <a16:creationId xmlns:a16="http://schemas.microsoft.com/office/drawing/2014/main" id="{CEDC0840-5118-4BFD-899F-D50C1A686498}"/>
+              </a:ext>
+            </a:extLst>
+          </p:cNvPr>
+          <p:cNvSpPr>
+            <a:spLocks noGrp="1"/>
+          </p:cNvSpPr>
+          <p:nvPr>
+            <p:ph type="title"/>
+          </p:nvPr>
+        </p:nvSpPr>
+        <p:spPr/>
+        <p:txBody>
+          <a:bodyPr/>
+          <a:lstStyle/>
+          <a:p>
+            <a:r>
+              <a:rPr lang="en-US" altLang="zh-CN" dirty="0"/>
+              <a:t>Auto generator </a:t>
+            </a:r>
+            <a:endParaRPr lang="en-US" dirty="0"/>
+          </a:p>
+        </p:txBody>
+      </p:sp>
+      <p:sp>
+        <p:nvSpPr>
+          <p:cNvPr id="4" name="Text Placeholder 3">
+            <a:extLst>
+              <a:ext uri="{FF2B5EF4-FFF2-40B4-BE49-F238E27FC236}">
+                <a16:creationId xmlns:a16="http://schemas.microsoft.com/office/drawing/2014/main" id="{23BC3E91-3C7D-4DD3-9DC0-25A44DC2381D}"/>
+              </a:ext>
+            </a:extLst>
+          </p:cNvPr>
+          <p:cNvSpPr>
+            <a:spLocks noGrp="1"/>
+          </p:cNvSpPr>
+          <p:nvPr>
+            <p:ph type="body" sz="quarter" idx="10"/>
+          </p:nvPr>
+        </p:nvSpPr>
+        <p:spPr/>
+        <p:txBody>
+          <a:bodyPr/>
+          <a:lstStyle/>
+          <a:p>
+            <a:endParaRPr lang="en-US" dirty="0"/>
+          </a:p>
+        </p:txBody>
+      </p:sp>
+      <p:pic>
+        <p:nvPicPr>
+          <p:cNvPr id="7" name="Picture 6" descr="A screenshot of a cell phone&#10;&#10;Description automatically generated">
+            <a:extLst>
+              <a:ext uri="{FF2B5EF4-FFF2-40B4-BE49-F238E27FC236}">
+                <a16:creationId xmlns:a16="http://schemas.microsoft.com/office/drawing/2014/main" id="{054F8F7F-8E6B-4035-A1F2-1ABED429DF6E}"/>
+              </a:ext>
+            </a:extLst>
+          </p:cNvPr>
+          <p:cNvPicPr>
+            <a:picLocks noChangeAspect="1"/>
+          </p:cNvPicPr>
+          <p:nvPr/>
+        </p:nvPicPr>
+        <p:blipFill>
+          <a:blip r:embed="rId2">
+            <a:extLst>
+              <a:ext uri="{28A0092B-C50C-407E-A947-70E740481C1C}">
+                <a14:useLocalDpi xmlns:a14="http://schemas.microsoft.com/office/drawing/2010/main" val="0"/>
+              </a:ext>
+            </a:extLst>
+          </a:blip>
+          <a:stretch>
+            <a:fillRect/>
+          </a:stretch>
+        </p:blipFill>
+        <p:spPr>
+          <a:xfrm>
+            <a:off x="1657821" y="1532467"/>
+            <a:ext cx="8415984" cy="4969933"/>
+          </a:xfrm>
+          <a:prstGeom prst="rect">
+            <a:avLst/>
+          </a:prstGeom>
+        </p:spPr>
+      </p:pic>
+    </p:spTree>
+    <p:extLst>
+      <p:ext uri="{BB962C8B-B14F-4D97-AF65-F5344CB8AC3E}">
+        <p14:creationId xmlns:p14="http://schemas.microsoft.com/office/powerpoint/2010/main" val="2781934661"/>
       </p:ext>
     </p:extLst>
   </p:cSld>
@@ -4187,164 +4660,993 @@
             </p:style>
           </p:cxnSp>
         </p:grpSp>
-        <p:grpSp>
-          <p:nvGrpSpPr>
-            <p:cNvPr id="33" name="Group 32">
+        <p:cxnSp>
+          <p:nvCxnSpPr>
+            <p:cNvPr id="31" name="Straight Connector 30">
               <a:extLst>
                 <a:ext uri="{FF2B5EF4-FFF2-40B4-BE49-F238E27FC236}">
-                  <a16:creationId xmlns:a16="http://schemas.microsoft.com/office/drawing/2014/main" id="{00E80622-D97B-41A7-877E-731E55BEC7AD}"/>
+                  <a16:creationId xmlns:a16="http://schemas.microsoft.com/office/drawing/2014/main" id="{ADE98E5A-49BC-4EAF-8452-6CE23726E484}"/>
                 </a:ext>
               </a:extLst>
             </p:cNvPr>
-            <p:cNvGrpSpPr/>
+            <p:cNvCxnSpPr>
+              <a:cxnSpLocks/>
+            </p:cNvCxnSpPr>
             <p:nvPr/>
-          </p:nvGrpSpPr>
-          <p:grpSpPr>
+          </p:nvCxnSpPr>
+          <p:spPr>
             <a:xfrm>
-              <a:off x="2327715" y="2879329"/>
-              <a:ext cx="1152085" cy="768747"/>
-              <a:chOff x="2327715" y="2879329"/>
-              <a:chExt cx="1152085" cy="768747"/>
+              <a:off x="2327715" y="3648076"/>
+              <a:ext cx="931952" cy="0"/>
             </a:xfrm>
-          </p:grpSpPr>
-          <p:cxnSp>
-            <p:nvCxnSpPr>
-              <p:cNvPr id="27" name="Connector: Curved 26">
-                <a:extLst>
-                  <a:ext uri="{FF2B5EF4-FFF2-40B4-BE49-F238E27FC236}">
-                    <a16:creationId xmlns:a16="http://schemas.microsoft.com/office/drawing/2014/main" id="{76017FD3-F061-4B43-B8D3-0FFC7B5DDF74}"/>
-                  </a:ext>
-                </a:extLst>
-              </p:cNvPr>
-              <p:cNvCxnSpPr>
-                <a:cxnSpLocks/>
-              </p:cNvCxnSpPr>
-              <p:nvPr/>
-            </p:nvCxnSpPr>
-            <p:spPr>
-              <a:xfrm>
-                <a:off x="2641600" y="2879329"/>
-                <a:ext cx="838200" cy="12700"/>
-              </a:xfrm>
-              <a:prstGeom prst="curvedConnector3">
-                <a:avLst/>
-              </a:prstGeom>
-              <a:ln w="19050">
-                <a:solidFill>
-                  <a:srgbClr val="FF0000"/>
-                </a:solidFill>
-                <a:tailEnd type="triangle"/>
-              </a:ln>
-            </p:spPr>
-            <p:style>
-              <a:lnRef idx="1">
+            <a:prstGeom prst="line">
+              <a:avLst/>
+            </a:prstGeom>
+            <a:ln w="28575">
+              <a:solidFill>
                 <a:schemeClr val="accent1"/>
-              </a:lnRef>
-              <a:fillRef idx="0">
-                <a:schemeClr val="accent1"/>
-              </a:fillRef>
-              <a:effectRef idx="0">
-                <a:schemeClr val="accent1"/>
-              </a:effectRef>
-              <a:fontRef idx="minor">
-                <a:schemeClr val="tx1"/>
-              </a:fontRef>
-            </p:style>
-          </p:cxnSp>
-          <p:cxnSp>
-            <p:nvCxnSpPr>
-              <p:cNvPr id="29" name="Connector: Curved 28">
-                <a:extLst>
-                  <a:ext uri="{FF2B5EF4-FFF2-40B4-BE49-F238E27FC236}">
-                    <a16:creationId xmlns:a16="http://schemas.microsoft.com/office/drawing/2014/main" id="{EE4C8E5D-4869-4CD9-AA59-75F47EE08D57}"/>
-                  </a:ext>
-                </a:extLst>
-              </p:cNvPr>
-              <p:cNvCxnSpPr>
-                <a:cxnSpLocks/>
-              </p:cNvCxnSpPr>
-              <p:nvPr/>
-            </p:nvCxnSpPr>
-            <p:spPr>
-              <a:xfrm>
-                <a:off x="2674848" y="3269059"/>
-                <a:ext cx="804952" cy="12700"/>
-              </a:xfrm>
-              <a:prstGeom prst="curvedConnector3">
-                <a:avLst/>
-              </a:prstGeom>
-              <a:ln w="19050">
-                <a:solidFill>
-                  <a:srgbClr val="7030A0"/>
-                </a:solidFill>
-                <a:tailEnd type="triangle"/>
-              </a:ln>
-            </p:spPr>
-            <p:style>
-              <a:lnRef idx="1">
-                <a:schemeClr val="accent1"/>
-              </a:lnRef>
-              <a:fillRef idx="0">
-                <a:schemeClr val="accent1"/>
-              </a:fillRef>
-              <a:effectRef idx="0">
-                <a:schemeClr val="accent1"/>
-              </a:effectRef>
-              <a:fontRef idx="minor">
-                <a:schemeClr val="tx1"/>
-              </a:fontRef>
-            </p:style>
-          </p:cxnSp>
-          <p:cxnSp>
-            <p:nvCxnSpPr>
-              <p:cNvPr id="31" name="Straight Connector 30">
-                <a:extLst>
-                  <a:ext uri="{FF2B5EF4-FFF2-40B4-BE49-F238E27FC236}">
-                    <a16:creationId xmlns:a16="http://schemas.microsoft.com/office/drawing/2014/main" id="{ADE98E5A-49BC-4EAF-8452-6CE23726E484}"/>
-                  </a:ext>
-                </a:extLst>
-              </p:cNvPr>
-              <p:cNvCxnSpPr>
-                <a:cxnSpLocks/>
-              </p:cNvCxnSpPr>
-              <p:nvPr/>
-            </p:nvCxnSpPr>
-            <p:spPr>
-              <a:xfrm>
-                <a:off x="2327715" y="3648076"/>
-                <a:ext cx="931952" cy="0"/>
-              </a:xfrm>
-              <a:prstGeom prst="line">
-                <a:avLst/>
-              </a:prstGeom>
-              <a:ln w="28575">
-                <a:solidFill>
-                  <a:schemeClr val="accent1"/>
-                </a:solidFill>
-                <a:prstDash val="sysDash"/>
-              </a:ln>
-            </p:spPr>
-            <p:style>
-              <a:lnRef idx="1">
-                <a:schemeClr val="accent1"/>
-              </a:lnRef>
-              <a:fillRef idx="0">
-                <a:schemeClr val="accent1"/>
-              </a:fillRef>
-              <a:effectRef idx="0">
-                <a:schemeClr val="accent1"/>
-              </a:effectRef>
-              <a:fontRef idx="minor">
-                <a:schemeClr val="tx1"/>
-              </a:fontRef>
-            </p:style>
-          </p:cxnSp>
-        </p:grpSp>
+              </a:solidFill>
+              <a:prstDash val="sysDash"/>
+            </a:ln>
+          </p:spPr>
+          <p:style>
+            <a:lnRef idx="1">
+              <a:schemeClr val="accent1"/>
+            </a:lnRef>
+            <a:fillRef idx="0">
+              <a:schemeClr val="accent1"/>
+            </a:fillRef>
+            <a:effectRef idx="0">
+              <a:schemeClr val="accent1"/>
+            </a:effectRef>
+            <a:fontRef idx="minor">
+              <a:schemeClr val="tx1"/>
+            </a:fontRef>
+          </p:style>
+        </p:cxnSp>
       </p:grpSp>
+      <p:cxnSp>
+        <p:nvCxnSpPr>
+          <p:cNvPr id="7" name="Straight Arrow Connector 6">
+            <a:extLst>
+              <a:ext uri="{FF2B5EF4-FFF2-40B4-BE49-F238E27FC236}">
+                <a16:creationId xmlns:a16="http://schemas.microsoft.com/office/drawing/2014/main" id="{0D4EED08-B79D-4019-B141-ACE5ADBB47E7}"/>
+              </a:ext>
+            </a:extLst>
+          </p:cNvPr>
+          <p:cNvCxnSpPr/>
+          <p:nvPr/>
+        </p:nvCxnSpPr>
+        <p:spPr>
+          <a:xfrm>
+            <a:off x="2643188" y="2882900"/>
+            <a:ext cx="819150" cy="0"/>
+          </a:xfrm>
+          <a:prstGeom prst="straightConnector1">
+            <a:avLst/>
+          </a:prstGeom>
+          <a:ln w="19050">
+            <a:solidFill>
+              <a:srgbClr val="ED1C24"/>
+            </a:solidFill>
+            <a:tailEnd type="triangle"/>
+          </a:ln>
+        </p:spPr>
+        <p:style>
+          <a:lnRef idx="1">
+            <a:schemeClr val="accent1"/>
+          </a:lnRef>
+          <a:fillRef idx="0">
+            <a:schemeClr val="accent1"/>
+          </a:fillRef>
+          <a:effectRef idx="0">
+            <a:schemeClr val="accent1"/>
+          </a:effectRef>
+          <a:fontRef idx="minor">
+            <a:schemeClr val="tx1"/>
+          </a:fontRef>
+        </p:style>
+      </p:cxnSp>
+      <p:cxnSp>
+        <p:nvCxnSpPr>
+          <p:cNvPr id="28" name="Straight Arrow Connector 27">
+            <a:extLst>
+              <a:ext uri="{FF2B5EF4-FFF2-40B4-BE49-F238E27FC236}">
+                <a16:creationId xmlns:a16="http://schemas.microsoft.com/office/drawing/2014/main" id="{3642B3E5-FB19-4192-A0F9-CAE0551445DC}"/>
+              </a:ext>
+            </a:extLst>
+          </p:cNvPr>
+          <p:cNvCxnSpPr/>
+          <p:nvPr/>
+        </p:nvCxnSpPr>
+        <p:spPr>
+          <a:xfrm>
+            <a:off x="2643188" y="3265884"/>
+            <a:ext cx="819150" cy="0"/>
+          </a:xfrm>
+          <a:prstGeom prst="straightConnector1">
+            <a:avLst/>
+          </a:prstGeom>
+          <a:ln w="19050">
+            <a:solidFill>
+              <a:srgbClr val="7030A0"/>
+            </a:solidFill>
+            <a:tailEnd type="triangle"/>
+          </a:ln>
+        </p:spPr>
+        <p:style>
+          <a:lnRef idx="1">
+            <a:schemeClr val="accent1"/>
+          </a:lnRef>
+          <a:fillRef idx="0">
+            <a:schemeClr val="accent1"/>
+          </a:fillRef>
+          <a:effectRef idx="0">
+            <a:schemeClr val="accent1"/>
+          </a:effectRef>
+          <a:fontRef idx="minor">
+            <a:schemeClr val="tx1"/>
+          </a:fontRef>
+        </p:style>
+      </p:cxnSp>
     </p:spTree>
     <p:extLst>
       <p:ext uri="{BB962C8B-B14F-4D97-AF65-F5344CB8AC3E}">
         <p14:creationId xmlns:p14="http://schemas.microsoft.com/office/powerpoint/2010/main" val="2615999024"/>
+      </p:ext>
+    </p:extLst>
+  </p:cSld>
+  <p:clrMapOvr>
+    <a:masterClrMapping/>
+  </p:clrMapOvr>
+</p:sld>
+</file>
+
+<file path=ppt/slides/slide6.xml><?xml version="1.0" encoding="utf-8"?>
+<p:sld xmlns:a="http://schemas.openxmlformats.org/drawingml/2006/main" xmlns:r="http://schemas.openxmlformats.org/officeDocument/2006/relationships" xmlns:p="http://schemas.openxmlformats.org/presentationml/2006/main">
+  <p:cSld>
+    <p:spTree>
+      <p:nvGrpSpPr>
+        <p:cNvPr id="1" name=""/>
+        <p:cNvGrpSpPr/>
+        <p:nvPr/>
+      </p:nvGrpSpPr>
+      <p:grpSpPr>
+        <a:xfrm>
+          <a:off x="0" y="0"/>
+          <a:ext cx="0" cy="0"/>
+          <a:chOff x="0" y="0"/>
+          <a:chExt cx="0" cy="0"/>
+        </a:xfrm>
+      </p:grpSpPr>
+      <p:sp>
+        <p:nvSpPr>
+          <p:cNvPr id="2" name="Content Placeholder 1">
+            <a:extLst>
+              <a:ext uri="{FF2B5EF4-FFF2-40B4-BE49-F238E27FC236}">
+                <a16:creationId xmlns:a16="http://schemas.microsoft.com/office/drawing/2014/main" id="{62F0C778-32F6-4750-AA9D-CF74A2AD5ADD}"/>
+              </a:ext>
+            </a:extLst>
+          </p:cNvPr>
+          <p:cNvSpPr>
+            <a:spLocks noGrp="1"/>
+          </p:cNvSpPr>
+          <p:nvPr>
+            <p:ph idx="1"/>
+          </p:nvPr>
+        </p:nvSpPr>
+        <p:spPr>
+          <a:xfrm>
+            <a:off x="313245" y="1038225"/>
+            <a:ext cx="11338560" cy="5067302"/>
+          </a:xfrm>
+        </p:spPr>
+        <p:txBody>
+          <a:bodyPr/>
+          <a:lstStyle/>
+          <a:p>
+            <a:r>
+              <a:rPr lang="en-US" altLang="zh-CN" dirty="0"/>
+              <a:t>Global store work load:</a:t>
+            </a:r>
+          </a:p>
+          <a:p>
+            <a:pPr lvl="1"/>
+            <a:r>
+              <a:rPr lang="en-US" dirty="0"/>
+              <a:t>store instruction width: </a:t>
+            </a:r>
+          </a:p>
+          <a:p>
+            <a:pPr lvl="2"/>
+            <a:r>
+              <a:rPr lang="en-US" dirty="0"/>
+              <a:t>1DWORD = 2 element</a:t>
+            </a:r>
+          </a:p>
+          <a:p>
+            <a:pPr lvl="1"/>
+            <a:r>
+              <a:rPr lang="en-US" altLang="zh-CN" dirty="0"/>
+              <a:t>store amount:</a:t>
+            </a:r>
+          </a:p>
+          <a:p>
+            <a:pPr lvl="2"/>
+            <a:r>
+              <a:rPr lang="en-US" altLang="zh-CN" dirty="0"/>
+              <a:t> </a:t>
+            </a:r>
+            <a:r>
+              <a:rPr lang="en-US" altLang="zh-CN" dirty="0" err="1"/>
+              <a:t>mfma_tile</a:t>
+            </a:r>
+            <a:r>
+              <a:rPr lang="en-US" altLang="zh-CN" dirty="0"/>
+              <a:t> * </a:t>
+            </a:r>
+            <a:r>
+              <a:rPr lang="en-US" altLang="zh-CN" dirty="0" err="1"/>
+              <a:t>mfma_tile</a:t>
+            </a:r>
+            <a:r>
+              <a:rPr lang="en-US" altLang="zh-CN" dirty="0"/>
+              <a:t> * round</a:t>
+            </a:r>
+          </a:p>
+          <a:p>
+            <a:pPr marL="1188720" lvl="3" indent="0">
+              <a:buNone/>
+            </a:pPr>
+            <a:r>
+              <a:rPr lang="en-US" altLang="zh-CN" dirty="0"/>
+              <a:t> = 4 * 4 * 2 = 32 elements / thread</a:t>
+            </a:r>
+          </a:p>
+          <a:p>
+            <a:pPr lvl="1"/>
+            <a:r>
+              <a:rPr lang="en-US" altLang="zh-CN" dirty="0"/>
+              <a:t>Store round:</a:t>
+            </a:r>
+          </a:p>
+          <a:p>
+            <a:pPr lvl="2"/>
+            <a:r>
+              <a:rPr lang="en-US" dirty="0" err="1"/>
+              <a:t>mfma</a:t>
+            </a:r>
+            <a:r>
+              <a:rPr lang="en-US" dirty="0"/>
+              <a:t> per wave = 2 round</a:t>
+            </a:r>
+            <a:endParaRPr lang="en-US" altLang="zh-CN" dirty="0"/>
+          </a:p>
+        </p:txBody>
+      </p:sp>
+      <p:sp>
+        <p:nvSpPr>
+          <p:cNvPr id="3" name="Title 2">
+            <a:extLst>
+              <a:ext uri="{FF2B5EF4-FFF2-40B4-BE49-F238E27FC236}">
+                <a16:creationId xmlns:a16="http://schemas.microsoft.com/office/drawing/2014/main" id="{CEDC0840-5118-4BFD-899F-D50C1A686498}"/>
+              </a:ext>
+            </a:extLst>
+          </p:cNvPr>
+          <p:cNvSpPr>
+            <a:spLocks noGrp="1"/>
+          </p:cNvSpPr>
+          <p:nvPr>
+            <p:ph type="title"/>
+          </p:nvPr>
+        </p:nvSpPr>
+        <p:spPr/>
+        <p:txBody>
+          <a:bodyPr/>
+          <a:lstStyle/>
+          <a:p>
+            <a:r>
+              <a:rPr lang="en-US" altLang="zh-CN" dirty="0"/>
+              <a:t>Auto generator </a:t>
+            </a:r>
+            <a:endParaRPr lang="en-US" dirty="0"/>
+          </a:p>
+        </p:txBody>
+      </p:sp>
+      <p:sp>
+        <p:nvSpPr>
+          <p:cNvPr id="4" name="Text Placeholder 3">
+            <a:extLst>
+              <a:ext uri="{FF2B5EF4-FFF2-40B4-BE49-F238E27FC236}">
+                <a16:creationId xmlns:a16="http://schemas.microsoft.com/office/drawing/2014/main" id="{23BC3E91-3C7D-4DD3-9DC0-25A44DC2381D}"/>
+              </a:ext>
+            </a:extLst>
+          </p:cNvPr>
+          <p:cNvSpPr>
+            <a:spLocks noGrp="1"/>
+          </p:cNvSpPr>
+          <p:nvPr>
+            <p:ph type="body" sz="quarter" idx="10"/>
+          </p:nvPr>
+        </p:nvSpPr>
+        <p:spPr/>
+        <p:txBody>
+          <a:bodyPr/>
+          <a:lstStyle/>
+          <a:p>
+            <a:endParaRPr lang="en-US" dirty="0"/>
+          </a:p>
+        </p:txBody>
+      </p:sp>
+      <p:pic>
+        <p:nvPicPr>
+          <p:cNvPr id="12" name="Picture 11" descr="A screen shot of a cage&#10;&#10;Description automatically generated">
+            <a:extLst>
+              <a:ext uri="{FF2B5EF4-FFF2-40B4-BE49-F238E27FC236}">
+                <a16:creationId xmlns:a16="http://schemas.microsoft.com/office/drawing/2014/main" id="{FEA4C8EF-1210-453E-ADC2-05179909808D}"/>
+              </a:ext>
+            </a:extLst>
+          </p:cNvPr>
+          <p:cNvPicPr>
+            <a:picLocks noChangeAspect="1"/>
+          </p:cNvPicPr>
+          <p:nvPr/>
+        </p:nvPicPr>
+        <p:blipFill>
+          <a:blip r:embed="rId2">
+            <a:extLst>
+              <a:ext uri="{28A0092B-C50C-407E-A947-70E740481C1C}">
+                <a14:useLocalDpi xmlns:a14="http://schemas.microsoft.com/office/drawing/2010/main" val="0"/>
+              </a:ext>
+            </a:extLst>
+          </a:blip>
+          <a:stretch>
+            <a:fillRect/>
+          </a:stretch>
+        </p:blipFill>
+        <p:spPr>
+          <a:xfrm>
+            <a:off x="5664201" y="917297"/>
+            <a:ext cx="6211428" cy="5662573"/>
+          </a:xfrm>
+          <a:prstGeom prst="rect">
+            <a:avLst/>
+          </a:prstGeom>
+        </p:spPr>
+      </p:pic>
+    </p:spTree>
+    <p:extLst>
+      <p:ext uri="{BB962C8B-B14F-4D97-AF65-F5344CB8AC3E}">
+        <p14:creationId xmlns:p14="http://schemas.microsoft.com/office/powerpoint/2010/main" val="112555710"/>
+      </p:ext>
+    </p:extLst>
+  </p:cSld>
+  <p:clrMapOvr>
+    <a:masterClrMapping/>
+  </p:clrMapOvr>
+</p:sld>
+</file>
+
+<file path=ppt/slides/slide7.xml><?xml version="1.0" encoding="utf-8"?>
+<p:sld xmlns:a="http://schemas.openxmlformats.org/drawingml/2006/main" xmlns:r="http://schemas.openxmlformats.org/officeDocument/2006/relationships" xmlns:p="http://schemas.openxmlformats.org/presentationml/2006/main">
+  <p:cSld>
+    <p:spTree>
+      <p:nvGrpSpPr>
+        <p:cNvPr id="1" name=""/>
+        <p:cNvGrpSpPr/>
+        <p:nvPr/>
+      </p:nvGrpSpPr>
+      <p:grpSpPr>
+        <a:xfrm>
+          <a:off x="0" y="0"/>
+          <a:ext cx="0" cy="0"/>
+          <a:chOff x="0" y="0"/>
+          <a:chExt cx="0" cy="0"/>
+        </a:xfrm>
+      </p:grpSpPr>
+      <p:sp>
+        <p:nvSpPr>
+          <p:cNvPr id="2" name="Content Placeholder 1">
+            <a:extLst>
+              <a:ext uri="{FF2B5EF4-FFF2-40B4-BE49-F238E27FC236}">
+                <a16:creationId xmlns:a16="http://schemas.microsoft.com/office/drawing/2014/main" id="{62F0C778-32F6-4750-AA9D-CF74A2AD5ADD}"/>
+              </a:ext>
+            </a:extLst>
+          </p:cNvPr>
+          <p:cNvSpPr>
+            <a:spLocks noGrp="1"/>
+          </p:cNvSpPr>
+          <p:nvPr>
+            <p:ph idx="1"/>
+          </p:nvPr>
+        </p:nvSpPr>
+        <p:spPr>
+          <a:xfrm>
+            <a:off x="313245" y="1038225"/>
+            <a:ext cx="11338560" cy="5067302"/>
+          </a:xfrm>
+        </p:spPr>
+        <p:txBody>
+          <a:bodyPr/>
+          <a:lstStyle/>
+          <a:p>
+            <a:r>
+              <a:rPr lang="en-US" altLang="zh-CN" dirty="0"/>
+              <a:t>Usage:</a:t>
+            </a:r>
+          </a:p>
+          <a:p>
+            <a:pPr lvl="1"/>
+            <a:r>
+              <a:rPr lang="en-US" altLang="zh-CN" dirty="0"/>
+              <a:t>Example: </a:t>
+            </a:r>
+            <a:r>
+              <a:rPr lang="en-US" altLang="zh-CN" sz="1600" dirty="0">
+                <a:latin typeface="Consolas" panose="020B0609020204030204" pitchFamily="49" charset="0"/>
+              </a:rPr>
+              <a:t>./</a:t>
+            </a:r>
+            <a:r>
+              <a:rPr lang="en-US" altLang="zh-CN" sz="1600" dirty="0" err="1">
+                <a:latin typeface="Consolas" panose="020B0609020204030204" pitchFamily="49" charset="0"/>
+              </a:rPr>
+              <a:t>TensileLite.out</a:t>
+            </a:r>
+            <a:r>
+              <a:rPr lang="en-US" altLang="zh-CN" sz="1600" dirty="0">
+                <a:latin typeface="Consolas" panose="020B0609020204030204" pitchFamily="49" charset="0"/>
+              </a:rPr>
+              <a:t> –m 1024 –n 1024 –k 1024 –t 0 –v 1 –l 100 –r 1 –s 2 –x 2 –y 2 –d 1</a:t>
+            </a:r>
+          </a:p>
+          <a:p>
+            <a:pPr lvl="1"/>
+            <a:endParaRPr lang="en-US" altLang="zh-CN" sz="1600" dirty="0">
+              <a:latin typeface="Consolas" panose="020B0609020204030204" pitchFamily="49" charset="0"/>
+            </a:endParaRPr>
+          </a:p>
+          <a:p>
+            <a:pPr lvl="1"/>
+            <a:r>
+              <a:rPr lang="en-US" altLang="zh-CN" dirty="0"/>
+              <a:t>-m: </a:t>
+            </a:r>
+            <a:r>
+              <a:rPr lang="en-US" altLang="zh-CN" dirty="0" err="1"/>
+              <a:t>gemm</a:t>
+            </a:r>
+            <a:r>
+              <a:rPr lang="en-US" altLang="zh-CN" dirty="0"/>
+              <a:t> size in M without padding, default is 1024</a:t>
+            </a:r>
+          </a:p>
+          <a:p>
+            <a:pPr lvl="1"/>
+            <a:r>
+              <a:rPr lang="en-US" altLang="zh-CN" dirty="0"/>
+              <a:t>-n: </a:t>
+            </a:r>
+            <a:r>
+              <a:rPr lang="en-US" altLang="zh-CN" dirty="0" err="1"/>
+              <a:t>gemm</a:t>
+            </a:r>
+            <a:r>
+              <a:rPr lang="en-US" altLang="zh-CN" dirty="0"/>
+              <a:t> size in N without padding, default is 1024</a:t>
+            </a:r>
+          </a:p>
+          <a:p>
+            <a:pPr lvl="1"/>
+            <a:r>
+              <a:rPr lang="en-US" altLang="zh-CN" dirty="0"/>
+              <a:t>-k: </a:t>
+            </a:r>
+            <a:r>
+              <a:rPr lang="en-US" altLang="zh-CN" dirty="0" err="1"/>
+              <a:t>gemm</a:t>
+            </a:r>
+            <a:r>
+              <a:rPr lang="en-US" altLang="zh-CN" dirty="0"/>
+              <a:t> size in K without padding, default is 1024</a:t>
+            </a:r>
+          </a:p>
+          <a:p>
+            <a:pPr lvl="1"/>
+            <a:r>
+              <a:rPr lang="en-US" altLang="zh-CN" dirty="0"/>
+              <a:t>-d: data type. 1=fp32, 2=fp16, 3=bf16. default is 1</a:t>
+            </a:r>
+          </a:p>
+          <a:p>
+            <a:pPr lvl="1"/>
+            <a:r>
+              <a:rPr lang="en-US" altLang="zh-CN" dirty="0"/>
+              <a:t>-v: if enable </a:t>
+            </a:r>
+            <a:r>
+              <a:rPr lang="en-US" altLang="zh-CN" dirty="0" err="1"/>
+              <a:t>cpu</a:t>
+            </a:r>
+            <a:r>
+              <a:rPr lang="en-US" altLang="zh-CN" dirty="0"/>
+              <a:t> verification. 1=enable, 0=disable. Default is 1</a:t>
+            </a:r>
+          </a:p>
+          <a:p>
+            <a:pPr lvl="1"/>
+            <a:r>
+              <a:rPr lang="en-US" altLang="zh-CN" dirty="0"/>
+              <a:t>-l: iteration times to measure kernel performance</a:t>
+            </a:r>
+          </a:p>
+          <a:p>
+            <a:pPr lvl="1"/>
+            <a:r>
+              <a:rPr lang="en-US" altLang="zh-CN" dirty="0"/>
+              <a:t>-t: enable tensile portable kernel name. 1=using tensile format, 0 = using local format</a:t>
+            </a:r>
+          </a:p>
+          <a:p>
+            <a:pPr lvl="1"/>
+            <a:endParaRPr lang="en-US" altLang="zh-CN" dirty="0"/>
+          </a:p>
+        </p:txBody>
+      </p:sp>
+      <p:sp>
+        <p:nvSpPr>
+          <p:cNvPr id="3" name="Title 2">
+            <a:extLst>
+              <a:ext uri="{FF2B5EF4-FFF2-40B4-BE49-F238E27FC236}">
+                <a16:creationId xmlns:a16="http://schemas.microsoft.com/office/drawing/2014/main" id="{CEDC0840-5118-4BFD-899F-D50C1A686498}"/>
+              </a:ext>
+            </a:extLst>
+          </p:cNvPr>
+          <p:cNvSpPr>
+            <a:spLocks noGrp="1"/>
+          </p:cNvSpPr>
+          <p:nvPr>
+            <p:ph type="title"/>
+          </p:nvPr>
+        </p:nvSpPr>
+        <p:spPr/>
+        <p:txBody>
+          <a:bodyPr/>
+          <a:lstStyle/>
+          <a:p>
+            <a:r>
+              <a:rPr lang="en-US" altLang="zh-CN" dirty="0"/>
+              <a:t>Auto generator </a:t>
+            </a:r>
+            <a:endParaRPr lang="en-US" dirty="0"/>
+          </a:p>
+        </p:txBody>
+      </p:sp>
+      <p:sp>
+        <p:nvSpPr>
+          <p:cNvPr id="4" name="Text Placeholder 3">
+            <a:extLst>
+              <a:ext uri="{FF2B5EF4-FFF2-40B4-BE49-F238E27FC236}">
+                <a16:creationId xmlns:a16="http://schemas.microsoft.com/office/drawing/2014/main" id="{23BC3E91-3C7D-4DD3-9DC0-25A44DC2381D}"/>
+              </a:ext>
+            </a:extLst>
+          </p:cNvPr>
+          <p:cNvSpPr>
+            <a:spLocks noGrp="1"/>
+          </p:cNvSpPr>
+          <p:nvPr>
+            <p:ph type="body" sz="quarter" idx="10"/>
+          </p:nvPr>
+        </p:nvSpPr>
+        <p:spPr/>
+        <p:txBody>
+          <a:bodyPr/>
+          <a:lstStyle/>
+          <a:p>
+            <a:endParaRPr lang="en-US" dirty="0"/>
+          </a:p>
+        </p:txBody>
+      </p:sp>
+    </p:spTree>
+    <p:extLst>
+      <p:ext uri="{BB962C8B-B14F-4D97-AF65-F5344CB8AC3E}">
+        <p14:creationId xmlns:p14="http://schemas.microsoft.com/office/powerpoint/2010/main" val="1351248671"/>
+      </p:ext>
+    </p:extLst>
+  </p:cSld>
+  <p:clrMapOvr>
+    <a:masterClrMapping/>
+  </p:clrMapOvr>
+</p:sld>
+</file>
+
+<file path=ppt/slides/slide8.xml><?xml version="1.0" encoding="utf-8"?>
+<p:sld xmlns:a="http://schemas.openxmlformats.org/drawingml/2006/main" xmlns:r="http://schemas.openxmlformats.org/officeDocument/2006/relationships" xmlns:p="http://schemas.openxmlformats.org/presentationml/2006/main">
+  <p:cSld>
+    <p:spTree>
+      <p:nvGrpSpPr>
+        <p:cNvPr id="1" name=""/>
+        <p:cNvGrpSpPr/>
+        <p:nvPr/>
+      </p:nvGrpSpPr>
+      <p:grpSpPr>
+        <a:xfrm>
+          <a:off x="0" y="0"/>
+          <a:ext cx="0" cy="0"/>
+          <a:chOff x="0" y="0"/>
+          <a:chExt cx="0" cy="0"/>
+        </a:xfrm>
+      </p:grpSpPr>
+      <p:sp>
+        <p:nvSpPr>
+          <p:cNvPr id="2" name="Content Placeholder 1">
+            <a:extLst>
+              <a:ext uri="{FF2B5EF4-FFF2-40B4-BE49-F238E27FC236}">
+                <a16:creationId xmlns:a16="http://schemas.microsoft.com/office/drawing/2014/main" id="{62F0C778-32F6-4750-AA9D-CF74A2AD5ADD}"/>
+              </a:ext>
+            </a:extLst>
+          </p:cNvPr>
+          <p:cNvSpPr>
+            <a:spLocks noGrp="1"/>
+          </p:cNvSpPr>
+          <p:nvPr>
+            <p:ph idx="1"/>
+          </p:nvPr>
+        </p:nvSpPr>
+        <p:spPr>
+          <a:xfrm>
+            <a:off x="313245" y="1038225"/>
+            <a:ext cx="11338560" cy="5067302"/>
+          </a:xfrm>
+        </p:spPr>
+        <p:txBody>
+          <a:bodyPr/>
+          <a:lstStyle/>
+          <a:p>
+            <a:r>
+              <a:rPr lang="en-US" altLang="zh-CN" dirty="0"/>
+              <a:t>Usage continue:</a:t>
+            </a:r>
+          </a:p>
+          <a:p>
+            <a:pPr lvl="1"/>
+            <a:r>
+              <a:rPr lang="en-US" altLang="zh-CN" dirty="0"/>
+              <a:t>Example: </a:t>
+            </a:r>
+            <a:r>
+              <a:rPr lang="en-US" altLang="zh-CN" sz="1600" dirty="0">
+                <a:latin typeface="Consolas" panose="020B0609020204030204" pitchFamily="49" charset="0"/>
+              </a:rPr>
+              <a:t>./</a:t>
+            </a:r>
+            <a:r>
+              <a:rPr lang="en-US" altLang="zh-CN" sz="1600" dirty="0" err="1">
+                <a:latin typeface="Consolas" panose="020B0609020204030204" pitchFamily="49" charset="0"/>
+              </a:rPr>
+              <a:t>TensileLite.out</a:t>
+            </a:r>
+            <a:r>
+              <a:rPr lang="en-US" altLang="zh-CN" sz="1600" dirty="0">
+                <a:latin typeface="Consolas" panose="020B0609020204030204" pitchFamily="49" charset="0"/>
+              </a:rPr>
+              <a:t> –m 1024 –n 1024 –k 1024 –t 0 –v 1 –l 100 –r 2 –s 2 –x 2 –y 2 –d 1</a:t>
+            </a:r>
+          </a:p>
+          <a:p>
+            <a:pPr lvl="1"/>
+            <a:endParaRPr lang="en-US" altLang="zh-CN" sz="1600" dirty="0">
+              <a:latin typeface="Consolas" panose="020B0609020204030204" pitchFamily="49" charset="0"/>
+            </a:endParaRPr>
+          </a:p>
+          <a:p>
+            <a:pPr lvl="1"/>
+            <a:r>
+              <a:rPr lang="en-US" altLang="zh-CN" dirty="0"/>
+              <a:t>-r: </a:t>
+            </a:r>
+            <a:r>
+              <a:rPr lang="en-US" altLang="zh-CN" dirty="0" err="1"/>
+              <a:t>mfma</a:t>
+            </a:r>
+            <a:r>
+              <a:rPr lang="en-US" altLang="zh-CN" dirty="0"/>
+              <a:t> tile per wave in M dim, default is 1</a:t>
+            </a:r>
+          </a:p>
+          <a:p>
+            <a:pPr lvl="1"/>
+            <a:r>
+              <a:rPr lang="en-US" altLang="zh-CN" dirty="0"/>
+              <a:t>-s: </a:t>
+            </a:r>
+            <a:r>
+              <a:rPr lang="en-US" altLang="zh-CN" dirty="0" err="1"/>
+              <a:t>mfma</a:t>
+            </a:r>
+            <a:r>
+              <a:rPr lang="en-US" altLang="zh-CN" dirty="0"/>
+              <a:t> tile per wave in N dim, default is 1</a:t>
+            </a:r>
+          </a:p>
+          <a:p>
+            <a:pPr lvl="1"/>
+            <a:r>
+              <a:rPr lang="en-US" altLang="zh-CN" dirty="0"/>
+              <a:t>-x: wave tile per group in M dim, default is 1</a:t>
+            </a:r>
+          </a:p>
+          <a:p>
+            <a:pPr lvl="1"/>
+            <a:r>
+              <a:rPr lang="en-US" altLang="zh-CN" dirty="0"/>
+              <a:t>-y: wave tile per group in N dim, default is 1</a:t>
+            </a:r>
+          </a:p>
+          <a:p>
+            <a:pPr lvl="1"/>
+            <a:r>
+              <a:rPr lang="en-US" altLang="zh-CN" dirty="0"/>
+              <a:t>-u: </a:t>
+            </a:r>
+            <a:r>
+              <a:rPr lang="en-US" altLang="zh-CN" dirty="0" err="1"/>
+              <a:t>depthU</a:t>
+            </a:r>
+            <a:r>
+              <a:rPr lang="en-US" altLang="zh-CN" dirty="0"/>
+              <a:t> in K dim, default is 16</a:t>
+            </a:r>
+          </a:p>
+        </p:txBody>
+      </p:sp>
+      <p:sp>
+        <p:nvSpPr>
+          <p:cNvPr id="3" name="Title 2">
+            <a:extLst>
+              <a:ext uri="{FF2B5EF4-FFF2-40B4-BE49-F238E27FC236}">
+                <a16:creationId xmlns:a16="http://schemas.microsoft.com/office/drawing/2014/main" id="{CEDC0840-5118-4BFD-899F-D50C1A686498}"/>
+              </a:ext>
+            </a:extLst>
+          </p:cNvPr>
+          <p:cNvSpPr>
+            <a:spLocks noGrp="1"/>
+          </p:cNvSpPr>
+          <p:nvPr>
+            <p:ph type="title"/>
+          </p:nvPr>
+        </p:nvSpPr>
+        <p:spPr/>
+        <p:txBody>
+          <a:bodyPr/>
+          <a:lstStyle/>
+          <a:p>
+            <a:r>
+              <a:rPr lang="en-US" altLang="zh-CN" dirty="0"/>
+              <a:t>Auto generator </a:t>
+            </a:r>
+            <a:endParaRPr lang="en-US" dirty="0"/>
+          </a:p>
+        </p:txBody>
+      </p:sp>
+      <p:sp>
+        <p:nvSpPr>
+          <p:cNvPr id="4" name="Text Placeholder 3">
+            <a:extLst>
+              <a:ext uri="{FF2B5EF4-FFF2-40B4-BE49-F238E27FC236}">
+                <a16:creationId xmlns:a16="http://schemas.microsoft.com/office/drawing/2014/main" id="{23BC3E91-3C7D-4DD3-9DC0-25A44DC2381D}"/>
+              </a:ext>
+            </a:extLst>
+          </p:cNvPr>
+          <p:cNvSpPr>
+            <a:spLocks noGrp="1"/>
+          </p:cNvSpPr>
+          <p:nvPr>
+            <p:ph type="body" sz="quarter" idx="10"/>
+          </p:nvPr>
+        </p:nvSpPr>
+        <p:spPr/>
+        <p:txBody>
+          <a:bodyPr/>
+          <a:lstStyle/>
+          <a:p>
+            <a:endParaRPr lang="en-US" dirty="0"/>
+          </a:p>
+        </p:txBody>
+      </p:sp>
+      <p:pic>
+        <p:nvPicPr>
+          <p:cNvPr id="6" name="Picture 5" descr="A screenshot of a cell phone&#10;&#10;Description automatically generated">
+            <a:extLst>
+              <a:ext uri="{FF2B5EF4-FFF2-40B4-BE49-F238E27FC236}">
+                <a16:creationId xmlns:a16="http://schemas.microsoft.com/office/drawing/2014/main" id="{D433E55E-C91D-4B18-A9FC-4C564B980403}"/>
+              </a:ext>
+            </a:extLst>
+          </p:cNvPr>
+          <p:cNvPicPr>
+            <a:picLocks noChangeAspect="1"/>
+          </p:cNvPicPr>
+          <p:nvPr/>
+        </p:nvPicPr>
+        <p:blipFill>
+          <a:blip r:embed="rId2">
+            <a:extLst>
+              <a:ext uri="{28A0092B-C50C-407E-A947-70E740481C1C}">
+                <a14:useLocalDpi xmlns:a14="http://schemas.microsoft.com/office/drawing/2010/main" val="0"/>
+              </a:ext>
+            </a:extLst>
+          </a:blip>
+          <a:stretch>
+            <a:fillRect/>
+          </a:stretch>
+        </p:blipFill>
+        <p:spPr>
+          <a:xfrm>
+            <a:off x="6858001" y="2065141"/>
+            <a:ext cx="5017580" cy="4514729"/>
+          </a:xfrm>
+          <a:prstGeom prst="rect">
+            <a:avLst/>
+          </a:prstGeom>
+        </p:spPr>
+      </p:pic>
+    </p:spTree>
+    <p:extLst>
+      <p:ext uri="{BB962C8B-B14F-4D97-AF65-F5344CB8AC3E}">
+        <p14:creationId xmlns:p14="http://schemas.microsoft.com/office/powerpoint/2010/main" val="2115074603"/>
+      </p:ext>
+    </p:extLst>
+  </p:cSld>
+  <p:clrMapOvr>
+    <a:masterClrMapping/>
+  </p:clrMapOvr>
+</p:sld>
+</file>
+
+<file path=ppt/slides/slide9.xml><?xml version="1.0" encoding="utf-8"?>
+<p:sld xmlns:a="http://schemas.openxmlformats.org/drawingml/2006/main" xmlns:r="http://schemas.openxmlformats.org/officeDocument/2006/relationships" xmlns:p="http://schemas.openxmlformats.org/presentationml/2006/main">
+  <p:cSld>
+    <p:spTree>
+      <p:nvGrpSpPr>
+        <p:cNvPr id="1" name=""/>
+        <p:cNvGrpSpPr/>
+        <p:nvPr/>
+      </p:nvGrpSpPr>
+      <p:grpSpPr>
+        <a:xfrm>
+          <a:off x="0" y="0"/>
+          <a:ext cx="0" cy="0"/>
+          <a:chOff x="0" y="0"/>
+          <a:chExt cx="0" cy="0"/>
+        </a:xfrm>
+      </p:grpSpPr>
+      <p:sp>
+        <p:nvSpPr>
+          <p:cNvPr id="2" name="Content Placeholder 1">
+            <a:extLst>
+              <a:ext uri="{FF2B5EF4-FFF2-40B4-BE49-F238E27FC236}">
+                <a16:creationId xmlns:a16="http://schemas.microsoft.com/office/drawing/2014/main" id="{62F0C778-32F6-4750-AA9D-CF74A2AD5ADD}"/>
+              </a:ext>
+            </a:extLst>
+          </p:cNvPr>
+          <p:cNvSpPr>
+            <a:spLocks noGrp="1"/>
+          </p:cNvSpPr>
+          <p:nvPr>
+            <p:ph idx="1"/>
+          </p:nvPr>
+        </p:nvSpPr>
+        <p:spPr>
+          <a:xfrm>
+            <a:off x="313245" y="1038225"/>
+            <a:ext cx="11338560" cy="5067302"/>
+          </a:xfrm>
+        </p:spPr>
+        <p:txBody>
+          <a:bodyPr/>
+          <a:lstStyle/>
+          <a:p>
+            <a:r>
+              <a:rPr lang="en-US" altLang="zh-CN" dirty="0"/>
+              <a:t>Performance – 1K/2K/4K/8K:</a:t>
+            </a:r>
+          </a:p>
+        </p:txBody>
+      </p:sp>
+      <p:sp>
+        <p:nvSpPr>
+          <p:cNvPr id="3" name="Title 2">
+            <a:extLst>
+              <a:ext uri="{FF2B5EF4-FFF2-40B4-BE49-F238E27FC236}">
+                <a16:creationId xmlns:a16="http://schemas.microsoft.com/office/drawing/2014/main" id="{CEDC0840-5118-4BFD-899F-D50C1A686498}"/>
+              </a:ext>
+            </a:extLst>
+          </p:cNvPr>
+          <p:cNvSpPr>
+            <a:spLocks noGrp="1"/>
+          </p:cNvSpPr>
+          <p:nvPr>
+            <p:ph type="title"/>
+          </p:nvPr>
+        </p:nvSpPr>
+        <p:spPr/>
+        <p:txBody>
+          <a:bodyPr/>
+          <a:lstStyle/>
+          <a:p>
+            <a:r>
+              <a:rPr lang="en-US" altLang="zh-CN" dirty="0"/>
+              <a:t>Auto generator </a:t>
+            </a:r>
+            <a:endParaRPr lang="en-US" dirty="0"/>
+          </a:p>
+        </p:txBody>
+      </p:sp>
+      <p:sp>
+        <p:nvSpPr>
+          <p:cNvPr id="4" name="Text Placeholder 3">
+            <a:extLst>
+              <a:ext uri="{FF2B5EF4-FFF2-40B4-BE49-F238E27FC236}">
+                <a16:creationId xmlns:a16="http://schemas.microsoft.com/office/drawing/2014/main" id="{23BC3E91-3C7D-4DD3-9DC0-25A44DC2381D}"/>
+              </a:ext>
+            </a:extLst>
+          </p:cNvPr>
+          <p:cNvSpPr>
+            <a:spLocks noGrp="1"/>
+          </p:cNvSpPr>
+          <p:nvPr>
+            <p:ph type="body" sz="quarter" idx="10"/>
+          </p:nvPr>
+        </p:nvSpPr>
+        <p:spPr/>
+        <p:txBody>
+          <a:bodyPr/>
+          <a:lstStyle/>
+          <a:p>
+            <a:endParaRPr lang="en-US" dirty="0"/>
+          </a:p>
+        </p:txBody>
+      </p:sp>
+      <p:pic>
+        <p:nvPicPr>
+          <p:cNvPr id="6" name="Picture 5" descr="A picture containing cabinet, clock&#10;&#10;Description automatically generated">
+            <a:extLst>
+              <a:ext uri="{FF2B5EF4-FFF2-40B4-BE49-F238E27FC236}">
+                <a16:creationId xmlns:a16="http://schemas.microsoft.com/office/drawing/2014/main" id="{DFB92E9B-926D-4C75-BE64-5432A84AF672}"/>
+              </a:ext>
+            </a:extLst>
+          </p:cNvPr>
+          <p:cNvPicPr>
+            <a:picLocks noChangeAspect="1"/>
+          </p:cNvPicPr>
+          <p:nvPr/>
+        </p:nvPicPr>
+        <p:blipFill>
+          <a:blip r:embed="rId2">
+            <a:extLst>
+              <a:ext uri="{28A0092B-C50C-407E-A947-70E740481C1C}">
+                <a14:useLocalDpi xmlns:a14="http://schemas.microsoft.com/office/drawing/2010/main" val="0"/>
+              </a:ext>
+            </a:extLst>
+          </a:blip>
+          <a:stretch>
+            <a:fillRect/>
+          </a:stretch>
+        </p:blipFill>
+        <p:spPr>
+          <a:xfrm>
+            <a:off x="895641" y="1667933"/>
+            <a:ext cx="9940344" cy="3234267"/>
+          </a:xfrm>
+          <a:prstGeom prst="rect">
+            <a:avLst/>
+          </a:prstGeom>
+        </p:spPr>
+      </p:pic>
+    </p:spTree>
+    <p:extLst>
+      <p:ext uri="{BB962C8B-B14F-4D97-AF65-F5344CB8AC3E}">
+        <p14:creationId xmlns:p14="http://schemas.microsoft.com/office/powerpoint/2010/main" val="3187229991"/>
       </p:ext>
     </p:extLst>
   </p:cSld>
@@ -5299,15 +6601,6 @@
 </file>
 
 <file path=customXml/item1.xml><?xml version="1.0" encoding="utf-8"?>
-<?mso-contentType ?>
-<FormTemplates xmlns="http://schemas.microsoft.com/sharepoint/v3/contenttype/forms">
-  <Display>DocumentLibraryForm</Display>
-  <Edit>DocumentLibraryForm</Edit>
-  <New>DocumentLibraryForm</New>
-</FormTemplates>
-</file>
-
-<file path=customXml/item2.xml><?xml version="1.0" encoding="utf-8"?>
 <ct:contentTypeSchema xmlns:ct="http://schemas.microsoft.com/office/2006/metadata/contentType" xmlns:ma="http://schemas.microsoft.com/office/2006/metadata/properties/metaAttributes" ct:_="" ma:_="" ma:contentTypeName="Document" ma:contentTypeID="0x010100B040F28C9190714F9051F1661A72B344" ma:contentTypeVersion="0" ma:contentTypeDescription="Create a new document." ma:contentTypeScope="" ma:versionID="b8b95d69f10381dae1e3fc8aa097d9b2">
   <xsd:schema xmlns:xsd="http://www.w3.org/2001/XMLSchema" xmlns:xs="http://www.w3.org/2001/XMLSchema" xmlns:p="http://schemas.microsoft.com/office/2006/metadata/properties" targetNamespace="http://schemas.microsoft.com/office/2006/metadata/properties" ma:root="true" ma:fieldsID="1b05d82d297216baf5b26c55225140df">
     <xsd:element name="properties">
@@ -5421,15 +6714,16 @@
 </ct:contentTypeSchema>
 </file>
 
-<file path=customXml/itemProps1.xml><?xml version="1.0" encoding="utf-8"?>
-<ds:datastoreItem xmlns:ds="http://schemas.openxmlformats.org/officeDocument/2006/customXml" ds:itemID="{46C7C7BA-398C-443C-9325-A8C61CE3C0A0}">
-  <ds:schemaRefs>
-    <ds:schemaRef ds:uri="http://schemas.microsoft.com/sharepoint/v3/contenttype/forms"/>
-  </ds:schemaRefs>
-</ds:datastoreItem>
+<file path=customXml/item2.xml><?xml version="1.0" encoding="utf-8"?>
+<?mso-contentType ?>
+<FormTemplates xmlns="http://schemas.microsoft.com/sharepoint/v3/contenttype/forms">
+  <Display>DocumentLibraryForm</Display>
+  <Edit>DocumentLibraryForm</Edit>
+  <New>DocumentLibraryForm</New>
+</FormTemplates>
 </file>
 
-<file path=customXml/itemProps2.xml><?xml version="1.0" encoding="utf-8"?>
+<file path=customXml/itemProps1.xml><?xml version="1.0" encoding="utf-8"?>
 <ds:datastoreItem xmlns:ds="http://schemas.openxmlformats.org/officeDocument/2006/customXml" ds:itemID="{CB9B9DAE-0203-490A-8CF8-6A331C5A0B02}">
   <ds:schemaRefs>
     <ds:schemaRef ds:uri="http://schemas.microsoft.com/office/2006/metadata/contentType"/>
@@ -5443,4 +6737,12 @@
     <ds:schemaRef ds:uri="http://schemas.microsoft.com/office/infopath/2007/PartnerControls"/>
   </ds:schemaRefs>
 </ds:datastoreItem>
+</file>
+
+<file path=customXml/itemProps2.xml><?xml version="1.0" encoding="utf-8"?>
+<ds:datastoreItem xmlns:ds="http://schemas.openxmlformats.org/officeDocument/2006/customXml" ds:itemID="{46C7C7BA-398C-443C-9325-A8C61CE3C0A0}">
+  <ds:schemaRefs>
+    <ds:schemaRef ds:uri="http://schemas.microsoft.com/sharepoint/v3/contenttype/forms"/>
+  </ds:schemaRefs>
+</ds:datastoreItem>
 </file>
--- a/doc/mfma gemm.pptx
+++ b/doc/mfma gemm.pptx
@@ -5,10 +5,10 @@
     <p:sldMasterId id="2147483891" r:id="rId3"/>
   </p:sldMasterIdLst>
   <p:notesMasterIdLst>
-    <p:notesMasterId r:id="rId16"/>
+    <p:notesMasterId r:id="rId17"/>
   </p:notesMasterIdLst>
   <p:handoutMasterIdLst>
-    <p:handoutMasterId r:id="rId17"/>
+    <p:handoutMasterId r:id="rId18"/>
   </p:handoutMasterIdLst>
   <p:sldIdLst>
     <p:sldId id="2022" r:id="rId4"/>
@@ -23,6 +23,7 @@
     <p:sldId id="2030" r:id="rId13"/>
     <p:sldId id="2031" r:id="rId14"/>
     <p:sldId id="2032" r:id="rId15"/>
+    <p:sldId id="2034" r:id="rId16"/>
   </p:sldIdLst>
   <p:sldSz cx="12188825" cy="6858000"/>
   <p:notesSz cx="6858000" cy="4819650"/>
@@ -168,6 +169,7 @@
             <p14:sldId id="2030"/>
             <p14:sldId id="2031"/>
             <p14:sldId id="2032"/>
+            <p14:sldId id="2034"/>
           </p14:sldIdLst>
         </p14:section>
       </p14:sectionLst>
@@ -179,7 +181,7 @@
             <a:srgbClr val="A4A3A4"/>
           </p15:clr>
         </p15:guide>
-        <p15:guide id="2" pos="3695">
+        <p15:guide id="2" pos="3726" userDrawn="1">
           <p15:clr>
             <a:srgbClr val="A4A3A4"/>
           </p15:clr>
@@ -347,7 +349,7 @@
               <a:pPr>
                 <a:defRPr/>
               </a:pPr>
-              <a:t>4/1/2020</a:t>
+              <a:t>4/4/2020</a:t>
             </a:fld>
             <a:endParaRPr lang="en-US"/>
           </a:p>
@@ -566,7 +568,7 @@
               <a:pPr>
                 <a:defRPr/>
               </a:pPr>
-              <a:t>4/1/2020</a:t>
+              <a:t>4/4/2020</a:t>
             </a:fld>
             <a:endParaRPr lang="en-US"/>
           </a:p>
@@ -3253,6 +3255,4287 @@
     <p:extLst>
       <p:ext uri="{BB962C8B-B14F-4D97-AF65-F5344CB8AC3E}">
         <p14:creationId xmlns:p14="http://schemas.microsoft.com/office/powerpoint/2010/main" val="2781934661"/>
+      </p:ext>
+    </p:extLst>
+  </p:cSld>
+  <p:clrMapOvr>
+    <a:masterClrMapping/>
+  </p:clrMapOvr>
+</p:sld>
+</file>
+
+<file path=ppt/slides/slide13.xml><?xml version="1.0" encoding="utf-8"?>
+<p:sld xmlns:a="http://schemas.openxmlformats.org/drawingml/2006/main" xmlns:r="http://schemas.openxmlformats.org/officeDocument/2006/relationships" xmlns:p="http://schemas.openxmlformats.org/presentationml/2006/main">
+  <p:cSld>
+    <p:spTree>
+      <p:nvGrpSpPr>
+        <p:cNvPr id="1" name=""/>
+        <p:cNvGrpSpPr/>
+        <p:nvPr/>
+      </p:nvGrpSpPr>
+      <p:grpSpPr>
+        <a:xfrm>
+          <a:off x="0" y="0"/>
+          <a:ext cx="0" cy="0"/>
+          <a:chOff x="0" y="0"/>
+          <a:chExt cx="0" cy="0"/>
+        </a:xfrm>
+      </p:grpSpPr>
+      <p:sp>
+        <p:nvSpPr>
+          <p:cNvPr id="2" name="Content Placeholder 1">
+            <a:extLst>
+              <a:ext uri="{FF2B5EF4-FFF2-40B4-BE49-F238E27FC236}">
+                <a16:creationId xmlns:a16="http://schemas.microsoft.com/office/drawing/2014/main" id="{62F0C778-32F6-4750-AA9D-CF74A2AD5ADD}"/>
+              </a:ext>
+            </a:extLst>
+          </p:cNvPr>
+          <p:cNvSpPr>
+            <a:spLocks noGrp="1"/>
+          </p:cNvSpPr>
+          <p:nvPr>
+            <p:ph idx="1"/>
+          </p:nvPr>
+        </p:nvSpPr>
+        <p:spPr>
+          <a:xfrm>
+            <a:off x="313245" y="1038225"/>
+            <a:ext cx="11338560" cy="5067302"/>
+          </a:xfrm>
+        </p:spPr>
+        <p:txBody>
+          <a:bodyPr/>
+          <a:lstStyle/>
+          <a:p>
+            <a:r>
+              <a:rPr lang="en-US" altLang="zh-CN" dirty="0"/>
+              <a:t>KERNEL WRITER FLOW:</a:t>
+            </a:r>
+          </a:p>
+        </p:txBody>
+      </p:sp>
+      <p:sp>
+        <p:nvSpPr>
+          <p:cNvPr id="3" name="Title 2">
+            <a:extLst>
+              <a:ext uri="{FF2B5EF4-FFF2-40B4-BE49-F238E27FC236}">
+                <a16:creationId xmlns:a16="http://schemas.microsoft.com/office/drawing/2014/main" id="{CEDC0840-5118-4BFD-899F-D50C1A686498}"/>
+              </a:ext>
+            </a:extLst>
+          </p:cNvPr>
+          <p:cNvSpPr>
+            <a:spLocks noGrp="1"/>
+          </p:cNvSpPr>
+          <p:nvPr>
+            <p:ph type="title"/>
+          </p:nvPr>
+        </p:nvSpPr>
+        <p:spPr/>
+        <p:txBody>
+          <a:bodyPr/>
+          <a:lstStyle/>
+          <a:p>
+            <a:r>
+              <a:rPr lang="en-US" altLang="zh-CN" dirty="0"/>
+              <a:t>Auto generator </a:t>
+            </a:r>
+            <a:endParaRPr lang="en-US" dirty="0"/>
+          </a:p>
+        </p:txBody>
+      </p:sp>
+      <p:sp>
+        <p:nvSpPr>
+          <p:cNvPr id="4" name="Text Placeholder 3">
+            <a:extLst>
+              <a:ext uri="{FF2B5EF4-FFF2-40B4-BE49-F238E27FC236}">
+                <a16:creationId xmlns:a16="http://schemas.microsoft.com/office/drawing/2014/main" id="{23BC3E91-3C7D-4DD3-9DC0-25A44DC2381D}"/>
+              </a:ext>
+            </a:extLst>
+          </p:cNvPr>
+          <p:cNvSpPr>
+            <a:spLocks noGrp="1"/>
+          </p:cNvSpPr>
+          <p:nvPr>
+            <p:ph type="body" sz="quarter" idx="10"/>
+          </p:nvPr>
+        </p:nvSpPr>
+        <p:spPr/>
+        <p:txBody>
+          <a:bodyPr/>
+          <a:lstStyle/>
+          <a:p>
+            <a:endParaRPr lang="en-US" dirty="0"/>
+          </a:p>
+        </p:txBody>
+      </p:sp>
+      <p:sp>
+        <p:nvSpPr>
+          <p:cNvPr id="5" name="Flowchart: Alternate Process 4">
+            <a:extLst>
+              <a:ext uri="{FF2B5EF4-FFF2-40B4-BE49-F238E27FC236}">
+                <a16:creationId xmlns:a16="http://schemas.microsoft.com/office/drawing/2014/main" id="{E3FE3F1E-3CBD-46B0-928F-2A778D3129D3}"/>
+              </a:ext>
+            </a:extLst>
+          </p:cNvPr>
+          <p:cNvSpPr/>
+          <p:nvPr/>
+        </p:nvSpPr>
+        <p:spPr>
+          <a:xfrm>
+            <a:off x="4494934" y="20837392"/>
+            <a:ext cx="2840182" cy="595746"/>
+          </a:xfrm>
+          <a:prstGeom prst="flowChartAlternateProcess">
+            <a:avLst/>
+          </a:prstGeom>
+          <a:noFill/>
+          <a:ln>
+            <a:solidFill>
+              <a:schemeClr val="bg1"/>
+            </a:solidFill>
+          </a:ln>
+          <a:effectLst/>
+        </p:spPr>
+        <p:style>
+          <a:lnRef idx="2">
+            <a:schemeClr val="accent1">
+              <a:shade val="50000"/>
+            </a:schemeClr>
+          </a:lnRef>
+          <a:fillRef idx="1">
+            <a:schemeClr val="accent1"/>
+          </a:fillRef>
+          <a:effectRef idx="0">
+            <a:schemeClr val="accent1"/>
+          </a:effectRef>
+          <a:fontRef idx="minor">
+            <a:schemeClr val="lt1"/>
+          </a:fontRef>
+        </p:style>
+        <p:txBody>
+          <a:bodyPr rtlCol="0" anchor="ctr"/>
+          <a:lstStyle/>
+          <a:p>
+            <a:pPr algn="ctr"/>
+            <a:r>
+              <a:rPr lang="en-US" altLang="zh-CN" b="1" dirty="0">
+                <a:solidFill>
+                  <a:schemeClr val="tx2"/>
+                </a:solidFill>
+              </a:rPr>
+              <a:t>Free </a:t>
+            </a:r>
+            <a:r>
+              <a:rPr lang="en-US" altLang="zh-CN" b="1" dirty="0" err="1">
+                <a:solidFill>
+                  <a:schemeClr val="tx2"/>
+                </a:solidFill>
+              </a:rPr>
+              <a:t>gprs</a:t>
+            </a:r>
+            <a:r>
+              <a:rPr lang="en-US" altLang="zh-CN" b="1" dirty="0">
+                <a:solidFill>
+                  <a:schemeClr val="tx2"/>
+                </a:solidFill>
+              </a:rPr>
+              <a:t>()</a:t>
+            </a:r>
+            <a:endParaRPr lang="en-US" b="1" dirty="0">
+              <a:solidFill>
+                <a:schemeClr val="tx2"/>
+              </a:solidFill>
+            </a:endParaRPr>
+          </a:p>
+        </p:txBody>
+      </p:sp>
+      <p:sp>
+        <p:nvSpPr>
+          <p:cNvPr id="8" name="Flowchart: Alternate Process 7">
+            <a:extLst>
+              <a:ext uri="{FF2B5EF4-FFF2-40B4-BE49-F238E27FC236}">
+                <a16:creationId xmlns:a16="http://schemas.microsoft.com/office/drawing/2014/main" id="{7DEAE17A-7632-4371-A160-A0DE5BB2FFE3}"/>
+              </a:ext>
+            </a:extLst>
+          </p:cNvPr>
+          <p:cNvSpPr/>
+          <p:nvPr/>
+        </p:nvSpPr>
+        <p:spPr>
+          <a:xfrm>
+            <a:off x="4572000" y="2956963"/>
+            <a:ext cx="2840182" cy="595746"/>
+          </a:xfrm>
+          <a:prstGeom prst="flowChartAlternateProcess">
+            <a:avLst/>
+          </a:prstGeom>
+          <a:noFill/>
+          <a:ln>
+            <a:solidFill>
+              <a:schemeClr val="bg1"/>
+            </a:solidFill>
+          </a:ln>
+          <a:effectLst/>
+        </p:spPr>
+        <p:style>
+          <a:lnRef idx="2">
+            <a:schemeClr val="accent1">
+              <a:shade val="50000"/>
+            </a:schemeClr>
+          </a:lnRef>
+          <a:fillRef idx="1">
+            <a:schemeClr val="accent1"/>
+          </a:fillRef>
+          <a:effectRef idx="0">
+            <a:schemeClr val="accent1"/>
+          </a:effectRef>
+          <a:fontRef idx="minor">
+            <a:schemeClr val="lt1"/>
+          </a:fontRef>
+        </p:style>
+        <p:txBody>
+          <a:bodyPr rtlCol="0" anchor="ctr"/>
+          <a:lstStyle/>
+          <a:p>
+            <a:pPr algn="ctr"/>
+            <a:r>
+              <a:rPr lang="en-US" altLang="zh-CN" b="1" dirty="0" err="1">
+                <a:solidFill>
+                  <a:schemeClr val="tx2"/>
+                </a:solidFill>
+              </a:rPr>
+              <a:t>writeProgramDetail</a:t>
+            </a:r>
+            <a:r>
+              <a:rPr lang="en-US" altLang="zh-CN" b="1" dirty="0">
+                <a:solidFill>
+                  <a:schemeClr val="tx2"/>
+                </a:solidFill>
+              </a:rPr>
+              <a:t>()</a:t>
+            </a:r>
+            <a:endParaRPr lang="en-US" b="1" dirty="0">
+              <a:solidFill>
+                <a:schemeClr val="tx2"/>
+              </a:solidFill>
+            </a:endParaRPr>
+          </a:p>
+        </p:txBody>
+      </p:sp>
+      <p:sp>
+        <p:nvSpPr>
+          <p:cNvPr id="9" name="Flowchart: Alternate Process 8">
+            <a:extLst>
+              <a:ext uri="{FF2B5EF4-FFF2-40B4-BE49-F238E27FC236}">
+                <a16:creationId xmlns:a16="http://schemas.microsoft.com/office/drawing/2014/main" id="{DBB3BF9A-7DB6-4C61-918C-502B7AF66539}"/>
+              </a:ext>
+            </a:extLst>
+          </p:cNvPr>
+          <p:cNvSpPr/>
+          <p:nvPr/>
+        </p:nvSpPr>
+        <p:spPr>
+          <a:xfrm>
+            <a:off x="4195330" y="3893878"/>
+            <a:ext cx="3216852" cy="595746"/>
+          </a:xfrm>
+          <a:prstGeom prst="flowChartAlternateProcess">
+            <a:avLst/>
+          </a:prstGeom>
+          <a:noFill/>
+          <a:ln>
+            <a:solidFill>
+              <a:schemeClr val="bg1"/>
+            </a:solidFill>
+          </a:ln>
+          <a:effectLst/>
+        </p:spPr>
+        <p:style>
+          <a:lnRef idx="2">
+            <a:schemeClr val="accent1">
+              <a:shade val="50000"/>
+            </a:schemeClr>
+          </a:lnRef>
+          <a:fillRef idx="1">
+            <a:schemeClr val="accent1"/>
+          </a:fillRef>
+          <a:effectRef idx="0">
+            <a:schemeClr val="accent1"/>
+          </a:effectRef>
+          <a:fontRef idx="minor">
+            <a:schemeClr val="lt1"/>
+          </a:fontRef>
+        </p:style>
+        <p:txBody>
+          <a:bodyPr rtlCol="0" anchor="ctr"/>
+          <a:lstStyle/>
+          <a:p>
+            <a:pPr algn="ctr"/>
+            <a:r>
+              <a:rPr lang="en-US" altLang="zh-CN" b="1" dirty="0" err="1">
+                <a:solidFill>
+                  <a:schemeClr val="tx2"/>
+                </a:solidFill>
+              </a:rPr>
+              <a:t>write_double_wave_program</a:t>
+            </a:r>
+            <a:r>
+              <a:rPr lang="en-US" altLang="zh-CN" b="1" dirty="0">
+                <a:solidFill>
+                  <a:schemeClr val="tx2"/>
+                </a:solidFill>
+              </a:rPr>
+              <a:t>()</a:t>
+            </a:r>
+            <a:endParaRPr lang="en-US" b="1" dirty="0">
+              <a:solidFill>
+                <a:schemeClr val="tx2"/>
+              </a:solidFill>
+            </a:endParaRPr>
+          </a:p>
+        </p:txBody>
+      </p:sp>
+      <p:sp>
+        <p:nvSpPr>
+          <p:cNvPr id="6" name="Callout: Bent Line 5">
+            <a:extLst>
+              <a:ext uri="{FF2B5EF4-FFF2-40B4-BE49-F238E27FC236}">
+                <a16:creationId xmlns:a16="http://schemas.microsoft.com/office/drawing/2014/main" id="{F56A07D8-5653-4ECA-AF8C-D5F0FCCB03BD}"/>
+              </a:ext>
+            </a:extLst>
+          </p:cNvPr>
+          <p:cNvSpPr/>
+          <p:nvPr/>
+        </p:nvSpPr>
+        <p:spPr>
+          <a:xfrm>
+            <a:off x="8669772" y="1211728"/>
+            <a:ext cx="2840182" cy="874130"/>
+          </a:xfrm>
+          <a:prstGeom prst="borderCallout2">
+            <a:avLst>
+              <a:gd name="adj1" fmla="val 51146"/>
+              <a:gd name="adj2" fmla="val -40"/>
+              <a:gd name="adj3" fmla="val 51746"/>
+              <a:gd name="adj4" fmla="val -18903"/>
+              <a:gd name="adj5" fmla="val 111263"/>
+              <a:gd name="adj6" fmla="val -44319"/>
+            </a:avLst>
+          </a:prstGeom>
+          <a:noFill/>
+          <a:ln w="19050">
+            <a:solidFill>
+              <a:schemeClr val="bg1"/>
+            </a:solidFill>
+            <a:prstDash val="sysDash"/>
+          </a:ln>
+          <a:effectLst/>
+        </p:spPr>
+        <p:style>
+          <a:lnRef idx="2">
+            <a:schemeClr val="accent1">
+              <a:shade val="50000"/>
+            </a:schemeClr>
+          </a:lnRef>
+          <a:fillRef idx="1">
+            <a:schemeClr val="accent1"/>
+          </a:fillRef>
+          <a:effectRef idx="0">
+            <a:schemeClr val="accent1"/>
+          </a:effectRef>
+          <a:fontRef idx="minor">
+            <a:schemeClr val="lt1"/>
+          </a:fontRef>
+        </p:style>
+        <p:txBody>
+          <a:bodyPr rtlCol="0" anchor="ctr"/>
+          <a:lstStyle/>
+          <a:p>
+            <a:pPr algn="ctr"/>
+            <a:r>
+              <a:rPr lang="en-US" altLang="zh-CN" dirty="0">
+                <a:solidFill>
+                  <a:schemeClr val="bg1"/>
+                </a:solidFill>
+              </a:rPr>
+              <a:t>Load size pre </a:t>
+            </a:r>
+            <a:r>
+              <a:rPr lang="en-US" altLang="zh-CN" dirty="0" err="1">
+                <a:solidFill>
+                  <a:schemeClr val="bg1"/>
+                </a:solidFill>
+              </a:rPr>
+              <a:t>calcu</a:t>
+            </a:r>
+            <a:endParaRPr lang="en-US" altLang="zh-CN" dirty="0">
+              <a:solidFill>
+                <a:schemeClr val="bg1"/>
+              </a:solidFill>
+            </a:endParaRPr>
+          </a:p>
+          <a:p>
+            <a:pPr algn="ctr"/>
+            <a:r>
+              <a:rPr lang="en-US" altLang="zh-CN" dirty="0">
+                <a:solidFill>
+                  <a:schemeClr val="bg1"/>
+                </a:solidFill>
+              </a:rPr>
+              <a:t>Check param</a:t>
+            </a:r>
+          </a:p>
+          <a:p>
+            <a:pPr algn="ctr"/>
+            <a:r>
+              <a:rPr lang="en-US" dirty="0">
+                <a:solidFill>
+                  <a:schemeClr val="bg1"/>
+                </a:solidFill>
+              </a:rPr>
+              <a:t>Calculate workgroup</a:t>
+            </a:r>
+          </a:p>
+        </p:txBody>
+      </p:sp>
+      <p:sp>
+        <p:nvSpPr>
+          <p:cNvPr id="10" name="Callout: Bent Line 9">
+            <a:extLst>
+              <a:ext uri="{FF2B5EF4-FFF2-40B4-BE49-F238E27FC236}">
+                <a16:creationId xmlns:a16="http://schemas.microsoft.com/office/drawing/2014/main" id="{09D3F217-8E43-4DEF-9E78-2DFAF2D156B6}"/>
+              </a:ext>
+            </a:extLst>
+          </p:cNvPr>
+          <p:cNvSpPr/>
+          <p:nvPr/>
+        </p:nvSpPr>
+        <p:spPr>
+          <a:xfrm>
+            <a:off x="8669772" y="2391744"/>
+            <a:ext cx="2840182" cy="683630"/>
+          </a:xfrm>
+          <a:prstGeom prst="borderCallout2">
+            <a:avLst>
+              <a:gd name="adj1" fmla="val 51146"/>
+              <a:gd name="adj2" fmla="val -40"/>
+              <a:gd name="adj3" fmla="val 51746"/>
+              <a:gd name="adj4" fmla="val -18903"/>
+              <a:gd name="adj5" fmla="val 111263"/>
+              <a:gd name="adj6" fmla="val -44319"/>
+            </a:avLst>
+          </a:prstGeom>
+          <a:noFill/>
+          <a:ln w="19050">
+            <a:solidFill>
+              <a:schemeClr val="bg1"/>
+            </a:solidFill>
+            <a:prstDash val="sysDash"/>
+          </a:ln>
+          <a:effectLst/>
+        </p:spPr>
+        <p:style>
+          <a:lnRef idx="2">
+            <a:schemeClr val="accent1">
+              <a:shade val="50000"/>
+            </a:schemeClr>
+          </a:lnRef>
+          <a:fillRef idx="1">
+            <a:schemeClr val="accent1"/>
+          </a:fillRef>
+          <a:effectRef idx="0">
+            <a:schemeClr val="accent1"/>
+          </a:effectRef>
+          <a:fontRef idx="minor">
+            <a:schemeClr val="lt1"/>
+          </a:fontRef>
+        </p:style>
+        <p:txBody>
+          <a:bodyPr rtlCol="0" anchor="ctr"/>
+          <a:lstStyle/>
+          <a:p>
+            <a:pPr algn="ctr"/>
+            <a:r>
+              <a:rPr lang="en-US" altLang="zh-CN" dirty="0">
+                <a:solidFill>
+                  <a:schemeClr val="bg1"/>
+                </a:solidFill>
+              </a:rPr>
+              <a:t>Load kernel </a:t>
+            </a:r>
+            <a:r>
+              <a:rPr lang="en-US" altLang="zh-CN" dirty="0" err="1">
+                <a:solidFill>
+                  <a:schemeClr val="bg1"/>
+                </a:solidFill>
+              </a:rPr>
+              <a:t>args</a:t>
+            </a:r>
+            <a:endParaRPr lang="en-US" altLang="zh-CN" dirty="0">
+              <a:solidFill>
+                <a:schemeClr val="bg1"/>
+              </a:solidFill>
+            </a:endParaRPr>
+          </a:p>
+          <a:p>
+            <a:pPr algn="ctr"/>
+            <a:r>
+              <a:rPr lang="en-US" altLang="zh-CN" dirty="0">
+                <a:solidFill>
+                  <a:schemeClr val="bg1"/>
+                </a:solidFill>
+              </a:rPr>
+              <a:t>Calculate </a:t>
+            </a:r>
+            <a:r>
+              <a:rPr lang="en-US" altLang="zh-CN" dirty="0" err="1">
+                <a:solidFill>
+                  <a:schemeClr val="bg1"/>
+                </a:solidFill>
+              </a:rPr>
+              <a:t>waveid</a:t>
+            </a:r>
+            <a:r>
+              <a:rPr lang="en-US" altLang="zh-CN" dirty="0">
+                <a:solidFill>
+                  <a:schemeClr val="bg1"/>
+                </a:solidFill>
+              </a:rPr>
+              <a:t>/</a:t>
+            </a:r>
+            <a:r>
+              <a:rPr lang="en-US" altLang="zh-CN" dirty="0" err="1">
+                <a:solidFill>
+                  <a:schemeClr val="bg1"/>
+                </a:solidFill>
+              </a:rPr>
+              <a:t>threadid</a:t>
+            </a:r>
+            <a:endParaRPr lang="en-US" altLang="zh-CN" dirty="0">
+              <a:solidFill>
+                <a:schemeClr val="bg1"/>
+              </a:solidFill>
+            </a:endParaRPr>
+          </a:p>
+        </p:txBody>
+      </p:sp>
+      <p:sp>
+        <p:nvSpPr>
+          <p:cNvPr id="11" name="Callout: Bent Line 10">
+            <a:extLst>
+              <a:ext uri="{FF2B5EF4-FFF2-40B4-BE49-F238E27FC236}">
+                <a16:creationId xmlns:a16="http://schemas.microsoft.com/office/drawing/2014/main" id="{F7A869EA-2805-4262-970A-3780701768B0}"/>
+              </a:ext>
+            </a:extLst>
+          </p:cNvPr>
+          <p:cNvSpPr/>
+          <p:nvPr/>
+        </p:nvSpPr>
+        <p:spPr>
+          <a:xfrm>
+            <a:off x="8681804" y="3431784"/>
+            <a:ext cx="3393208" cy="513264"/>
+          </a:xfrm>
+          <a:prstGeom prst="borderCallout2">
+            <a:avLst>
+              <a:gd name="adj1" fmla="val 53002"/>
+              <a:gd name="adj2" fmla="val -320"/>
+              <a:gd name="adj3" fmla="val 52983"/>
+              <a:gd name="adj4" fmla="val -19090"/>
+              <a:gd name="adj5" fmla="val 116830"/>
+              <a:gd name="adj6" fmla="val -37470"/>
+            </a:avLst>
+          </a:prstGeom>
+          <a:noFill/>
+          <a:ln w="19050">
+            <a:solidFill>
+              <a:schemeClr val="bg1"/>
+            </a:solidFill>
+            <a:prstDash val="sysDash"/>
+          </a:ln>
+          <a:effectLst/>
+        </p:spPr>
+        <p:style>
+          <a:lnRef idx="2">
+            <a:schemeClr val="accent1">
+              <a:shade val="50000"/>
+            </a:schemeClr>
+          </a:lnRef>
+          <a:fillRef idx="1">
+            <a:schemeClr val="accent1"/>
+          </a:fillRef>
+          <a:effectRef idx="0">
+            <a:schemeClr val="accent1"/>
+          </a:effectRef>
+          <a:fontRef idx="minor">
+            <a:schemeClr val="lt1"/>
+          </a:fontRef>
+        </p:style>
+        <p:txBody>
+          <a:bodyPr rtlCol="0" anchor="ctr"/>
+          <a:lstStyle/>
+          <a:p>
+            <a:pPr algn="ctr"/>
+            <a:r>
+              <a:rPr lang="en-US" altLang="zh-CN" dirty="0">
+                <a:solidFill>
+                  <a:schemeClr val="bg1"/>
+                </a:solidFill>
+              </a:rPr>
+              <a:t>Separate math wave&amp; fetch wave</a:t>
+            </a:r>
+          </a:p>
+        </p:txBody>
+      </p:sp>
+      <p:sp>
+        <p:nvSpPr>
+          <p:cNvPr id="12" name="Flowchart: Alternate Process 11">
+            <a:extLst>
+              <a:ext uri="{FF2B5EF4-FFF2-40B4-BE49-F238E27FC236}">
+                <a16:creationId xmlns:a16="http://schemas.microsoft.com/office/drawing/2014/main" id="{FCA5ABC2-74EB-42C2-BDAD-6EAC4C6CAA5B}"/>
+              </a:ext>
+            </a:extLst>
+          </p:cNvPr>
+          <p:cNvSpPr/>
+          <p:nvPr/>
+        </p:nvSpPr>
+        <p:spPr>
+          <a:xfrm>
+            <a:off x="-977076" y="5813715"/>
+            <a:ext cx="3216852" cy="595746"/>
+          </a:xfrm>
+          <a:prstGeom prst="flowChartAlternateProcess">
+            <a:avLst/>
+          </a:prstGeom>
+          <a:noFill/>
+          <a:ln>
+            <a:solidFill>
+              <a:srgbClr val="0070C0"/>
+            </a:solidFill>
+          </a:ln>
+          <a:effectLst/>
+        </p:spPr>
+        <p:style>
+          <a:lnRef idx="2">
+            <a:schemeClr val="accent1">
+              <a:shade val="50000"/>
+            </a:schemeClr>
+          </a:lnRef>
+          <a:fillRef idx="1">
+            <a:schemeClr val="accent1"/>
+          </a:fillRef>
+          <a:effectRef idx="0">
+            <a:schemeClr val="accent1"/>
+          </a:effectRef>
+          <a:fontRef idx="minor">
+            <a:schemeClr val="lt1"/>
+          </a:fontRef>
+        </p:style>
+        <p:txBody>
+          <a:bodyPr rtlCol="0" anchor="ctr"/>
+          <a:lstStyle/>
+          <a:p>
+            <a:pPr algn="ctr"/>
+            <a:r>
+              <a:rPr lang="en-US" altLang="zh-CN" b="1" dirty="0" err="1">
+                <a:solidFill>
+                  <a:srgbClr val="0070C0"/>
+                </a:solidFill>
+              </a:rPr>
+              <a:t>write_math_wave_program</a:t>
+            </a:r>
+            <a:r>
+              <a:rPr lang="en-US" altLang="zh-CN" b="1" dirty="0">
+                <a:solidFill>
+                  <a:srgbClr val="0070C0"/>
+                </a:solidFill>
+              </a:rPr>
+              <a:t>()</a:t>
+            </a:r>
+          </a:p>
+        </p:txBody>
+      </p:sp>
+      <p:sp>
+        <p:nvSpPr>
+          <p:cNvPr id="13" name="Flowchart: Alternate Process 12">
+            <a:extLst>
+              <a:ext uri="{FF2B5EF4-FFF2-40B4-BE49-F238E27FC236}">
+                <a16:creationId xmlns:a16="http://schemas.microsoft.com/office/drawing/2014/main" id="{143DC81B-1135-4CBC-BA3F-44AD073309ED}"/>
+              </a:ext>
+            </a:extLst>
+          </p:cNvPr>
+          <p:cNvSpPr/>
+          <p:nvPr/>
+        </p:nvSpPr>
+        <p:spPr>
+          <a:xfrm>
+            <a:off x="9455782" y="5866191"/>
+            <a:ext cx="3216852" cy="595746"/>
+          </a:xfrm>
+          <a:prstGeom prst="flowChartAlternateProcess">
+            <a:avLst/>
+          </a:prstGeom>
+          <a:noFill/>
+          <a:ln>
+            <a:solidFill>
+              <a:srgbClr val="00B050"/>
+            </a:solidFill>
+          </a:ln>
+          <a:effectLst/>
+        </p:spPr>
+        <p:style>
+          <a:lnRef idx="2">
+            <a:schemeClr val="accent1">
+              <a:shade val="50000"/>
+            </a:schemeClr>
+          </a:lnRef>
+          <a:fillRef idx="1">
+            <a:schemeClr val="accent1"/>
+          </a:fillRef>
+          <a:effectRef idx="0">
+            <a:schemeClr val="accent1"/>
+          </a:effectRef>
+          <a:fontRef idx="minor">
+            <a:schemeClr val="lt1"/>
+          </a:fontRef>
+        </p:style>
+        <p:txBody>
+          <a:bodyPr rtlCol="0" anchor="ctr"/>
+          <a:lstStyle/>
+          <a:p>
+            <a:pPr algn="ctr"/>
+            <a:r>
+              <a:rPr lang="en-US" altLang="zh-CN" b="1" dirty="0" err="1">
+                <a:solidFill>
+                  <a:srgbClr val="00B050"/>
+                </a:solidFill>
+              </a:rPr>
+              <a:t>write_fetch_wave_program</a:t>
+            </a:r>
+            <a:r>
+              <a:rPr lang="en-US" altLang="zh-CN" b="1" dirty="0">
+                <a:solidFill>
+                  <a:srgbClr val="00B050"/>
+                </a:solidFill>
+              </a:rPr>
+              <a:t>()</a:t>
+            </a:r>
+          </a:p>
+        </p:txBody>
+      </p:sp>
+      <p:sp>
+        <p:nvSpPr>
+          <p:cNvPr id="14" name="Callout: Bent Line 13">
+            <a:extLst>
+              <a:ext uri="{FF2B5EF4-FFF2-40B4-BE49-F238E27FC236}">
+                <a16:creationId xmlns:a16="http://schemas.microsoft.com/office/drawing/2014/main" id="{5C104800-1232-49E6-BFB9-A2CAA471D6D3}"/>
+              </a:ext>
+            </a:extLst>
+          </p:cNvPr>
+          <p:cNvSpPr/>
+          <p:nvPr/>
+        </p:nvSpPr>
+        <p:spPr>
+          <a:xfrm>
+            <a:off x="6094412" y="4999921"/>
+            <a:ext cx="2840182" cy="1117727"/>
+          </a:xfrm>
+          <a:prstGeom prst="borderCallout2">
+            <a:avLst>
+              <a:gd name="adj1" fmla="val 51146"/>
+              <a:gd name="adj2" fmla="val 99960"/>
+              <a:gd name="adj3" fmla="val 51036"/>
+              <a:gd name="adj4" fmla="val 111780"/>
+              <a:gd name="adj5" fmla="val 81877"/>
+              <a:gd name="adj6" fmla="val 118437"/>
+            </a:avLst>
+          </a:prstGeom>
+          <a:noFill/>
+          <a:ln w="19050">
+            <a:solidFill>
+              <a:srgbClr val="00B050"/>
+            </a:solidFill>
+            <a:prstDash val="sysDash"/>
+          </a:ln>
+          <a:effectLst/>
+        </p:spPr>
+        <p:style>
+          <a:lnRef idx="2">
+            <a:schemeClr val="accent1">
+              <a:shade val="50000"/>
+            </a:schemeClr>
+          </a:lnRef>
+          <a:fillRef idx="1">
+            <a:schemeClr val="accent1"/>
+          </a:fillRef>
+          <a:effectRef idx="0">
+            <a:schemeClr val="accent1"/>
+          </a:effectRef>
+          <a:fontRef idx="minor">
+            <a:schemeClr val="lt1"/>
+          </a:fontRef>
+        </p:style>
+        <p:txBody>
+          <a:bodyPr rtlCol="0" anchor="ctr"/>
+          <a:lstStyle/>
+          <a:p>
+            <a:pPr algn="ctr"/>
+            <a:r>
+              <a:rPr lang="en-US" altLang="zh-CN" dirty="0">
+                <a:solidFill>
+                  <a:srgbClr val="00B050"/>
+                </a:solidFill>
+              </a:rPr>
+              <a:t>Init </a:t>
+            </a:r>
+            <a:r>
+              <a:rPr lang="en-US" altLang="zh-CN" dirty="0" err="1">
+                <a:solidFill>
+                  <a:srgbClr val="00B050"/>
+                </a:solidFill>
+              </a:rPr>
+              <a:t>accVgpr</a:t>
+            </a:r>
+            <a:r>
+              <a:rPr lang="en-US" altLang="zh-CN" dirty="0">
+                <a:solidFill>
+                  <a:srgbClr val="00B050"/>
+                </a:solidFill>
+              </a:rPr>
+              <a:t> to 0</a:t>
+            </a:r>
+          </a:p>
+          <a:p>
+            <a:pPr algn="ctr"/>
+            <a:r>
+              <a:rPr lang="en-US" altLang="zh-CN" dirty="0" err="1">
+                <a:solidFill>
+                  <a:srgbClr val="00B050"/>
+                </a:solidFill>
+              </a:rPr>
+              <a:t>Calcu</a:t>
+            </a:r>
+            <a:r>
+              <a:rPr lang="en-US" altLang="zh-CN" dirty="0">
+                <a:solidFill>
+                  <a:srgbClr val="00B050"/>
+                </a:solidFill>
+              </a:rPr>
+              <a:t> A LDS read </a:t>
+            </a:r>
+            <a:r>
+              <a:rPr lang="en-US" altLang="zh-CN" dirty="0" err="1">
+                <a:solidFill>
+                  <a:srgbClr val="00B050"/>
+                </a:solidFill>
+              </a:rPr>
+              <a:t>addr</a:t>
+            </a:r>
+            <a:endParaRPr lang="en-US" altLang="zh-CN" dirty="0">
+              <a:solidFill>
+                <a:srgbClr val="00B050"/>
+              </a:solidFill>
+            </a:endParaRPr>
+          </a:p>
+          <a:p>
+            <a:pPr algn="ctr"/>
+            <a:r>
+              <a:rPr lang="en-US" altLang="zh-CN" dirty="0" err="1">
+                <a:solidFill>
+                  <a:srgbClr val="00B050"/>
+                </a:solidFill>
+              </a:rPr>
+              <a:t>Calcu</a:t>
+            </a:r>
+            <a:r>
+              <a:rPr lang="en-US" altLang="zh-CN" dirty="0">
+                <a:solidFill>
+                  <a:srgbClr val="00B050"/>
+                </a:solidFill>
+              </a:rPr>
+              <a:t> B LDS read </a:t>
+            </a:r>
+            <a:r>
+              <a:rPr lang="en-US" altLang="zh-CN" dirty="0" err="1">
+                <a:solidFill>
+                  <a:srgbClr val="00B050"/>
+                </a:solidFill>
+              </a:rPr>
+              <a:t>addr</a:t>
+            </a:r>
+            <a:endParaRPr lang="en-US" altLang="zh-CN" dirty="0">
+              <a:solidFill>
+                <a:srgbClr val="00B050"/>
+              </a:solidFill>
+            </a:endParaRPr>
+          </a:p>
+          <a:p>
+            <a:pPr algn="ctr"/>
+            <a:r>
+              <a:rPr lang="en-US" altLang="zh-CN" dirty="0" err="1">
+                <a:solidFill>
+                  <a:srgbClr val="00B050"/>
+                </a:solidFill>
+              </a:rPr>
+              <a:t>Calcu</a:t>
+            </a:r>
+            <a:r>
+              <a:rPr lang="en-US" altLang="zh-CN" dirty="0">
+                <a:solidFill>
+                  <a:srgbClr val="00B050"/>
+                </a:solidFill>
+              </a:rPr>
+              <a:t> D global store </a:t>
+            </a:r>
+            <a:r>
+              <a:rPr lang="en-US" altLang="zh-CN" dirty="0" err="1">
+                <a:solidFill>
+                  <a:srgbClr val="00B050"/>
+                </a:solidFill>
+              </a:rPr>
+              <a:t>addr</a:t>
+            </a:r>
+            <a:endParaRPr lang="en-US" altLang="zh-CN" dirty="0">
+              <a:solidFill>
+                <a:srgbClr val="00B050"/>
+              </a:solidFill>
+            </a:endParaRPr>
+          </a:p>
+        </p:txBody>
+      </p:sp>
+      <p:sp>
+        <p:nvSpPr>
+          <p:cNvPr id="15" name="Callout: Bent Line 14">
+            <a:extLst>
+              <a:ext uri="{FF2B5EF4-FFF2-40B4-BE49-F238E27FC236}">
+                <a16:creationId xmlns:a16="http://schemas.microsoft.com/office/drawing/2014/main" id="{671B45BD-1299-435E-80F6-A843321B6BB7}"/>
+              </a:ext>
+            </a:extLst>
+          </p:cNvPr>
+          <p:cNvSpPr/>
+          <p:nvPr/>
+        </p:nvSpPr>
+        <p:spPr>
+          <a:xfrm>
+            <a:off x="2829553" y="5015912"/>
+            <a:ext cx="2840182" cy="1101736"/>
+          </a:xfrm>
+          <a:prstGeom prst="borderCallout2">
+            <a:avLst>
+              <a:gd name="adj1" fmla="val 51146"/>
+              <a:gd name="adj2" fmla="val -40"/>
+              <a:gd name="adj3" fmla="val 51746"/>
+              <a:gd name="adj4" fmla="val -13984"/>
+              <a:gd name="adj5" fmla="val 75529"/>
+              <a:gd name="adj6" fmla="val -21067"/>
+            </a:avLst>
+          </a:prstGeom>
+          <a:noFill/>
+          <a:ln w="19050">
+            <a:solidFill>
+              <a:srgbClr val="0070C0"/>
+            </a:solidFill>
+            <a:prstDash val="sysDash"/>
+          </a:ln>
+          <a:effectLst/>
+        </p:spPr>
+        <p:style>
+          <a:lnRef idx="2">
+            <a:schemeClr val="accent1">
+              <a:shade val="50000"/>
+            </a:schemeClr>
+          </a:lnRef>
+          <a:fillRef idx="1">
+            <a:schemeClr val="accent1"/>
+          </a:fillRef>
+          <a:effectRef idx="0">
+            <a:schemeClr val="accent1"/>
+          </a:effectRef>
+          <a:fontRef idx="minor">
+            <a:schemeClr val="lt1"/>
+          </a:fontRef>
+        </p:style>
+        <p:txBody>
+          <a:bodyPr rtlCol="0" anchor="ctr"/>
+          <a:lstStyle/>
+          <a:p>
+            <a:pPr algn="ctr"/>
+            <a:r>
+              <a:rPr lang="en-US" altLang="zh-CN" dirty="0" err="1">
+                <a:solidFill>
+                  <a:srgbClr val="0070C0"/>
+                </a:solidFill>
+              </a:rPr>
+              <a:t>Calcu</a:t>
+            </a:r>
+            <a:r>
+              <a:rPr lang="en-US" altLang="zh-CN" dirty="0">
+                <a:solidFill>
+                  <a:srgbClr val="0070C0"/>
+                </a:solidFill>
+              </a:rPr>
+              <a:t> A global fetch add</a:t>
+            </a:r>
+          </a:p>
+          <a:p>
+            <a:pPr algn="ctr"/>
+            <a:r>
+              <a:rPr lang="en-US" altLang="zh-CN" dirty="0" err="1">
+                <a:solidFill>
+                  <a:srgbClr val="0070C0"/>
+                </a:solidFill>
+              </a:rPr>
+              <a:t>Calcu</a:t>
+            </a:r>
+            <a:r>
+              <a:rPr lang="en-US" altLang="zh-CN" dirty="0">
+                <a:solidFill>
+                  <a:srgbClr val="0070C0"/>
+                </a:solidFill>
+              </a:rPr>
+              <a:t> A LDS write </a:t>
+            </a:r>
+            <a:r>
+              <a:rPr lang="en-US" altLang="zh-CN" dirty="0" err="1">
+                <a:solidFill>
+                  <a:srgbClr val="0070C0"/>
+                </a:solidFill>
+              </a:rPr>
+              <a:t>addr</a:t>
+            </a:r>
+            <a:endParaRPr lang="en-US" altLang="zh-CN" dirty="0">
+              <a:solidFill>
+                <a:srgbClr val="0070C0"/>
+              </a:solidFill>
+            </a:endParaRPr>
+          </a:p>
+          <a:p>
+            <a:pPr algn="ctr"/>
+            <a:r>
+              <a:rPr lang="en-US" altLang="zh-CN" dirty="0" err="1">
+                <a:solidFill>
+                  <a:srgbClr val="0070C0"/>
+                </a:solidFill>
+              </a:rPr>
+              <a:t>Calcu</a:t>
+            </a:r>
+            <a:r>
+              <a:rPr lang="en-US" altLang="zh-CN" dirty="0">
+                <a:solidFill>
+                  <a:srgbClr val="0070C0"/>
+                </a:solidFill>
+              </a:rPr>
+              <a:t> B global fetch add</a:t>
+            </a:r>
+          </a:p>
+          <a:p>
+            <a:pPr algn="ctr"/>
+            <a:r>
+              <a:rPr lang="en-US" altLang="zh-CN" dirty="0" err="1">
+                <a:solidFill>
+                  <a:srgbClr val="0070C0"/>
+                </a:solidFill>
+              </a:rPr>
+              <a:t>Calcu</a:t>
+            </a:r>
+            <a:r>
+              <a:rPr lang="en-US" altLang="zh-CN" dirty="0">
+                <a:solidFill>
+                  <a:srgbClr val="0070C0"/>
+                </a:solidFill>
+              </a:rPr>
+              <a:t> B LDS write </a:t>
+            </a:r>
+            <a:r>
+              <a:rPr lang="en-US" altLang="zh-CN" dirty="0" err="1">
+                <a:solidFill>
+                  <a:srgbClr val="0070C0"/>
+                </a:solidFill>
+              </a:rPr>
+              <a:t>addr</a:t>
+            </a:r>
+            <a:endParaRPr lang="en-US" altLang="zh-CN" dirty="0">
+              <a:solidFill>
+                <a:srgbClr val="0070C0"/>
+              </a:solidFill>
+            </a:endParaRPr>
+          </a:p>
+        </p:txBody>
+      </p:sp>
+      <p:sp>
+        <p:nvSpPr>
+          <p:cNvPr id="18" name="Flowchart: Alternate Process 17">
+            <a:extLst>
+              <a:ext uri="{FF2B5EF4-FFF2-40B4-BE49-F238E27FC236}">
+                <a16:creationId xmlns:a16="http://schemas.microsoft.com/office/drawing/2014/main" id="{47F37B64-420A-4641-B72D-201429653FA9}"/>
+              </a:ext>
+            </a:extLst>
+          </p:cNvPr>
+          <p:cNvSpPr/>
+          <p:nvPr/>
+        </p:nvSpPr>
+        <p:spPr>
+          <a:xfrm>
+            <a:off x="-977076" y="7803592"/>
+            <a:ext cx="3216852" cy="595746"/>
+          </a:xfrm>
+          <a:prstGeom prst="flowChartAlternateProcess">
+            <a:avLst/>
+          </a:prstGeom>
+          <a:noFill/>
+          <a:ln>
+            <a:solidFill>
+              <a:srgbClr val="0070C0"/>
+            </a:solidFill>
+          </a:ln>
+          <a:effectLst/>
+        </p:spPr>
+        <p:style>
+          <a:lnRef idx="2">
+            <a:schemeClr val="accent1">
+              <a:shade val="50000"/>
+            </a:schemeClr>
+          </a:lnRef>
+          <a:fillRef idx="1">
+            <a:schemeClr val="accent1"/>
+          </a:fillRef>
+          <a:effectRef idx="0">
+            <a:schemeClr val="accent1"/>
+          </a:effectRef>
+          <a:fontRef idx="minor">
+            <a:schemeClr val="lt1"/>
+          </a:fontRef>
+        </p:style>
+        <p:txBody>
+          <a:bodyPr rtlCol="0" anchor="ctr"/>
+          <a:lstStyle/>
+          <a:p>
+            <a:pPr algn="ctr"/>
+            <a:r>
+              <a:rPr lang="en-US" altLang="zh-CN" b="1" dirty="0" err="1">
+                <a:solidFill>
+                  <a:srgbClr val="0070C0"/>
+                </a:solidFill>
+              </a:rPr>
+              <a:t>fetch_glb_to_lds_loop</a:t>
+            </a:r>
+            <a:r>
+              <a:rPr lang="en-US" altLang="zh-CN" b="1" dirty="0">
+                <a:solidFill>
+                  <a:srgbClr val="0070C0"/>
+                </a:solidFill>
+              </a:rPr>
+              <a:t>()</a:t>
+            </a:r>
+          </a:p>
+        </p:txBody>
+      </p:sp>
+      <p:sp>
+        <p:nvSpPr>
+          <p:cNvPr id="28" name="Callout: Bent Line 27">
+            <a:extLst>
+              <a:ext uri="{FF2B5EF4-FFF2-40B4-BE49-F238E27FC236}">
+                <a16:creationId xmlns:a16="http://schemas.microsoft.com/office/drawing/2014/main" id="{EEF40E12-5FD9-4DC2-B0ED-FD0AD7E19783}"/>
+              </a:ext>
+            </a:extLst>
+          </p:cNvPr>
+          <p:cNvSpPr/>
+          <p:nvPr/>
+        </p:nvSpPr>
+        <p:spPr>
+          <a:xfrm>
+            <a:off x="2829553" y="6894118"/>
+            <a:ext cx="2840182" cy="1505220"/>
+          </a:xfrm>
+          <a:prstGeom prst="borderCallout2">
+            <a:avLst>
+              <a:gd name="adj1" fmla="val 51146"/>
+              <a:gd name="adj2" fmla="val -40"/>
+              <a:gd name="adj3" fmla="val 51746"/>
+              <a:gd name="adj4" fmla="val -13984"/>
+              <a:gd name="adj5" fmla="val 75529"/>
+              <a:gd name="adj6" fmla="val -21067"/>
+            </a:avLst>
+          </a:prstGeom>
+          <a:noFill/>
+          <a:ln w="19050">
+            <a:solidFill>
+              <a:srgbClr val="0070C0"/>
+            </a:solidFill>
+            <a:prstDash val="sysDash"/>
+          </a:ln>
+          <a:effectLst/>
+        </p:spPr>
+        <p:style>
+          <a:lnRef idx="2">
+            <a:schemeClr val="accent1">
+              <a:shade val="50000"/>
+            </a:schemeClr>
+          </a:lnRef>
+          <a:fillRef idx="1">
+            <a:schemeClr val="accent1"/>
+          </a:fillRef>
+          <a:effectRef idx="0">
+            <a:schemeClr val="accent1"/>
+          </a:effectRef>
+          <a:fontRef idx="minor">
+            <a:schemeClr val="lt1"/>
+          </a:fontRef>
+        </p:style>
+        <p:txBody>
+          <a:bodyPr rtlCol="0" anchor="ctr"/>
+          <a:lstStyle/>
+          <a:p>
+            <a:pPr algn="ctr"/>
+            <a:r>
+              <a:rPr lang="en-US" altLang="zh-CN" dirty="0">
+                <a:solidFill>
+                  <a:srgbClr val="0070C0"/>
+                </a:solidFill>
+              </a:rPr>
+              <a:t>Buffer load A MT to LDS</a:t>
+            </a:r>
+          </a:p>
+          <a:p>
+            <a:pPr algn="ctr"/>
+            <a:r>
+              <a:rPr lang="en-US" altLang="zh-CN" dirty="0">
+                <a:solidFill>
+                  <a:srgbClr val="0070C0"/>
+                </a:solidFill>
+              </a:rPr>
+              <a:t>Buffer load B MT to LDS</a:t>
+            </a:r>
+          </a:p>
+          <a:p>
+            <a:pPr algn="ctr"/>
+            <a:r>
+              <a:rPr lang="en-US" altLang="zh-CN" dirty="0">
+                <a:solidFill>
+                  <a:srgbClr val="0070C0"/>
+                </a:solidFill>
+              </a:rPr>
+              <a:t>Switch LDS double buffer</a:t>
+            </a:r>
+          </a:p>
+          <a:p>
+            <a:pPr algn="ctr"/>
+            <a:r>
+              <a:rPr lang="en-US" altLang="zh-CN" dirty="0">
+                <a:solidFill>
+                  <a:srgbClr val="0070C0"/>
+                </a:solidFill>
+              </a:rPr>
+              <a:t>Move to next fetch </a:t>
+            </a:r>
+            <a:r>
+              <a:rPr lang="en-US" altLang="zh-CN" dirty="0" err="1">
+                <a:solidFill>
+                  <a:srgbClr val="0070C0"/>
+                </a:solidFill>
+              </a:rPr>
+              <a:t>addr</a:t>
+            </a:r>
+            <a:endParaRPr lang="en-US" altLang="zh-CN" dirty="0">
+              <a:solidFill>
+                <a:srgbClr val="0070C0"/>
+              </a:solidFill>
+            </a:endParaRPr>
+          </a:p>
+        </p:txBody>
+      </p:sp>
+      <p:grpSp>
+        <p:nvGrpSpPr>
+          <p:cNvPr id="99" name="Group 98">
+            <a:extLst>
+              <a:ext uri="{FF2B5EF4-FFF2-40B4-BE49-F238E27FC236}">
+                <a16:creationId xmlns:a16="http://schemas.microsoft.com/office/drawing/2014/main" id="{0F8E3F12-CF29-4803-9E0F-D1FA720FAE51}"/>
+              </a:ext>
+            </a:extLst>
+          </p:cNvPr>
+          <p:cNvGrpSpPr/>
+          <p:nvPr/>
+        </p:nvGrpSpPr>
+        <p:grpSpPr>
+          <a:xfrm>
+            <a:off x="5973617" y="9292939"/>
+            <a:ext cx="6699017" cy="2984324"/>
+            <a:chOff x="5973617" y="9292939"/>
+            <a:chExt cx="6699017" cy="2984324"/>
+          </a:xfrm>
+        </p:grpSpPr>
+        <p:sp>
+          <p:nvSpPr>
+            <p:cNvPr id="16" name="Flowchart: Alternate Process 15">
+              <a:extLst>
+                <a:ext uri="{FF2B5EF4-FFF2-40B4-BE49-F238E27FC236}">
+                  <a16:creationId xmlns:a16="http://schemas.microsoft.com/office/drawing/2014/main" id="{2852D1BD-F1CF-4EDE-BE32-75C02F45FDE4}"/>
+                </a:ext>
+              </a:extLst>
+            </p:cNvPr>
+            <p:cNvSpPr/>
+            <p:nvPr/>
+          </p:nvSpPr>
+          <p:spPr>
+            <a:xfrm>
+              <a:off x="9455782" y="11681517"/>
+              <a:ext cx="3216852" cy="595746"/>
+            </a:xfrm>
+            <a:prstGeom prst="flowChartAlternateProcess">
+              <a:avLst/>
+            </a:prstGeom>
+            <a:noFill/>
+            <a:ln>
+              <a:solidFill>
+                <a:srgbClr val="00B050"/>
+              </a:solidFill>
+            </a:ln>
+            <a:effectLst/>
+          </p:spPr>
+          <p:style>
+            <a:lnRef idx="2">
+              <a:schemeClr val="accent1">
+                <a:shade val="50000"/>
+              </a:schemeClr>
+            </a:lnRef>
+            <a:fillRef idx="1">
+              <a:schemeClr val="accent1"/>
+            </a:fillRef>
+            <a:effectRef idx="0">
+              <a:schemeClr val="accent1"/>
+            </a:effectRef>
+            <a:fontRef idx="minor">
+              <a:schemeClr val="lt1"/>
+            </a:fontRef>
+          </p:style>
+          <p:txBody>
+            <a:bodyPr rtlCol="0" anchor="ctr"/>
+            <a:lstStyle/>
+            <a:p>
+              <a:pPr algn="ctr"/>
+              <a:r>
+                <a:rPr lang="en-US" altLang="zh-CN" b="1" dirty="0" err="1">
+                  <a:solidFill>
+                    <a:srgbClr val="00B050"/>
+                  </a:solidFill>
+                </a:rPr>
+                <a:t>math_lds_loop</a:t>
+              </a:r>
+              <a:r>
+                <a:rPr lang="en-US" altLang="zh-CN" b="1" dirty="0">
+                  <a:solidFill>
+                    <a:srgbClr val="00B050"/>
+                  </a:solidFill>
+                </a:rPr>
+                <a:t>()</a:t>
+              </a:r>
+            </a:p>
+          </p:txBody>
+        </p:sp>
+        <p:sp>
+          <p:nvSpPr>
+            <p:cNvPr id="38" name="Callout: Bent Line 37">
+              <a:extLst>
+                <a:ext uri="{FF2B5EF4-FFF2-40B4-BE49-F238E27FC236}">
+                  <a16:creationId xmlns:a16="http://schemas.microsoft.com/office/drawing/2014/main" id="{2D02C73F-3488-4021-B216-F7815045E9DF}"/>
+                </a:ext>
+              </a:extLst>
+            </p:cNvPr>
+            <p:cNvSpPr/>
+            <p:nvPr/>
+          </p:nvSpPr>
+          <p:spPr>
+            <a:xfrm>
+              <a:off x="6093416" y="9292939"/>
+              <a:ext cx="2840182" cy="2911761"/>
+            </a:xfrm>
+            <a:prstGeom prst="borderCallout2">
+              <a:avLst>
+                <a:gd name="adj1" fmla="val 51146"/>
+                <a:gd name="adj2" fmla="val 99960"/>
+                <a:gd name="adj3" fmla="val 51036"/>
+                <a:gd name="adj4" fmla="val 111780"/>
+                <a:gd name="adj5" fmla="val 81877"/>
+                <a:gd name="adj6" fmla="val 118437"/>
+              </a:avLst>
+            </a:prstGeom>
+            <a:noFill/>
+            <a:ln w="19050">
+              <a:solidFill>
+                <a:srgbClr val="00B050"/>
+              </a:solidFill>
+              <a:prstDash val="sysDash"/>
+            </a:ln>
+            <a:effectLst/>
+          </p:spPr>
+          <p:style>
+            <a:lnRef idx="2">
+              <a:schemeClr val="accent1">
+                <a:shade val="50000"/>
+              </a:schemeClr>
+            </a:lnRef>
+            <a:fillRef idx="1">
+              <a:schemeClr val="accent1"/>
+            </a:fillRef>
+            <a:effectRef idx="0">
+              <a:schemeClr val="accent1"/>
+            </a:effectRef>
+            <a:fontRef idx="minor">
+              <a:schemeClr val="lt1"/>
+            </a:fontRef>
+          </p:style>
+          <p:txBody>
+            <a:bodyPr rtlCol="0" anchor="ctr"/>
+            <a:lstStyle/>
+            <a:p>
+              <a:pPr algn="ctr"/>
+              <a:r>
+                <a:rPr lang="en-US" altLang="zh-CN" dirty="0">
+                  <a:solidFill>
+                    <a:srgbClr val="00B050"/>
+                  </a:solidFill>
+                </a:rPr>
+                <a:t>Read A LDS </a:t>
+              </a:r>
+              <a:r>
+                <a:rPr lang="en-US" altLang="zh-CN" dirty="0" err="1">
+                  <a:solidFill>
+                    <a:srgbClr val="00B050"/>
+                  </a:solidFill>
+                </a:rPr>
+                <a:t>mfma</a:t>
+              </a:r>
+              <a:r>
+                <a:rPr lang="en-US" altLang="zh-CN" dirty="0">
+                  <a:solidFill>
+                    <a:srgbClr val="00B050"/>
+                  </a:solidFill>
+                </a:rPr>
+                <a:t> tile buff0</a:t>
+              </a:r>
+            </a:p>
+            <a:p>
+              <a:pPr algn="ctr"/>
+              <a:r>
+                <a:rPr lang="en-US" altLang="zh-CN" dirty="0">
+                  <a:solidFill>
+                    <a:srgbClr val="00B050"/>
+                  </a:solidFill>
+                </a:rPr>
+                <a:t>Read B LDS </a:t>
+              </a:r>
+              <a:r>
+                <a:rPr lang="en-US" altLang="zh-CN" dirty="0" err="1">
+                  <a:solidFill>
+                    <a:srgbClr val="00B050"/>
+                  </a:solidFill>
+                </a:rPr>
+                <a:t>mfma</a:t>
+              </a:r>
+              <a:r>
+                <a:rPr lang="en-US" altLang="zh-CN" dirty="0">
+                  <a:solidFill>
+                    <a:srgbClr val="00B050"/>
+                  </a:solidFill>
+                </a:rPr>
+                <a:t> tile buff0</a:t>
+              </a:r>
+            </a:p>
+            <a:p>
+              <a:pPr algn="ctr"/>
+              <a:r>
+                <a:rPr lang="en-US" altLang="zh-CN" dirty="0">
+                  <a:solidFill>
+                    <a:srgbClr val="00B050"/>
+                  </a:solidFill>
+                </a:rPr>
+                <a:t>Read A LDS </a:t>
+              </a:r>
+              <a:r>
+                <a:rPr lang="en-US" altLang="zh-CN" dirty="0" err="1">
+                  <a:solidFill>
+                    <a:srgbClr val="00B050"/>
+                  </a:solidFill>
+                </a:rPr>
+                <a:t>mfma</a:t>
+              </a:r>
+              <a:r>
+                <a:rPr lang="en-US" altLang="zh-CN" dirty="0">
+                  <a:solidFill>
+                    <a:srgbClr val="00B050"/>
+                  </a:solidFill>
+                </a:rPr>
+                <a:t> tile buff1</a:t>
+              </a:r>
+            </a:p>
+            <a:p>
+              <a:pPr algn="ctr"/>
+              <a:r>
+                <a:rPr lang="en-US" altLang="zh-CN" dirty="0">
+                  <a:solidFill>
+                    <a:srgbClr val="00B050"/>
+                  </a:solidFill>
+                </a:rPr>
+                <a:t>Read B LDS </a:t>
+              </a:r>
+              <a:r>
+                <a:rPr lang="en-US" altLang="zh-CN" dirty="0" err="1">
+                  <a:solidFill>
+                    <a:srgbClr val="00B050"/>
+                  </a:solidFill>
+                </a:rPr>
+                <a:t>mfma</a:t>
+              </a:r>
+              <a:r>
+                <a:rPr lang="en-US" altLang="zh-CN" dirty="0">
+                  <a:solidFill>
+                    <a:srgbClr val="00B050"/>
+                  </a:solidFill>
+                </a:rPr>
+                <a:t> tile buff1</a:t>
+              </a:r>
+            </a:p>
+            <a:p>
+              <a:pPr algn="ctr"/>
+              <a:r>
+                <a:rPr lang="en-US" altLang="zh-CN" dirty="0">
+                  <a:solidFill>
+                    <a:srgbClr val="00B050"/>
+                  </a:solidFill>
+                </a:rPr>
+                <a:t>Math </a:t>
+              </a:r>
+              <a:r>
+                <a:rPr lang="en-US" altLang="zh-CN" dirty="0" err="1">
+                  <a:solidFill>
+                    <a:srgbClr val="00B050"/>
+                  </a:solidFill>
+                </a:rPr>
+                <a:t>mfma</a:t>
+              </a:r>
+              <a:r>
+                <a:rPr lang="en-US" altLang="zh-CN" dirty="0">
+                  <a:solidFill>
+                    <a:srgbClr val="00B050"/>
+                  </a:solidFill>
+                </a:rPr>
+                <a:t> tile buff0</a:t>
+              </a:r>
+            </a:p>
+            <a:p>
+              <a:pPr algn="ctr"/>
+              <a:r>
+                <a:rPr lang="en-US" altLang="zh-CN" dirty="0">
+                  <a:solidFill>
+                    <a:srgbClr val="00B050"/>
+                  </a:solidFill>
+                </a:rPr>
+                <a:t>Read A LDS </a:t>
+              </a:r>
+              <a:r>
+                <a:rPr lang="en-US" altLang="zh-CN" dirty="0" err="1">
+                  <a:solidFill>
+                    <a:srgbClr val="00B050"/>
+                  </a:solidFill>
+                </a:rPr>
+                <a:t>mfma</a:t>
+              </a:r>
+              <a:r>
+                <a:rPr lang="en-US" altLang="zh-CN" dirty="0">
+                  <a:solidFill>
+                    <a:srgbClr val="00B050"/>
+                  </a:solidFill>
+                </a:rPr>
+                <a:t> tile buff0</a:t>
+              </a:r>
+            </a:p>
+            <a:p>
+              <a:pPr algn="ctr"/>
+              <a:r>
+                <a:rPr lang="en-US" altLang="zh-CN" dirty="0">
+                  <a:solidFill>
+                    <a:srgbClr val="00B050"/>
+                  </a:solidFill>
+                </a:rPr>
+                <a:t>Read B LDS </a:t>
+              </a:r>
+              <a:r>
+                <a:rPr lang="en-US" altLang="zh-CN" dirty="0" err="1">
+                  <a:solidFill>
+                    <a:srgbClr val="00B050"/>
+                  </a:solidFill>
+                </a:rPr>
+                <a:t>mfma</a:t>
+              </a:r>
+              <a:r>
+                <a:rPr lang="en-US" altLang="zh-CN" dirty="0">
+                  <a:solidFill>
+                    <a:srgbClr val="00B050"/>
+                  </a:solidFill>
+                </a:rPr>
+                <a:t> tile buff0</a:t>
+              </a:r>
+            </a:p>
+            <a:p>
+              <a:pPr algn="ctr"/>
+              <a:r>
+                <a:rPr lang="en-US" altLang="zh-CN" dirty="0">
+                  <a:solidFill>
+                    <a:srgbClr val="00B050"/>
+                  </a:solidFill>
+                </a:rPr>
+                <a:t>Math </a:t>
+              </a:r>
+              <a:r>
+                <a:rPr lang="en-US" altLang="zh-CN" dirty="0" err="1">
+                  <a:solidFill>
+                    <a:srgbClr val="00B050"/>
+                  </a:solidFill>
+                </a:rPr>
+                <a:t>mfma</a:t>
+              </a:r>
+              <a:r>
+                <a:rPr lang="en-US" altLang="zh-CN" dirty="0">
+                  <a:solidFill>
+                    <a:srgbClr val="00B050"/>
+                  </a:solidFill>
+                </a:rPr>
+                <a:t> tile buff1</a:t>
+              </a:r>
+            </a:p>
+            <a:p>
+              <a:pPr algn="ctr"/>
+              <a:r>
+                <a:rPr lang="en-US" altLang="zh-CN" dirty="0">
+                  <a:solidFill>
+                    <a:srgbClr val="00B050"/>
+                  </a:solidFill>
+                </a:rPr>
+                <a:t>…… ……</a:t>
+              </a:r>
+            </a:p>
+          </p:txBody>
+        </p:sp>
+        <p:grpSp>
+          <p:nvGrpSpPr>
+            <p:cNvPr id="72" name="Group 71">
+              <a:extLst>
+                <a:ext uri="{FF2B5EF4-FFF2-40B4-BE49-F238E27FC236}">
+                  <a16:creationId xmlns:a16="http://schemas.microsoft.com/office/drawing/2014/main" id="{C786E62B-6ECD-42CE-B65D-A04A58D275D9}"/>
+                </a:ext>
+              </a:extLst>
+            </p:cNvPr>
+            <p:cNvGrpSpPr/>
+            <p:nvPr/>
+          </p:nvGrpSpPr>
+          <p:grpSpPr>
+            <a:xfrm>
+              <a:off x="5973617" y="10024415"/>
+              <a:ext cx="2959981" cy="864562"/>
+              <a:chOff x="5973617" y="10595918"/>
+              <a:chExt cx="2959981" cy="864562"/>
+            </a:xfrm>
+          </p:grpSpPr>
+          <p:cxnSp>
+            <p:nvCxnSpPr>
+              <p:cNvPr id="50" name="Connector: Elbow 49">
+                <a:extLst>
+                  <a:ext uri="{FF2B5EF4-FFF2-40B4-BE49-F238E27FC236}">
+                    <a16:creationId xmlns:a16="http://schemas.microsoft.com/office/drawing/2014/main" id="{625F48A9-ED54-4B47-B3D1-127C2455530D}"/>
+                  </a:ext>
+                </a:extLst>
+              </p:cNvPr>
+              <p:cNvCxnSpPr>
+                <a:cxnSpLocks/>
+              </p:cNvCxnSpPr>
+              <p:nvPr/>
+            </p:nvCxnSpPr>
+            <p:spPr>
+              <a:xfrm rot="10800000" flipV="1">
+                <a:off x="5973618" y="10595918"/>
+                <a:ext cx="2959980" cy="470408"/>
+              </a:xfrm>
+              <a:prstGeom prst="bentConnector3">
+                <a:avLst>
+                  <a:gd name="adj1" fmla="val -6206"/>
+                </a:avLst>
+              </a:prstGeom>
+              <a:ln w="19050">
+                <a:solidFill>
+                  <a:schemeClr val="accent5">
+                    <a:lumMod val="60000"/>
+                    <a:lumOff val="40000"/>
+                  </a:schemeClr>
+                </a:solidFill>
+                <a:tailEnd type="none"/>
+              </a:ln>
+            </p:spPr>
+            <p:style>
+              <a:lnRef idx="1">
+                <a:schemeClr val="accent1"/>
+              </a:lnRef>
+              <a:fillRef idx="0">
+                <a:schemeClr val="accent1"/>
+              </a:fillRef>
+              <a:effectRef idx="0">
+                <a:schemeClr val="accent1"/>
+              </a:effectRef>
+              <a:fontRef idx="minor">
+                <a:schemeClr val="tx1"/>
+              </a:fontRef>
+            </p:style>
+          </p:cxnSp>
+          <p:cxnSp>
+            <p:nvCxnSpPr>
+              <p:cNvPr id="66" name="Straight Connector 65">
+                <a:extLst>
+                  <a:ext uri="{FF2B5EF4-FFF2-40B4-BE49-F238E27FC236}">
+                    <a16:creationId xmlns:a16="http://schemas.microsoft.com/office/drawing/2014/main" id="{67514567-C5DF-47C2-A5AF-49431507031E}"/>
+                  </a:ext>
+                </a:extLst>
+              </p:cNvPr>
+              <p:cNvCxnSpPr>
+                <a:cxnSpLocks/>
+              </p:cNvCxnSpPr>
+              <p:nvPr/>
+            </p:nvCxnSpPr>
+            <p:spPr>
+              <a:xfrm>
+                <a:off x="5982525" y="11066327"/>
+                <a:ext cx="0" cy="394153"/>
+              </a:xfrm>
+              <a:prstGeom prst="line">
+                <a:avLst/>
+              </a:prstGeom>
+              <a:ln w="19050">
+                <a:solidFill>
+                  <a:schemeClr val="accent5">
+                    <a:lumMod val="60000"/>
+                    <a:lumOff val="40000"/>
+                  </a:schemeClr>
+                </a:solidFill>
+              </a:ln>
+            </p:spPr>
+            <p:style>
+              <a:lnRef idx="1">
+                <a:schemeClr val="accent1"/>
+              </a:lnRef>
+              <a:fillRef idx="0">
+                <a:schemeClr val="accent1"/>
+              </a:fillRef>
+              <a:effectRef idx="0">
+                <a:schemeClr val="accent1"/>
+              </a:effectRef>
+              <a:fontRef idx="minor">
+                <a:schemeClr val="tx1"/>
+              </a:fontRef>
+            </p:style>
+          </p:cxnSp>
+          <p:cxnSp>
+            <p:nvCxnSpPr>
+              <p:cNvPr id="67" name="Straight Connector 66">
+                <a:extLst>
+                  <a:ext uri="{FF2B5EF4-FFF2-40B4-BE49-F238E27FC236}">
+                    <a16:creationId xmlns:a16="http://schemas.microsoft.com/office/drawing/2014/main" id="{11792F37-5484-43ED-AC75-EF0D178A0961}"/>
+                  </a:ext>
+                </a:extLst>
+              </p:cNvPr>
+              <p:cNvCxnSpPr>
+                <a:cxnSpLocks/>
+              </p:cNvCxnSpPr>
+              <p:nvPr/>
+            </p:nvCxnSpPr>
+            <p:spPr>
+              <a:xfrm>
+                <a:off x="5973617" y="11460480"/>
+                <a:ext cx="511003" cy="0"/>
+              </a:xfrm>
+              <a:prstGeom prst="line">
+                <a:avLst/>
+              </a:prstGeom>
+              <a:ln w="19050">
+                <a:solidFill>
+                  <a:schemeClr val="accent5">
+                    <a:lumMod val="60000"/>
+                    <a:lumOff val="40000"/>
+                  </a:schemeClr>
+                </a:solidFill>
+                <a:tailEnd type="stealth"/>
+              </a:ln>
+            </p:spPr>
+            <p:style>
+              <a:lnRef idx="1">
+                <a:schemeClr val="accent1"/>
+              </a:lnRef>
+              <a:fillRef idx="0">
+                <a:schemeClr val="accent1"/>
+              </a:fillRef>
+              <a:effectRef idx="0">
+                <a:schemeClr val="accent1"/>
+              </a:effectRef>
+              <a:fontRef idx="minor">
+                <a:schemeClr val="tx1"/>
+              </a:fontRef>
+            </p:style>
+          </p:cxnSp>
+        </p:grpSp>
+        <p:grpSp>
+          <p:nvGrpSpPr>
+            <p:cNvPr id="73" name="Group 72">
+              <a:extLst>
+                <a:ext uri="{FF2B5EF4-FFF2-40B4-BE49-F238E27FC236}">
+                  <a16:creationId xmlns:a16="http://schemas.microsoft.com/office/drawing/2014/main" id="{32C50660-6000-42E4-A25A-478918235332}"/>
+                </a:ext>
+              </a:extLst>
+            </p:cNvPr>
+            <p:cNvGrpSpPr/>
+            <p:nvPr/>
+          </p:nvGrpSpPr>
+          <p:grpSpPr>
+            <a:xfrm>
+              <a:off x="5974589" y="10653055"/>
+              <a:ext cx="2951076" cy="1041162"/>
+              <a:chOff x="5982525" y="9833905"/>
+              <a:chExt cx="2951076" cy="1041162"/>
+            </a:xfrm>
+          </p:grpSpPr>
+          <p:cxnSp>
+            <p:nvCxnSpPr>
+              <p:cNvPr id="74" name="Connector: Elbow 73">
+                <a:extLst>
+                  <a:ext uri="{FF2B5EF4-FFF2-40B4-BE49-F238E27FC236}">
+                    <a16:creationId xmlns:a16="http://schemas.microsoft.com/office/drawing/2014/main" id="{1BE25C0B-317B-4E3E-8B6D-923583CE5F1B}"/>
+                  </a:ext>
+                </a:extLst>
+              </p:cNvPr>
+              <p:cNvCxnSpPr>
+                <a:cxnSpLocks/>
+              </p:cNvCxnSpPr>
+              <p:nvPr/>
+            </p:nvCxnSpPr>
+            <p:spPr>
+              <a:xfrm rot="10800000" flipV="1">
+                <a:off x="5990462" y="9833905"/>
+                <a:ext cx="2943139" cy="394153"/>
+              </a:xfrm>
+              <a:prstGeom prst="bentConnector3">
+                <a:avLst>
+                  <a:gd name="adj1" fmla="val -6960"/>
+                </a:avLst>
+              </a:prstGeom>
+              <a:ln w="19050">
+                <a:solidFill>
+                  <a:schemeClr val="accent5">
+                    <a:lumMod val="60000"/>
+                    <a:lumOff val="40000"/>
+                  </a:schemeClr>
+                </a:solidFill>
+                <a:tailEnd type="none"/>
+              </a:ln>
+            </p:spPr>
+            <p:style>
+              <a:lnRef idx="1">
+                <a:schemeClr val="accent1"/>
+              </a:lnRef>
+              <a:fillRef idx="0">
+                <a:schemeClr val="accent1"/>
+              </a:fillRef>
+              <a:effectRef idx="0">
+                <a:schemeClr val="accent1"/>
+              </a:effectRef>
+              <a:fontRef idx="minor">
+                <a:schemeClr val="tx1"/>
+              </a:fontRef>
+            </p:style>
+          </p:cxnSp>
+          <p:cxnSp>
+            <p:nvCxnSpPr>
+              <p:cNvPr id="75" name="Straight Connector 74">
+                <a:extLst>
+                  <a:ext uri="{FF2B5EF4-FFF2-40B4-BE49-F238E27FC236}">
+                    <a16:creationId xmlns:a16="http://schemas.microsoft.com/office/drawing/2014/main" id="{5559CD0D-E2BD-4E8B-9744-E4E85C8247E2}"/>
+                  </a:ext>
+                </a:extLst>
+              </p:cNvPr>
+              <p:cNvCxnSpPr>
+                <a:cxnSpLocks/>
+              </p:cNvCxnSpPr>
+              <p:nvPr/>
+            </p:nvCxnSpPr>
+            <p:spPr>
+              <a:xfrm>
+                <a:off x="5982525" y="10228059"/>
+                <a:ext cx="0" cy="634308"/>
+              </a:xfrm>
+              <a:prstGeom prst="line">
+                <a:avLst/>
+              </a:prstGeom>
+              <a:ln w="19050">
+                <a:solidFill>
+                  <a:schemeClr val="accent5">
+                    <a:lumMod val="60000"/>
+                    <a:lumOff val="40000"/>
+                  </a:schemeClr>
+                </a:solidFill>
+              </a:ln>
+            </p:spPr>
+            <p:style>
+              <a:lnRef idx="1">
+                <a:schemeClr val="accent1"/>
+              </a:lnRef>
+              <a:fillRef idx="0">
+                <a:schemeClr val="accent1"/>
+              </a:fillRef>
+              <a:effectRef idx="0">
+                <a:schemeClr val="accent1"/>
+              </a:effectRef>
+              <a:fontRef idx="minor">
+                <a:schemeClr val="tx1"/>
+              </a:fontRef>
+            </p:style>
+          </p:cxnSp>
+          <p:cxnSp>
+            <p:nvCxnSpPr>
+              <p:cNvPr id="76" name="Straight Connector 75">
+                <a:extLst>
+                  <a:ext uri="{FF2B5EF4-FFF2-40B4-BE49-F238E27FC236}">
+                    <a16:creationId xmlns:a16="http://schemas.microsoft.com/office/drawing/2014/main" id="{7A629A03-9B72-4853-A5E3-A4BA469D4803}"/>
+                  </a:ext>
+                </a:extLst>
+              </p:cNvPr>
+              <p:cNvCxnSpPr>
+                <a:cxnSpLocks/>
+              </p:cNvCxnSpPr>
+              <p:nvPr/>
+            </p:nvCxnSpPr>
+            <p:spPr>
+              <a:xfrm>
+                <a:off x="5990461" y="10875067"/>
+                <a:ext cx="511003" cy="0"/>
+              </a:xfrm>
+              <a:prstGeom prst="line">
+                <a:avLst/>
+              </a:prstGeom>
+              <a:ln w="19050">
+                <a:solidFill>
+                  <a:schemeClr val="accent5">
+                    <a:lumMod val="60000"/>
+                    <a:lumOff val="40000"/>
+                  </a:schemeClr>
+                </a:solidFill>
+                <a:tailEnd type="stealth"/>
+              </a:ln>
+            </p:spPr>
+            <p:style>
+              <a:lnRef idx="1">
+                <a:schemeClr val="accent1"/>
+              </a:lnRef>
+              <a:fillRef idx="0">
+                <a:schemeClr val="accent1"/>
+              </a:fillRef>
+              <a:effectRef idx="0">
+                <a:schemeClr val="accent1"/>
+              </a:effectRef>
+              <a:fontRef idx="minor">
+                <a:schemeClr val="tx1"/>
+              </a:fontRef>
+            </p:style>
+          </p:cxnSp>
+        </p:grpSp>
+      </p:grpSp>
+      <p:sp>
+        <p:nvSpPr>
+          <p:cNvPr id="94" name="Flowchart: Alternate Process 93">
+            <a:extLst>
+              <a:ext uri="{FF2B5EF4-FFF2-40B4-BE49-F238E27FC236}">
+                <a16:creationId xmlns:a16="http://schemas.microsoft.com/office/drawing/2014/main" id="{AB5E285E-683C-4BA3-9220-F29BBD4B4203}"/>
+              </a:ext>
+            </a:extLst>
+          </p:cNvPr>
+          <p:cNvSpPr/>
+          <p:nvPr/>
+        </p:nvSpPr>
+        <p:spPr>
+          <a:xfrm>
+            <a:off x="-1079397" y="13967332"/>
+            <a:ext cx="3216852" cy="595746"/>
+          </a:xfrm>
+          <a:prstGeom prst="flowChartAlternateProcess">
+            <a:avLst/>
+          </a:prstGeom>
+          <a:noFill/>
+          <a:ln>
+            <a:solidFill>
+              <a:srgbClr val="0070C0"/>
+            </a:solidFill>
+          </a:ln>
+          <a:effectLst/>
+        </p:spPr>
+        <p:style>
+          <a:lnRef idx="2">
+            <a:schemeClr val="accent1">
+              <a:shade val="50000"/>
+            </a:schemeClr>
+          </a:lnRef>
+          <a:fillRef idx="1">
+            <a:schemeClr val="accent1"/>
+          </a:fillRef>
+          <a:effectRef idx="0">
+            <a:schemeClr val="accent1"/>
+          </a:effectRef>
+          <a:fontRef idx="minor">
+            <a:schemeClr val="lt1"/>
+          </a:fontRef>
+        </p:style>
+        <p:txBody>
+          <a:bodyPr rtlCol="0" anchor="ctr"/>
+          <a:lstStyle/>
+          <a:p>
+            <a:pPr algn="ctr"/>
+            <a:r>
+              <a:rPr lang="en-US" altLang="zh-CN" b="1" dirty="0" err="1">
+                <a:solidFill>
+                  <a:srgbClr val="0070C0"/>
+                </a:solidFill>
+              </a:rPr>
+              <a:t>fetch_glb_to_lds_loop</a:t>
+            </a:r>
+            <a:r>
+              <a:rPr lang="en-US" altLang="zh-CN" b="1" dirty="0">
+                <a:solidFill>
+                  <a:srgbClr val="0070C0"/>
+                </a:solidFill>
+              </a:rPr>
+              <a:t>()</a:t>
+            </a:r>
+          </a:p>
+        </p:txBody>
+      </p:sp>
+      <p:sp>
+        <p:nvSpPr>
+          <p:cNvPr id="95" name="Callout: Bent Line 94">
+            <a:extLst>
+              <a:ext uri="{FF2B5EF4-FFF2-40B4-BE49-F238E27FC236}">
+                <a16:creationId xmlns:a16="http://schemas.microsoft.com/office/drawing/2014/main" id="{D996D0E4-7D21-485F-9A92-2D348C6E49C9}"/>
+              </a:ext>
+            </a:extLst>
+          </p:cNvPr>
+          <p:cNvSpPr/>
+          <p:nvPr/>
+        </p:nvSpPr>
+        <p:spPr>
+          <a:xfrm>
+            <a:off x="2727232" y="13057858"/>
+            <a:ext cx="2840182" cy="1505220"/>
+          </a:xfrm>
+          <a:prstGeom prst="borderCallout2">
+            <a:avLst>
+              <a:gd name="adj1" fmla="val 51146"/>
+              <a:gd name="adj2" fmla="val -40"/>
+              <a:gd name="adj3" fmla="val 51746"/>
+              <a:gd name="adj4" fmla="val -13984"/>
+              <a:gd name="adj5" fmla="val 75529"/>
+              <a:gd name="adj6" fmla="val -21067"/>
+            </a:avLst>
+          </a:prstGeom>
+          <a:noFill/>
+          <a:ln w="19050">
+            <a:solidFill>
+              <a:srgbClr val="0070C0"/>
+            </a:solidFill>
+            <a:prstDash val="sysDash"/>
+          </a:ln>
+          <a:effectLst/>
+        </p:spPr>
+        <p:style>
+          <a:lnRef idx="2">
+            <a:schemeClr val="accent1">
+              <a:shade val="50000"/>
+            </a:schemeClr>
+          </a:lnRef>
+          <a:fillRef idx="1">
+            <a:schemeClr val="accent1"/>
+          </a:fillRef>
+          <a:effectRef idx="0">
+            <a:schemeClr val="accent1"/>
+          </a:effectRef>
+          <a:fontRef idx="minor">
+            <a:schemeClr val="lt1"/>
+          </a:fontRef>
+        </p:style>
+        <p:txBody>
+          <a:bodyPr rtlCol="0" anchor="ctr"/>
+          <a:lstStyle/>
+          <a:p>
+            <a:pPr algn="ctr"/>
+            <a:r>
+              <a:rPr lang="en-US" altLang="zh-CN" dirty="0">
+                <a:solidFill>
+                  <a:srgbClr val="0070C0"/>
+                </a:solidFill>
+              </a:rPr>
+              <a:t>Buffer load A MT to LDS</a:t>
+            </a:r>
+          </a:p>
+          <a:p>
+            <a:pPr algn="ctr"/>
+            <a:r>
+              <a:rPr lang="en-US" altLang="zh-CN" dirty="0">
+                <a:solidFill>
+                  <a:srgbClr val="0070C0"/>
+                </a:solidFill>
+              </a:rPr>
+              <a:t>Buffer load B MT to LDS</a:t>
+            </a:r>
+          </a:p>
+          <a:p>
+            <a:pPr algn="ctr"/>
+            <a:r>
+              <a:rPr lang="en-US" altLang="zh-CN" dirty="0">
+                <a:solidFill>
+                  <a:srgbClr val="0070C0"/>
+                </a:solidFill>
+              </a:rPr>
+              <a:t>Switch LDS double buffer</a:t>
+            </a:r>
+          </a:p>
+          <a:p>
+            <a:pPr algn="ctr"/>
+            <a:r>
+              <a:rPr lang="en-US" altLang="zh-CN" dirty="0">
+                <a:solidFill>
+                  <a:srgbClr val="0070C0"/>
+                </a:solidFill>
+              </a:rPr>
+              <a:t>Move to next fetch </a:t>
+            </a:r>
+            <a:r>
+              <a:rPr lang="en-US" altLang="zh-CN" dirty="0" err="1">
+                <a:solidFill>
+                  <a:srgbClr val="0070C0"/>
+                </a:solidFill>
+              </a:rPr>
+              <a:t>addr</a:t>
+            </a:r>
+            <a:endParaRPr lang="en-US" altLang="zh-CN" dirty="0">
+              <a:solidFill>
+                <a:srgbClr val="0070C0"/>
+              </a:solidFill>
+            </a:endParaRPr>
+          </a:p>
+        </p:txBody>
+      </p:sp>
+      <p:grpSp>
+        <p:nvGrpSpPr>
+          <p:cNvPr id="100" name="Group 99">
+            <a:extLst>
+              <a:ext uri="{FF2B5EF4-FFF2-40B4-BE49-F238E27FC236}">
+                <a16:creationId xmlns:a16="http://schemas.microsoft.com/office/drawing/2014/main" id="{894E6DFE-33A6-4F23-A47E-DDBE56804D6F}"/>
+              </a:ext>
+            </a:extLst>
+          </p:cNvPr>
+          <p:cNvGrpSpPr/>
+          <p:nvPr/>
+        </p:nvGrpSpPr>
+        <p:grpSpPr>
+          <a:xfrm>
+            <a:off x="6259367" y="15371058"/>
+            <a:ext cx="6699017" cy="2984324"/>
+            <a:chOff x="5973617" y="9292939"/>
+            <a:chExt cx="6699017" cy="2984324"/>
+          </a:xfrm>
+        </p:grpSpPr>
+        <p:sp>
+          <p:nvSpPr>
+            <p:cNvPr id="101" name="Flowchart: Alternate Process 100">
+              <a:extLst>
+                <a:ext uri="{FF2B5EF4-FFF2-40B4-BE49-F238E27FC236}">
+                  <a16:creationId xmlns:a16="http://schemas.microsoft.com/office/drawing/2014/main" id="{0C81B10B-E536-4999-970D-A3149285E4C7}"/>
+                </a:ext>
+              </a:extLst>
+            </p:cNvPr>
+            <p:cNvSpPr/>
+            <p:nvPr/>
+          </p:nvSpPr>
+          <p:spPr>
+            <a:xfrm>
+              <a:off x="9455782" y="11681517"/>
+              <a:ext cx="3216852" cy="595746"/>
+            </a:xfrm>
+            <a:prstGeom prst="flowChartAlternateProcess">
+              <a:avLst/>
+            </a:prstGeom>
+            <a:noFill/>
+            <a:ln>
+              <a:solidFill>
+                <a:srgbClr val="00B050"/>
+              </a:solidFill>
+            </a:ln>
+            <a:effectLst/>
+          </p:spPr>
+          <p:style>
+            <a:lnRef idx="2">
+              <a:schemeClr val="accent1">
+                <a:shade val="50000"/>
+              </a:schemeClr>
+            </a:lnRef>
+            <a:fillRef idx="1">
+              <a:schemeClr val="accent1"/>
+            </a:fillRef>
+            <a:effectRef idx="0">
+              <a:schemeClr val="accent1"/>
+            </a:effectRef>
+            <a:fontRef idx="minor">
+              <a:schemeClr val="lt1"/>
+            </a:fontRef>
+          </p:style>
+          <p:txBody>
+            <a:bodyPr rtlCol="0" anchor="ctr"/>
+            <a:lstStyle/>
+            <a:p>
+              <a:pPr algn="ctr"/>
+              <a:r>
+                <a:rPr lang="en-US" altLang="zh-CN" b="1" dirty="0" err="1">
+                  <a:solidFill>
+                    <a:srgbClr val="00B050"/>
+                  </a:solidFill>
+                </a:rPr>
+                <a:t>math_lds_loop</a:t>
+              </a:r>
+              <a:r>
+                <a:rPr lang="en-US" altLang="zh-CN" b="1" dirty="0">
+                  <a:solidFill>
+                    <a:srgbClr val="00B050"/>
+                  </a:solidFill>
+                </a:rPr>
+                <a:t>()</a:t>
+              </a:r>
+            </a:p>
+          </p:txBody>
+        </p:sp>
+        <p:sp>
+          <p:nvSpPr>
+            <p:cNvPr id="102" name="Callout: Bent Line 101">
+              <a:extLst>
+                <a:ext uri="{FF2B5EF4-FFF2-40B4-BE49-F238E27FC236}">
+                  <a16:creationId xmlns:a16="http://schemas.microsoft.com/office/drawing/2014/main" id="{2D74638A-747F-44F1-87E6-3A88E3875E4C}"/>
+                </a:ext>
+              </a:extLst>
+            </p:cNvPr>
+            <p:cNvSpPr/>
+            <p:nvPr/>
+          </p:nvSpPr>
+          <p:spPr>
+            <a:xfrm>
+              <a:off x="6093416" y="9292939"/>
+              <a:ext cx="2840182" cy="2911761"/>
+            </a:xfrm>
+            <a:prstGeom prst="borderCallout2">
+              <a:avLst>
+                <a:gd name="adj1" fmla="val 51146"/>
+                <a:gd name="adj2" fmla="val 99960"/>
+                <a:gd name="adj3" fmla="val 51036"/>
+                <a:gd name="adj4" fmla="val 111780"/>
+                <a:gd name="adj5" fmla="val 81877"/>
+                <a:gd name="adj6" fmla="val 118437"/>
+              </a:avLst>
+            </a:prstGeom>
+            <a:noFill/>
+            <a:ln w="19050">
+              <a:solidFill>
+                <a:srgbClr val="00B050"/>
+              </a:solidFill>
+              <a:prstDash val="sysDash"/>
+            </a:ln>
+            <a:effectLst/>
+          </p:spPr>
+          <p:style>
+            <a:lnRef idx="2">
+              <a:schemeClr val="accent1">
+                <a:shade val="50000"/>
+              </a:schemeClr>
+            </a:lnRef>
+            <a:fillRef idx="1">
+              <a:schemeClr val="accent1"/>
+            </a:fillRef>
+            <a:effectRef idx="0">
+              <a:schemeClr val="accent1"/>
+            </a:effectRef>
+            <a:fontRef idx="minor">
+              <a:schemeClr val="lt1"/>
+            </a:fontRef>
+          </p:style>
+          <p:txBody>
+            <a:bodyPr rtlCol="0" anchor="ctr"/>
+            <a:lstStyle/>
+            <a:p>
+              <a:pPr algn="ctr"/>
+              <a:r>
+                <a:rPr lang="en-US" altLang="zh-CN" dirty="0">
+                  <a:solidFill>
+                    <a:srgbClr val="00B050"/>
+                  </a:solidFill>
+                </a:rPr>
+                <a:t>Read A LDS </a:t>
+              </a:r>
+              <a:r>
+                <a:rPr lang="en-US" altLang="zh-CN" dirty="0" err="1">
+                  <a:solidFill>
+                    <a:srgbClr val="00B050"/>
+                  </a:solidFill>
+                </a:rPr>
+                <a:t>mfma</a:t>
+              </a:r>
+              <a:r>
+                <a:rPr lang="en-US" altLang="zh-CN" dirty="0">
+                  <a:solidFill>
+                    <a:srgbClr val="00B050"/>
+                  </a:solidFill>
+                </a:rPr>
+                <a:t> tile buff0</a:t>
+              </a:r>
+            </a:p>
+            <a:p>
+              <a:pPr algn="ctr"/>
+              <a:r>
+                <a:rPr lang="en-US" altLang="zh-CN" dirty="0">
+                  <a:solidFill>
+                    <a:srgbClr val="00B050"/>
+                  </a:solidFill>
+                </a:rPr>
+                <a:t>Read B LDS </a:t>
+              </a:r>
+              <a:r>
+                <a:rPr lang="en-US" altLang="zh-CN" dirty="0" err="1">
+                  <a:solidFill>
+                    <a:srgbClr val="00B050"/>
+                  </a:solidFill>
+                </a:rPr>
+                <a:t>mfma</a:t>
+              </a:r>
+              <a:r>
+                <a:rPr lang="en-US" altLang="zh-CN" dirty="0">
+                  <a:solidFill>
+                    <a:srgbClr val="00B050"/>
+                  </a:solidFill>
+                </a:rPr>
+                <a:t> tile buff0</a:t>
+              </a:r>
+            </a:p>
+            <a:p>
+              <a:pPr algn="ctr"/>
+              <a:r>
+                <a:rPr lang="en-US" altLang="zh-CN" dirty="0">
+                  <a:solidFill>
+                    <a:srgbClr val="00B050"/>
+                  </a:solidFill>
+                </a:rPr>
+                <a:t>Read A LDS </a:t>
+              </a:r>
+              <a:r>
+                <a:rPr lang="en-US" altLang="zh-CN" dirty="0" err="1">
+                  <a:solidFill>
+                    <a:srgbClr val="00B050"/>
+                  </a:solidFill>
+                </a:rPr>
+                <a:t>mfma</a:t>
+              </a:r>
+              <a:r>
+                <a:rPr lang="en-US" altLang="zh-CN" dirty="0">
+                  <a:solidFill>
+                    <a:srgbClr val="00B050"/>
+                  </a:solidFill>
+                </a:rPr>
+                <a:t> tile buff1</a:t>
+              </a:r>
+            </a:p>
+            <a:p>
+              <a:pPr algn="ctr"/>
+              <a:r>
+                <a:rPr lang="en-US" altLang="zh-CN" dirty="0">
+                  <a:solidFill>
+                    <a:srgbClr val="00B050"/>
+                  </a:solidFill>
+                </a:rPr>
+                <a:t>Read B LDS </a:t>
+              </a:r>
+              <a:r>
+                <a:rPr lang="en-US" altLang="zh-CN" dirty="0" err="1">
+                  <a:solidFill>
+                    <a:srgbClr val="00B050"/>
+                  </a:solidFill>
+                </a:rPr>
+                <a:t>mfma</a:t>
+              </a:r>
+              <a:r>
+                <a:rPr lang="en-US" altLang="zh-CN" dirty="0">
+                  <a:solidFill>
+                    <a:srgbClr val="00B050"/>
+                  </a:solidFill>
+                </a:rPr>
+                <a:t> tile buff1</a:t>
+              </a:r>
+            </a:p>
+            <a:p>
+              <a:pPr algn="ctr"/>
+              <a:r>
+                <a:rPr lang="en-US" altLang="zh-CN" dirty="0">
+                  <a:solidFill>
+                    <a:srgbClr val="00B050"/>
+                  </a:solidFill>
+                </a:rPr>
+                <a:t>Math </a:t>
+              </a:r>
+              <a:r>
+                <a:rPr lang="en-US" altLang="zh-CN" dirty="0" err="1">
+                  <a:solidFill>
+                    <a:srgbClr val="00B050"/>
+                  </a:solidFill>
+                </a:rPr>
+                <a:t>mfma</a:t>
+              </a:r>
+              <a:r>
+                <a:rPr lang="en-US" altLang="zh-CN" dirty="0">
+                  <a:solidFill>
+                    <a:srgbClr val="00B050"/>
+                  </a:solidFill>
+                </a:rPr>
+                <a:t> tile buff0</a:t>
+              </a:r>
+            </a:p>
+            <a:p>
+              <a:pPr algn="ctr"/>
+              <a:r>
+                <a:rPr lang="en-US" altLang="zh-CN" dirty="0">
+                  <a:solidFill>
+                    <a:srgbClr val="00B050"/>
+                  </a:solidFill>
+                </a:rPr>
+                <a:t>Read A LDS </a:t>
+              </a:r>
+              <a:r>
+                <a:rPr lang="en-US" altLang="zh-CN" dirty="0" err="1">
+                  <a:solidFill>
+                    <a:srgbClr val="00B050"/>
+                  </a:solidFill>
+                </a:rPr>
+                <a:t>mfma</a:t>
+              </a:r>
+              <a:r>
+                <a:rPr lang="en-US" altLang="zh-CN" dirty="0">
+                  <a:solidFill>
+                    <a:srgbClr val="00B050"/>
+                  </a:solidFill>
+                </a:rPr>
+                <a:t> tile buff0</a:t>
+              </a:r>
+            </a:p>
+            <a:p>
+              <a:pPr algn="ctr"/>
+              <a:r>
+                <a:rPr lang="en-US" altLang="zh-CN" dirty="0">
+                  <a:solidFill>
+                    <a:srgbClr val="00B050"/>
+                  </a:solidFill>
+                </a:rPr>
+                <a:t>Read B LDS </a:t>
+              </a:r>
+              <a:r>
+                <a:rPr lang="en-US" altLang="zh-CN" dirty="0" err="1">
+                  <a:solidFill>
+                    <a:srgbClr val="00B050"/>
+                  </a:solidFill>
+                </a:rPr>
+                <a:t>mfma</a:t>
+              </a:r>
+              <a:r>
+                <a:rPr lang="en-US" altLang="zh-CN" dirty="0">
+                  <a:solidFill>
+                    <a:srgbClr val="00B050"/>
+                  </a:solidFill>
+                </a:rPr>
+                <a:t> tile buff0</a:t>
+              </a:r>
+            </a:p>
+            <a:p>
+              <a:pPr algn="ctr"/>
+              <a:r>
+                <a:rPr lang="en-US" altLang="zh-CN" dirty="0">
+                  <a:solidFill>
+                    <a:srgbClr val="00B050"/>
+                  </a:solidFill>
+                </a:rPr>
+                <a:t>Math </a:t>
+              </a:r>
+              <a:r>
+                <a:rPr lang="en-US" altLang="zh-CN" dirty="0" err="1">
+                  <a:solidFill>
+                    <a:srgbClr val="00B050"/>
+                  </a:solidFill>
+                </a:rPr>
+                <a:t>mfma</a:t>
+              </a:r>
+              <a:r>
+                <a:rPr lang="en-US" altLang="zh-CN" dirty="0">
+                  <a:solidFill>
+                    <a:srgbClr val="00B050"/>
+                  </a:solidFill>
+                </a:rPr>
+                <a:t> tile buff1</a:t>
+              </a:r>
+            </a:p>
+            <a:p>
+              <a:pPr algn="ctr"/>
+              <a:r>
+                <a:rPr lang="en-US" altLang="zh-CN" dirty="0">
+                  <a:solidFill>
+                    <a:srgbClr val="00B050"/>
+                  </a:solidFill>
+                </a:rPr>
+                <a:t>…… ……</a:t>
+              </a:r>
+            </a:p>
+          </p:txBody>
+        </p:sp>
+        <p:grpSp>
+          <p:nvGrpSpPr>
+            <p:cNvPr id="103" name="Group 102">
+              <a:extLst>
+                <a:ext uri="{FF2B5EF4-FFF2-40B4-BE49-F238E27FC236}">
+                  <a16:creationId xmlns:a16="http://schemas.microsoft.com/office/drawing/2014/main" id="{C07B9EFD-6524-4475-8AF0-7652C816F938}"/>
+                </a:ext>
+              </a:extLst>
+            </p:cNvPr>
+            <p:cNvGrpSpPr/>
+            <p:nvPr/>
+          </p:nvGrpSpPr>
+          <p:grpSpPr>
+            <a:xfrm>
+              <a:off x="5973617" y="10024415"/>
+              <a:ext cx="2959981" cy="864562"/>
+              <a:chOff x="5973617" y="10595918"/>
+              <a:chExt cx="2959981" cy="864562"/>
+            </a:xfrm>
+          </p:grpSpPr>
+          <p:cxnSp>
+            <p:nvCxnSpPr>
+              <p:cNvPr id="108" name="Connector: Elbow 107">
+                <a:extLst>
+                  <a:ext uri="{FF2B5EF4-FFF2-40B4-BE49-F238E27FC236}">
+                    <a16:creationId xmlns:a16="http://schemas.microsoft.com/office/drawing/2014/main" id="{139B9C24-5058-482B-867F-7DE1CFF9D3C8}"/>
+                  </a:ext>
+                </a:extLst>
+              </p:cNvPr>
+              <p:cNvCxnSpPr>
+                <a:cxnSpLocks/>
+              </p:cNvCxnSpPr>
+              <p:nvPr/>
+            </p:nvCxnSpPr>
+            <p:spPr>
+              <a:xfrm rot="10800000" flipV="1">
+                <a:off x="5973618" y="10595918"/>
+                <a:ext cx="2959980" cy="470408"/>
+              </a:xfrm>
+              <a:prstGeom prst="bentConnector3">
+                <a:avLst>
+                  <a:gd name="adj1" fmla="val -6206"/>
+                </a:avLst>
+              </a:prstGeom>
+              <a:ln w="19050">
+                <a:solidFill>
+                  <a:schemeClr val="accent5">
+                    <a:lumMod val="60000"/>
+                    <a:lumOff val="40000"/>
+                  </a:schemeClr>
+                </a:solidFill>
+                <a:tailEnd type="none"/>
+              </a:ln>
+            </p:spPr>
+            <p:style>
+              <a:lnRef idx="1">
+                <a:schemeClr val="accent1"/>
+              </a:lnRef>
+              <a:fillRef idx="0">
+                <a:schemeClr val="accent1"/>
+              </a:fillRef>
+              <a:effectRef idx="0">
+                <a:schemeClr val="accent1"/>
+              </a:effectRef>
+              <a:fontRef idx="minor">
+                <a:schemeClr val="tx1"/>
+              </a:fontRef>
+            </p:style>
+          </p:cxnSp>
+          <p:cxnSp>
+            <p:nvCxnSpPr>
+              <p:cNvPr id="109" name="Straight Connector 108">
+                <a:extLst>
+                  <a:ext uri="{FF2B5EF4-FFF2-40B4-BE49-F238E27FC236}">
+                    <a16:creationId xmlns:a16="http://schemas.microsoft.com/office/drawing/2014/main" id="{36CD0D6C-E32B-4AE7-A689-BCDD62229330}"/>
+                  </a:ext>
+                </a:extLst>
+              </p:cNvPr>
+              <p:cNvCxnSpPr>
+                <a:cxnSpLocks/>
+              </p:cNvCxnSpPr>
+              <p:nvPr/>
+            </p:nvCxnSpPr>
+            <p:spPr>
+              <a:xfrm>
+                <a:off x="5982525" y="11066327"/>
+                <a:ext cx="0" cy="394153"/>
+              </a:xfrm>
+              <a:prstGeom prst="line">
+                <a:avLst/>
+              </a:prstGeom>
+              <a:ln w="19050">
+                <a:solidFill>
+                  <a:schemeClr val="accent5">
+                    <a:lumMod val="60000"/>
+                    <a:lumOff val="40000"/>
+                  </a:schemeClr>
+                </a:solidFill>
+              </a:ln>
+            </p:spPr>
+            <p:style>
+              <a:lnRef idx="1">
+                <a:schemeClr val="accent1"/>
+              </a:lnRef>
+              <a:fillRef idx="0">
+                <a:schemeClr val="accent1"/>
+              </a:fillRef>
+              <a:effectRef idx="0">
+                <a:schemeClr val="accent1"/>
+              </a:effectRef>
+              <a:fontRef idx="minor">
+                <a:schemeClr val="tx1"/>
+              </a:fontRef>
+            </p:style>
+          </p:cxnSp>
+          <p:cxnSp>
+            <p:nvCxnSpPr>
+              <p:cNvPr id="110" name="Straight Connector 109">
+                <a:extLst>
+                  <a:ext uri="{FF2B5EF4-FFF2-40B4-BE49-F238E27FC236}">
+                    <a16:creationId xmlns:a16="http://schemas.microsoft.com/office/drawing/2014/main" id="{3764712D-55C3-41C7-8EC9-86A29DD0EE6E}"/>
+                  </a:ext>
+                </a:extLst>
+              </p:cNvPr>
+              <p:cNvCxnSpPr>
+                <a:cxnSpLocks/>
+              </p:cNvCxnSpPr>
+              <p:nvPr/>
+            </p:nvCxnSpPr>
+            <p:spPr>
+              <a:xfrm>
+                <a:off x="5973617" y="11460480"/>
+                <a:ext cx="511003" cy="0"/>
+              </a:xfrm>
+              <a:prstGeom prst="line">
+                <a:avLst/>
+              </a:prstGeom>
+              <a:ln w="19050">
+                <a:solidFill>
+                  <a:schemeClr val="accent5">
+                    <a:lumMod val="60000"/>
+                    <a:lumOff val="40000"/>
+                  </a:schemeClr>
+                </a:solidFill>
+                <a:tailEnd type="stealth"/>
+              </a:ln>
+            </p:spPr>
+            <p:style>
+              <a:lnRef idx="1">
+                <a:schemeClr val="accent1"/>
+              </a:lnRef>
+              <a:fillRef idx="0">
+                <a:schemeClr val="accent1"/>
+              </a:fillRef>
+              <a:effectRef idx="0">
+                <a:schemeClr val="accent1"/>
+              </a:effectRef>
+              <a:fontRef idx="minor">
+                <a:schemeClr val="tx1"/>
+              </a:fontRef>
+            </p:style>
+          </p:cxnSp>
+        </p:grpSp>
+        <p:grpSp>
+          <p:nvGrpSpPr>
+            <p:cNvPr id="104" name="Group 103">
+              <a:extLst>
+                <a:ext uri="{FF2B5EF4-FFF2-40B4-BE49-F238E27FC236}">
+                  <a16:creationId xmlns:a16="http://schemas.microsoft.com/office/drawing/2014/main" id="{F6C6EB78-C574-48EA-BDCE-8AD55E59A7F9}"/>
+                </a:ext>
+              </a:extLst>
+            </p:cNvPr>
+            <p:cNvGrpSpPr/>
+            <p:nvPr/>
+          </p:nvGrpSpPr>
+          <p:grpSpPr>
+            <a:xfrm>
+              <a:off x="5974589" y="10653055"/>
+              <a:ext cx="2951076" cy="1041162"/>
+              <a:chOff x="5982525" y="9833905"/>
+              <a:chExt cx="2951076" cy="1041162"/>
+            </a:xfrm>
+          </p:grpSpPr>
+          <p:cxnSp>
+            <p:nvCxnSpPr>
+              <p:cNvPr id="105" name="Connector: Elbow 104">
+                <a:extLst>
+                  <a:ext uri="{FF2B5EF4-FFF2-40B4-BE49-F238E27FC236}">
+                    <a16:creationId xmlns:a16="http://schemas.microsoft.com/office/drawing/2014/main" id="{A470CADD-B342-446B-9656-676A2DA7EDD8}"/>
+                  </a:ext>
+                </a:extLst>
+              </p:cNvPr>
+              <p:cNvCxnSpPr>
+                <a:cxnSpLocks/>
+              </p:cNvCxnSpPr>
+              <p:nvPr/>
+            </p:nvCxnSpPr>
+            <p:spPr>
+              <a:xfrm rot="10800000" flipV="1">
+                <a:off x="5990462" y="9833905"/>
+                <a:ext cx="2943139" cy="394153"/>
+              </a:xfrm>
+              <a:prstGeom prst="bentConnector3">
+                <a:avLst>
+                  <a:gd name="adj1" fmla="val -6960"/>
+                </a:avLst>
+              </a:prstGeom>
+              <a:ln w="19050">
+                <a:solidFill>
+                  <a:schemeClr val="accent5">
+                    <a:lumMod val="60000"/>
+                    <a:lumOff val="40000"/>
+                  </a:schemeClr>
+                </a:solidFill>
+                <a:tailEnd type="none"/>
+              </a:ln>
+            </p:spPr>
+            <p:style>
+              <a:lnRef idx="1">
+                <a:schemeClr val="accent1"/>
+              </a:lnRef>
+              <a:fillRef idx="0">
+                <a:schemeClr val="accent1"/>
+              </a:fillRef>
+              <a:effectRef idx="0">
+                <a:schemeClr val="accent1"/>
+              </a:effectRef>
+              <a:fontRef idx="minor">
+                <a:schemeClr val="tx1"/>
+              </a:fontRef>
+            </p:style>
+          </p:cxnSp>
+          <p:cxnSp>
+            <p:nvCxnSpPr>
+              <p:cNvPr id="106" name="Straight Connector 105">
+                <a:extLst>
+                  <a:ext uri="{FF2B5EF4-FFF2-40B4-BE49-F238E27FC236}">
+                    <a16:creationId xmlns:a16="http://schemas.microsoft.com/office/drawing/2014/main" id="{0FAF62D2-3E8B-4F1E-A263-7927BDC24A69}"/>
+                  </a:ext>
+                </a:extLst>
+              </p:cNvPr>
+              <p:cNvCxnSpPr>
+                <a:cxnSpLocks/>
+              </p:cNvCxnSpPr>
+              <p:nvPr/>
+            </p:nvCxnSpPr>
+            <p:spPr>
+              <a:xfrm>
+                <a:off x="5982525" y="10228059"/>
+                <a:ext cx="0" cy="634308"/>
+              </a:xfrm>
+              <a:prstGeom prst="line">
+                <a:avLst/>
+              </a:prstGeom>
+              <a:ln w="19050">
+                <a:solidFill>
+                  <a:schemeClr val="accent5">
+                    <a:lumMod val="60000"/>
+                    <a:lumOff val="40000"/>
+                  </a:schemeClr>
+                </a:solidFill>
+              </a:ln>
+            </p:spPr>
+            <p:style>
+              <a:lnRef idx="1">
+                <a:schemeClr val="accent1"/>
+              </a:lnRef>
+              <a:fillRef idx="0">
+                <a:schemeClr val="accent1"/>
+              </a:fillRef>
+              <a:effectRef idx="0">
+                <a:schemeClr val="accent1"/>
+              </a:effectRef>
+              <a:fontRef idx="minor">
+                <a:schemeClr val="tx1"/>
+              </a:fontRef>
+            </p:style>
+          </p:cxnSp>
+          <p:cxnSp>
+            <p:nvCxnSpPr>
+              <p:cNvPr id="107" name="Straight Connector 106">
+                <a:extLst>
+                  <a:ext uri="{FF2B5EF4-FFF2-40B4-BE49-F238E27FC236}">
+                    <a16:creationId xmlns:a16="http://schemas.microsoft.com/office/drawing/2014/main" id="{B049D689-5E61-4B06-8D0F-508BEFB58961}"/>
+                  </a:ext>
+                </a:extLst>
+              </p:cNvPr>
+              <p:cNvCxnSpPr>
+                <a:cxnSpLocks/>
+              </p:cNvCxnSpPr>
+              <p:nvPr/>
+            </p:nvCxnSpPr>
+            <p:spPr>
+              <a:xfrm>
+                <a:off x="5990461" y="10875067"/>
+                <a:ext cx="511003" cy="0"/>
+              </a:xfrm>
+              <a:prstGeom prst="line">
+                <a:avLst/>
+              </a:prstGeom>
+              <a:ln w="19050">
+                <a:solidFill>
+                  <a:schemeClr val="accent5">
+                    <a:lumMod val="60000"/>
+                    <a:lumOff val="40000"/>
+                  </a:schemeClr>
+                </a:solidFill>
+                <a:tailEnd type="stealth"/>
+              </a:ln>
+            </p:spPr>
+            <p:style>
+              <a:lnRef idx="1">
+                <a:schemeClr val="accent1"/>
+              </a:lnRef>
+              <a:fillRef idx="0">
+                <a:schemeClr val="accent1"/>
+              </a:fillRef>
+              <a:effectRef idx="0">
+                <a:schemeClr val="accent1"/>
+              </a:effectRef>
+              <a:fontRef idx="minor">
+                <a:schemeClr val="tx1"/>
+              </a:fontRef>
+            </p:style>
+          </p:cxnSp>
+        </p:grpSp>
+      </p:grpSp>
+      <p:sp>
+        <p:nvSpPr>
+          <p:cNvPr id="112" name="Flowchart: Alternate Process 111">
+            <a:extLst>
+              <a:ext uri="{FF2B5EF4-FFF2-40B4-BE49-F238E27FC236}">
+                <a16:creationId xmlns:a16="http://schemas.microsoft.com/office/drawing/2014/main" id="{52EFF77A-3CBB-4ABD-938A-A57678DE1D1F}"/>
+              </a:ext>
+            </a:extLst>
+          </p:cNvPr>
+          <p:cNvSpPr/>
+          <p:nvPr/>
+        </p:nvSpPr>
+        <p:spPr>
+          <a:xfrm>
+            <a:off x="9741532" y="19287223"/>
+            <a:ext cx="3216852" cy="595746"/>
+          </a:xfrm>
+          <a:prstGeom prst="flowChartAlternateProcess">
+            <a:avLst/>
+          </a:prstGeom>
+          <a:noFill/>
+          <a:ln>
+            <a:solidFill>
+              <a:srgbClr val="00B050"/>
+            </a:solidFill>
+          </a:ln>
+          <a:effectLst/>
+        </p:spPr>
+        <p:style>
+          <a:lnRef idx="2">
+            <a:schemeClr val="accent1">
+              <a:shade val="50000"/>
+            </a:schemeClr>
+          </a:lnRef>
+          <a:fillRef idx="1">
+            <a:schemeClr val="accent1"/>
+          </a:fillRef>
+          <a:effectRef idx="0">
+            <a:schemeClr val="accent1"/>
+          </a:effectRef>
+          <a:fontRef idx="minor">
+            <a:schemeClr val="lt1"/>
+          </a:fontRef>
+        </p:style>
+        <p:txBody>
+          <a:bodyPr rtlCol="0" anchor="ctr"/>
+          <a:lstStyle/>
+          <a:p>
+            <a:pPr algn="ctr"/>
+            <a:r>
+              <a:rPr lang="en-US" altLang="zh-CN" b="1" dirty="0" err="1">
+                <a:solidFill>
+                  <a:srgbClr val="00B050"/>
+                </a:solidFill>
+              </a:rPr>
+              <a:t>store_result</a:t>
+            </a:r>
+            <a:r>
+              <a:rPr lang="en-US" altLang="zh-CN" b="1" dirty="0">
+                <a:solidFill>
+                  <a:srgbClr val="00B050"/>
+                </a:solidFill>
+              </a:rPr>
+              <a:t>()</a:t>
+            </a:r>
+          </a:p>
+        </p:txBody>
+      </p:sp>
+      <p:sp>
+        <p:nvSpPr>
+          <p:cNvPr id="113" name="Callout: Bent Line 112">
+            <a:extLst>
+              <a:ext uri="{FF2B5EF4-FFF2-40B4-BE49-F238E27FC236}">
+                <a16:creationId xmlns:a16="http://schemas.microsoft.com/office/drawing/2014/main" id="{4B4A0A5C-D3D9-494E-BFAB-752B46B9099D}"/>
+              </a:ext>
+            </a:extLst>
+          </p:cNvPr>
+          <p:cNvSpPr/>
+          <p:nvPr/>
+        </p:nvSpPr>
+        <p:spPr>
+          <a:xfrm>
+            <a:off x="6371233" y="18576367"/>
+            <a:ext cx="2840182" cy="1117727"/>
+          </a:xfrm>
+          <a:prstGeom prst="borderCallout2">
+            <a:avLst>
+              <a:gd name="adj1" fmla="val 51146"/>
+              <a:gd name="adj2" fmla="val 99960"/>
+              <a:gd name="adj3" fmla="val 51036"/>
+              <a:gd name="adj4" fmla="val 111780"/>
+              <a:gd name="adj5" fmla="val 81877"/>
+              <a:gd name="adj6" fmla="val 118437"/>
+            </a:avLst>
+          </a:prstGeom>
+          <a:noFill/>
+          <a:ln w="19050">
+            <a:solidFill>
+              <a:srgbClr val="00B050"/>
+            </a:solidFill>
+            <a:prstDash val="sysDash"/>
+          </a:ln>
+          <a:effectLst/>
+        </p:spPr>
+        <p:style>
+          <a:lnRef idx="2">
+            <a:schemeClr val="accent1">
+              <a:shade val="50000"/>
+            </a:schemeClr>
+          </a:lnRef>
+          <a:fillRef idx="1">
+            <a:schemeClr val="accent1"/>
+          </a:fillRef>
+          <a:effectRef idx="0">
+            <a:schemeClr val="accent1"/>
+          </a:effectRef>
+          <a:fontRef idx="minor">
+            <a:schemeClr val="lt1"/>
+          </a:fontRef>
+        </p:style>
+        <p:txBody>
+          <a:bodyPr rtlCol="0" anchor="ctr"/>
+          <a:lstStyle/>
+          <a:p>
+            <a:pPr algn="ctr"/>
+            <a:r>
+              <a:rPr lang="en-US" altLang="zh-CN" dirty="0">
+                <a:solidFill>
+                  <a:srgbClr val="00B050"/>
+                </a:solidFill>
+              </a:rPr>
+              <a:t>Read </a:t>
+            </a:r>
+            <a:r>
+              <a:rPr lang="en-US" altLang="zh-CN" dirty="0" err="1">
+                <a:solidFill>
+                  <a:srgbClr val="00B050"/>
+                </a:solidFill>
+              </a:rPr>
+              <a:t>accVgpr</a:t>
+            </a:r>
+            <a:endParaRPr lang="en-US" altLang="zh-CN" dirty="0">
+              <a:solidFill>
+                <a:srgbClr val="00B050"/>
+              </a:solidFill>
+            </a:endParaRPr>
+          </a:p>
+          <a:p>
+            <a:pPr algn="ctr"/>
+            <a:r>
+              <a:rPr lang="en-US" altLang="zh-CN" dirty="0">
+                <a:solidFill>
+                  <a:srgbClr val="00B050"/>
+                </a:solidFill>
+              </a:rPr>
+              <a:t>Data format </a:t>
+            </a:r>
+          </a:p>
+          <a:p>
+            <a:pPr algn="ctr"/>
+            <a:r>
+              <a:rPr lang="en-US" altLang="zh-CN" dirty="0">
+                <a:solidFill>
+                  <a:srgbClr val="00B050"/>
+                </a:solidFill>
+              </a:rPr>
+              <a:t>Store to matrix D </a:t>
+            </a:r>
+            <a:r>
+              <a:rPr lang="en-US" altLang="zh-CN" dirty="0" err="1">
+                <a:solidFill>
+                  <a:srgbClr val="00B050"/>
+                </a:solidFill>
+              </a:rPr>
+              <a:t>addr</a:t>
+            </a:r>
+            <a:endParaRPr lang="en-US" altLang="zh-CN" dirty="0">
+              <a:solidFill>
+                <a:srgbClr val="00B050"/>
+              </a:solidFill>
+            </a:endParaRPr>
+          </a:p>
+        </p:txBody>
+      </p:sp>
+      <p:grpSp>
+        <p:nvGrpSpPr>
+          <p:cNvPr id="115" name="Group 114">
+            <a:extLst>
+              <a:ext uri="{FF2B5EF4-FFF2-40B4-BE49-F238E27FC236}">
+                <a16:creationId xmlns:a16="http://schemas.microsoft.com/office/drawing/2014/main" id="{01E0750D-5ACF-4B20-B255-BA287B912198}"/>
+              </a:ext>
+            </a:extLst>
+          </p:cNvPr>
+          <p:cNvGrpSpPr/>
+          <p:nvPr/>
+        </p:nvGrpSpPr>
+        <p:grpSpPr>
+          <a:xfrm>
+            <a:off x="4249643" y="8399337"/>
+            <a:ext cx="3264859" cy="859013"/>
+            <a:chOff x="4249643" y="8399337"/>
+            <a:chExt cx="3264859" cy="859013"/>
+          </a:xfrm>
+        </p:grpSpPr>
+        <p:cxnSp>
+          <p:nvCxnSpPr>
+            <p:cNvPr id="40" name="Connector: Curved 39">
+              <a:extLst>
+                <a:ext uri="{FF2B5EF4-FFF2-40B4-BE49-F238E27FC236}">
+                  <a16:creationId xmlns:a16="http://schemas.microsoft.com/office/drawing/2014/main" id="{A2EFD1FD-5976-4362-A335-9C493D0431A5}"/>
+                </a:ext>
+              </a:extLst>
+            </p:cNvPr>
+            <p:cNvCxnSpPr>
+              <a:cxnSpLocks/>
+              <a:stCxn id="28" idx="1"/>
+            </p:cNvCxnSpPr>
+            <p:nvPr/>
+          </p:nvCxnSpPr>
+          <p:spPr>
+            <a:xfrm rot="16200000" flipH="1">
+              <a:off x="5452567" y="7196414"/>
+              <a:ext cx="859012" cy="3264859"/>
+            </a:xfrm>
+            <a:prstGeom prst="curvedConnector3">
+              <a:avLst/>
+            </a:prstGeom>
+            <a:ln w="28575">
+              <a:solidFill>
+                <a:srgbClr val="FF0000"/>
+              </a:solidFill>
+              <a:prstDash val="dash"/>
+              <a:tailEnd type="triangle"/>
+            </a:ln>
+          </p:spPr>
+          <p:style>
+            <a:lnRef idx="1">
+              <a:schemeClr val="accent1"/>
+            </a:lnRef>
+            <a:fillRef idx="0">
+              <a:schemeClr val="accent1"/>
+            </a:fillRef>
+            <a:effectRef idx="0">
+              <a:schemeClr val="accent1"/>
+            </a:effectRef>
+            <a:fontRef idx="minor">
+              <a:schemeClr val="tx1"/>
+            </a:fontRef>
+          </p:style>
+        </p:cxnSp>
+        <p:sp>
+          <p:nvSpPr>
+            <p:cNvPr id="114" name="Rectangle 113">
+              <a:extLst>
+                <a:ext uri="{FF2B5EF4-FFF2-40B4-BE49-F238E27FC236}">
+                  <a16:creationId xmlns:a16="http://schemas.microsoft.com/office/drawing/2014/main" id="{7B3F60A7-F410-4C23-82D3-C0FC0491EE36}"/>
+                </a:ext>
+              </a:extLst>
+            </p:cNvPr>
+            <p:cNvSpPr/>
+            <p:nvPr/>
+          </p:nvSpPr>
+          <p:spPr>
+            <a:xfrm>
+              <a:off x="6114083" y="8399337"/>
+              <a:ext cx="1298099" cy="467586"/>
+            </a:xfrm>
+            <a:prstGeom prst="rect">
+              <a:avLst/>
+            </a:prstGeom>
+            <a:noFill/>
+            <a:ln>
+              <a:noFill/>
+            </a:ln>
+            <a:effectLst/>
+          </p:spPr>
+          <p:style>
+            <a:lnRef idx="2">
+              <a:schemeClr val="accent1">
+                <a:shade val="50000"/>
+              </a:schemeClr>
+            </a:lnRef>
+            <a:fillRef idx="1">
+              <a:schemeClr val="accent1"/>
+            </a:fillRef>
+            <a:effectRef idx="0">
+              <a:schemeClr val="accent1"/>
+            </a:effectRef>
+            <a:fontRef idx="minor">
+              <a:schemeClr val="lt1"/>
+            </a:fontRef>
+          </p:style>
+          <p:txBody>
+            <a:bodyPr rtlCol="0" anchor="ctr"/>
+            <a:lstStyle/>
+            <a:p>
+              <a:pPr algn="ctr"/>
+              <a:r>
+                <a:rPr lang="en-US" dirty="0">
+                  <a:solidFill>
+                    <a:srgbClr val="FF0000"/>
+                  </a:solidFill>
+                </a:rPr>
+                <a:t>barrier</a:t>
+              </a:r>
+            </a:p>
+          </p:txBody>
+        </p:sp>
+      </p:grpSp>
+      <p:grpSp>
+        <p:nvGrpSpPr>
+          <p:cNvPr id="118" name="Group 117">
+            <a:extLst>
+              <a:ext uri="{FF2B5EF4-FFF2-40B4-BE49-F238E27FC236}">
+                <a16:creationId xmlns:a16="http://schemas.microsoft.com/office/drawing/2014/main" id="{6645476F-951B-4351-B2F3-514DB67D3350}"/>
+              </a:ext>
+            </a:extLst>
+          </p:cNvPr>
+          <p:cNvGrpSpPr/>
+          <p:nvPr/>
+        </p:nvGrpSpPr>
+        <p:grpSpPr>
+          <a:xfrm>
+            <a:off x="4086368" y="12158348"/>
+            <a:ext cx="3427139" cy="899510"/>
+            <a:chOff x="4086368" y="12158348"/>
+            <a:chExt cx="3427139" cy="899510"/>
+          </a:xfrm>
+        </p:grpSpPr>
+        <p:cxnSp>
+          <p:nvCxnSpPr>
+            <p:cNvPr id="96" name="Connector: Curved 95">
+              <a:extLst>
+                <a:ext uri="{FF2B5EF4-FFF2-40B4-BE49-F238E27FC236}">
+                  <a16:creationId xmlns:a16="http://schemas.microsoft.com/office/drawing/2014/main" id="{C8D338EB-9645-4B53-A5F6-7CF4C7D19C90}"/>
+                </a:ext>
+              </a:extLst>
+            </p:cNvPr>
+            <p:cNvCxnSpPr>
+              <a:cxnSpLocks/>
+              <a:stCxn id="38" idx="1"/>
+              <a:endCxn id="95" idx="3"/>
+            </p:cNvCxnSpPr>
+            <p:nvPr/>
+          </p:nvCxnSpPr>
+          <p:spPr>
+            <a:xfrm rot="5400000">
+              <a:off x="5403836" y="10948187"/>
+              <a:ext cx="853158" cy="3366184"/>
+            </a:xfrm>
+            <a:prstGeom prst="curvedConnector3">
+              <a:avLst>
+                <a:gd name="adj1" fmla="val 50000"/>
+              </a:avLst>
+            </a:prstGeom>
+            <a:ln w="28575">
+              <a:solidFill>
+                <a:srgbClr val="FF0000"/>
+              </a:solidFill>
+              <a:prstDash val="dash"/>
+              <a:tailEnd type="triangle"/>
+            </a:ln>
+          </p:spPr>
+          <p:style>
+            <a:lnRef idx="1">
+              <a:schemeClr val="accent1"/>
+            </a:lnRef>
+            <a:fillRef idx="0">
+              <a:schemeClr val="accent1"/>
+            </a:fillRef>
+            <a:effectRef idx="0">
+              <a:schemeClr val="accent1"/>
+            </a:effectRef>
+            <a:fontRef idx="minor">
+              <a:schemeClr val="tx1"/>
+            </a:fontRef>
+          </p:style>
+        </p:cxnSp>
+        <p:sp>
+          <p:nvSpPr>
+            <p:cNvPr id="117" name="Rectangle 116">
+              <a:extLst>
+                <a:ext uri="{FF2B5EF4-FFF2-40B4-BE49-F238E27FC236}">
+                  <a16:creationId xmlns:a16="http://schemas.microsoft.com/office/drawing/2014/main" id="{DD688119-4B4E-4FD3-AAFC-736427AB3B28}"/>
+                </a:ext>
+              </a:extLst>
+            </p:cNvPr>
+            <p:cNvSpPr/>
+            <p:nvPr/>
+          </p:nvSpPr>
+          <p:spPr>
+            <a:xfrm>
+              <a:off x="4086368" y="12158348"/>
+              <a:ext cx="1298099" cy="467586"/>
+            </a:xfrm>
+            <a:prstGeom prst="rect">
+              <a:avLst/>
+            </a:prstGeom>
+            <a:noFill/>
+            <a:ln>
+              <a:noFill/>
+            </a:ln>
+            <a:effectLst/>
+          </p:spPr>
+          <p:style>
+            <a:lnRef idx="2">
+              <a:schemeClr val="accent1">
+                <a:shade val="50000"/>
+              </a:schemeClr>
+            </a:lnRef>
+            <a:fillRef idx="1">
+              <a:schemeClr val="accent1"/>
+            </a:fillRef>
+            <a:effectRef idx="0">
+              <a:schemeClr val="accent1"/>
+            </a:effectRef>
+            <a:fontRef idx="minor">
+              <a:schemeClr val="lt1"/>
+            </a:fontRef>
+          </p:style>
+          <p:txBody>
+            <a:bodyPr rtlCol="0" anchor="ctr"/>
+            <a:lstStyle/>
+            <a:p>
+              <a:pPr algn="ctr"/>
+              <a:r>
+                <a:rPr lang="en-US" dirty="0">
+                  <a:solidFill>
+                    <a:srgbClr val="FF0000"/>
+                  </a:solidFill>
+                </a:rPr>
+                <a:t>barrier</a:t>
+              </a:r>
+            </a:p>
+          </p:txBody>
+        </p:sp>
+      </p:grpSp>
+      <p:grpSp>
+        <p:nvGrpSpPr>
+          <p:cNvPr id="120" name="Group 119">
+            <a:extLst>
+              <a:ext uri="{FF2B5EF4-FFF2-40B4-BE49-F238E27FC236}">
+                <a16:creationId xmlns:a16="http://schemas.microsoft.com/office/drawing/2014/main" id="{CBD9E109-7FA0-419F-AC45-CC0EC89C0228}"/>
+              </a:ext>
+            </a:extLst>
+          </p:cNvPr>
+          <p:cNvGrpSpPr/>
+          <p:nvPr/>
+        </p:nvGrpSpPr>
+        <p:grpSpPr>
+          <a:xfrm>
+            <a:off x="4147322" y="14577803"/>
+            <a:ext cx="3264859" cy="859014"/>
+            <a:chOff x="4147322" y="14577803"/>
+            <a:chExt cx="3264859" cy="859014"/>
+          </a:xfrm>
+        </p:grpSpPr>
+        <p:cxnSp>
+          <p:nvCxnSpPr>
+            <p:cNvPr id="111" name="Connector: Curved 110">
+              <a:extLst>
+                <a:ext uri="{FF2B5EF4-FFF2-40B4-BE49-F238E27FC236}">
+                  <a16:creationId xmlns:a16="http://schemas.microsoft.com/office/drawing/2014/main" id="{473FF345-2CA2-46AE-A441-3B562AE223AC}"/>
+                </a:ext>
+              </a:extLst>
+            </p:cNvPr>
+            <p:cNvCxnSpPr>
+              <a:cxnSpLocks/>
+            </p:cNvCxnSpPr>
+            <p:nvPr/>
+          </p:nvCxnSpPr>
+          <p:spPr>
+            <a:xfrm rot="16200000" flipH="1">
+              <a:off x="5350246" y="13374881"/>
+              <a:ext cx="859012" cy="3264859"/>
+            </a:xfrm>
+            <a:prstGeom prst="curvedConnector3">
+              <a:avLst/>
+            </a:prstGeom>
+            <a:ln w="28575">
+              <a:solidFill>
+                <a:srgbClr val="FF0000"/>
+              </a:solidFill>
+              <a:prstDash val="dash"/>
+              <a:tailEnd type="triangle"/>
+            </a:ln>
+          </p:spPr>
+          <p:style>
+            <a:lnRef idx="1">
+              <a:schemeClr val="accent1"/>
+            </a:lnRef>
+            <a:fillRef idx="0">
+              <a:schemeClr val="accent1"/>
+            </a:fillRef>
+            <a:effectRef idx="0">
+              <a:schemeClr val="accent1"/>
+            </a:effectRef>
+            <a:fontRef idx="minor">
+              <a:schemeClr val="tx1"/>
+            </a:fontRef>
+          </p:style>
+        </p:cxnSp>
+        <p:sp>
+          <p:nvSpPr>
+            <p:cNvPr id="119" name="Rectangle 118">
+              <a:extLst>
+                <a:ext uri="{FF2B5EF4-FFF2-40B4-BE49-F238E27FC236}">
+                  <a16:creationId xmlns:a16="http://schemas.microsoft.com/office/drawing/2014/main" id="{A690DBD8-3F42-446C-AC96-E44B76D07C1A}"/>
+                </a:ext>
+              </a:extLst>
+            </p:cNvPr>
+            <p:cNvSpPr/>
+            <p:nvPr/>
+          </p:nvSpPr>
+          <p:spPr>
+            <a:xfrm>
+              <a:off x="5992091" y="14577803"/>
+              <a:ext cx="1298099" cy="467586"/>
+            </a:xfrm>
+            <a:prstGeom prst="rect">
+              <a:avLst/>
+            </a:prstGeom>
+            <a:noFill/>
+            <a:ln>
+              <a:noFill/>
+            </a:ln>
+            <a:effectLst/>
+          </p:spPr>
+          <p:style>
+            <a:lnRef idx="2">
+              <a:schemeClr val="accent1">
+                <a:shade val="50000"/>
+              </a:schemeClr>
+            </a:lnRef>
+            <a:fillRef idx="1">
+              <a:schemeClr val="accent1"/>
+            </a:fillRef>
+            <a:effectRef idx="0">
+              <a:schemeClr val="accent1"/>
+            </a:effectRef>
+            <a:fontRef idx="minor">
+              <a:schemeClr val="lt1"/>
+            </a:fontRef>
+          </p:style>
+          <p:txBody>
+            <a:bodyPr rtlCol="0" anchor="ctr"/>
+            <a:lstStyle/>
+            <a:p>
+              <a:pPr algn="ctr"/>
+              <a:r>
+                <a:rPr lang="en-US" dirty="0">
+                  <a:solidFill>
+                    <a:srgbClr val="FF0000"/>
+                  </a:solidFill>
+                </a:rPr>
+                <a:t>barrier</a:t>
+              </a:r>
+            </a:p>
+          </p:txBody>
+        </p:sp>
+      </p:grpSp>
+      <p:sp>
+        <p:nvSpPr>
+          <p:cNvPr id="121" name="Rectangle 120">
+            <a:extLst>
+              <a:ext uri="{FF2B5EF4-FFF2-40B4-BE49-F238E27FC236}">
+                <a16:creationId xmlns:a16="http://schemas.microsoft.com/office/drawing/2014/main" id="{9B78E88B-EA15-4C18-B77A-763395DC2BDA}"/>
+              </a:ext>
+            </a:extLst>
+          </p:cNvPr>
+          <p:cNvSpPr/>
+          <p:nvPr/>
+        </p:nvSpPr>
+        <p:spPr>
+          <a:xfrm>
+            <a:off x="9092482" y="9971641"/>
+            <a:ext cx="1298099" cy="467586"/>
+          </a:xfrm>
+          <a:prstGeom prst="rect">
+            <a:avLst/>
+          </a:prstGeom>
+          <a:noFill/>
+          <a:ln>
+            <a:noFill/>
+          </a:ln>
+          <a:effectLst/>
+        </p:spPr>
+        <p:style>
+          <a:lnRef idx="2">
+            <a:schemeClr val="accent1">
+              <a:shade val="50000"/>
+            </a:schemeClr>
+          </a:lnRef>
+          <a:fillRef idx="1">
+            <a:schemeClr val="accent1"/>
+          </a:fillRef>
+          <a:effectRef idx="0">
+            <a:schemeClr val="accent1"/>
+          </a:effectRef>
+          <a:fontRef idx="minor">
+            <a:schemeClr val="lt1"/>
+          </a:fontRef>
+        </p:style>
+        <p:txBody>
+          <a:bodyPr rtlCol="0" anchor="ctr"/>
+          <a:lstStyle/>
+          <a:p>
+            <a:pPr algn="ctr"/>
+            <a:r>
+              <a:rPr lang="en-US" dirty="0" err="1">
+                <a:solidFill>
+                  <a:schemeClr val="accent5">
+                    <a:lumMod val="60000"/>
+                    <a:lumOff val="40000"/>
+                  </a:schemeClr>
+                </a:solidFill>
+              </a:rPr>
+              <a:t>s_waitcnt</a:t>
+            </a:r>
+            <a:endParaRPr lang="en-US" dirty="0">
+              <a:solidFill>
+                <a:schemeClr val="accent5">
+                  <a:lumMod val="60000"/>
+                  <a:lumOff val="40000"/>
+                </a:schemeClr>
+              </a:solidFill>
+            </a:endParaRPr>
+          </a:p>
+        </p:txBody>
+      </p:sp>
+      <p:sp>
+        <p:nvSpPr>
+          <p:cNvPr id="122" name="Rectangle 121">
+            <a:extLst>
+              <a:ext uri="{FF2B5EF4-FFF2-40B4-BE49-F238E27FC236}">
+                <a16:creationId xmlns:a16="http://schemas.microsoft.com/office/drawing/2014/main" id="{9131CC16-CE80-4D91-8815-51D1802C179C}"/>
+              </a:ext>
+            </a:extLst>
+          </p:cNvPr>
+          <p:cNvSpPr/>
+          <p:nvPr/>
+        </p:nvSpPr>
+        <p:spPr>
+          <a:xfrm>
+            <a:off x="4780735" y="11164582"/>
+            <a:ext cx="1298099" cy="467586"/>
+          </a:xfrm>
+          <a:prstGeom prst="rect">
+            <a:avLst/>
+          </a:prstGeom>
+          <a:noFill/>
+          <a:ln>
+            <a:noFill/>
+          </a:ln>
+          <a:effectLst/>
+        </p:spPr>
+        <p:style>
+          <a:lnRef idx="2">
+            <a:schemeClr val="accent1">
+              <a:shade val="50000"/>
+            </a:schemeClr>
+          </a:lnRef>
+          <a:fillRef idx="1">
+            <a:schemeClr val="accent1"/>
+          </a:fillRef>
+          <a:effectRef idx="0">
+            <a:schemeClr val="accent1"/>
+          </a:effectRef>
+          <a:fontRef idx="minor">
+            <a:schemeClr val="lt1"/>
+          </a:fontRef>
+        </p:style>
+        <p:txBody>
+          <a:bodyPr rtlCol="0" anchor="ctr"/>
+          <a:lstStyle/>
+          <a:p>
+            <a:pPr algn="ctr"/>
+            <a:r>
+              <a:rPr lang="en-US" dirty="0" err="1">
+                <a:solidFill>
+                  <a:schemeClr val="accent5">
+                    <a:lumMod val="60000"/>
+                    <a:lumOff val="40000"/>
+                  </a:schemeClr>
+                </a:solidFill>
+              </a:rPr>
+              <a:t>s_waitcnt</a:t>
+            </a:r>
+            <a:endParaRPr lang="en-US" dirty="0">
+              <a:solidFill>
+                <a:schemeClr val="accent5">
+                  <a:lumMod val="60000"/>
+                  <a:lumOff val="40000"/>
+                </a:schemeClr>
+              </a:solidFill>
+            </a:endParaRPr>
+          </a:p>
+        </p:txBody>
+      </p:sp>
+      <p:sp>
+        <p:nvSpPr>
+          <p:cNvPr id="123" name="Rectangle 122">
+            <a:extLst>
+              <a:ext uri="{FF2B5EF4-FFF2-40B4-BE49-F238E27FC236}">
+                <a16:creationId xmlns:a16="http://schemas.microsoft.com/office/drawing/2014/main" id="{E75964E9-A5A0-4F3C-923E-D29730AB391E}"/>
+              </a:ext>
+            </a:extLst>
+          </p:cNvPr>
+          <p:cNvSpPr/>
+          <p:nvPr/>
+        </p:nvSpPr>
+        <p:spPr>
+          <a:xfrm>
+            <a:off x="9338174" y="16102534"/>
+            <a:ext cx="1298099" cy="467586"/>
+          </a:xfrm>
+          <a:prstGeom prst="rect">
+            <a:avLst/>
+          </a:prstGeom>
+          <a:noFill/>
+          <a:ln>
+            <a:noFill/>
+          </a:ln>
+          <a:effectLst/>
+        </p:spPr>
+        <p:style>
+          <a:lnRef idx="2">
+            <a:schemeClr val="accent1">
+              <a:shade val="50000"/>
+            </a:schemeClr>
+          </a:lnRef>
+          <a:fillRef idx="1">
+            <a:schemeClr val="accent1"/>
+          </a:fillRef>
+          <a:effectRef idx="0">
+            <a:schemeClr val="accent1"/>
+          </a:effectRef>
+          <a:fontRef idx="minor">
+            <a:schemeClr val="lt1"/>
+          </a:fontRef>
+        </p:style>
+        <p:txBody>
+          <a:bodyPr rtlCol="0" anchor="ctr"/>
+          <a:lstStyle/>
+          <a:p>
+            <a:pPr algn="ctr"/>
+            <a:r>
+              <a:rPr lang="en-US" dirty="0" err="1">
+                <a:solidFill>
+                  <a:schemeClr val="accent5">
+                    <a:lumMod val="60000"/>
+                    <a:lumOff val="40000"/>
+                  </a:schemeClr>
+                </a:solidFill>
+              </a:rPr>
+              <a:t>s_waitcnt</a:t>
+            </a:r>
+            <a:endParaRPr lang="en-US" dirty="0">
+              <a:solidFill>
+                <a:schemeClr val="accent5">
+                  <a:lumMod val="60000"/>
+                  <a:lumOff val="40000"/>
+                </a:schemeClr>
+              </a:solidFill>
+            </a:endParaRPr>
+          </a:p>
+        </p:txBody>
+      </p:sp>
+      <p:sp>
+        <p:nvSpPr>
+          <p:cNvPr id="124" name="Rectangle 123">
+            <a:extLst>
+              <a:ext uri="{FF2B5EF4-FFF2-40B4-BE49-F238E27FC236}">
+                <a16:creationId xmlns:a16="http://schemas.microsoft.com/office/drawing/2014/main" id="{1D0E23C4-6D85-4E7F-8172-1AB257AD2E29}"/>
+              </a:ext>
+            </a:extLst>
+          </p:cNvPr>
+          <p:cNvSpPr/>
+          <p:nvPr/>
+        </p:nvSpPr>
+        <p:spPr>
+          <a:xfrm>
+            <a:off x="5073134" y="17211035"/>
+            <a:ext cx="1298099" cy="467586"/>
+          </a:xfrm>
+          <a:prstGeom prst="rect">
+            <a:avLst/>
+          </a:prstGeom>
+          <a:noFill/>
+          <a:ln>
+            <a:noFill/>
+          </a:ln>
+          <a:effectLst/>
+        </p:spPr>
+        <p:style>
+          <a:lnRef idx="2">
+            <a:schemeClr val="accent1">
+              <a:shade val="50000"/>
+            </a:schemeClr>
+          </a:lnRef>
+          <a:fillRef idx="1">
+            <a:schemeClr val="accent1"/>
+          </a:fillRef>
+          <a:effectRef idx="0">
+            <a:schemeClr val="accent1"/>
+          </a:effectRef>
+          <a:fontRef idx="minor">
+            <a:schemeClr val="lt1"/>
+          </a:fontRef>
+        </p:style>
+        <p:txBody>
+          <a:bodyPr rtlCol="0" anchor="ctr"/>
+          <a:lstStyle/>
+          <a:p>
+            <a:pPr algn="ctr"/>
+            <a:r>
+              <a:rPr lang="en-US" dirty="0" err="1">
+                <a:solidFill>
+                  <a:schemeClr val="accent5">
+                    <a:lumMod val="60000"/>
+                    <a:lumOff val="40000"/>
+                  </a:schemeClr>
+                </a:solidFill>
+              </a:rPr>
+              <a:t>s_waitcnt</a:t>
+            </a:r>
+            <a:endParaRPr lang="en-US" dirty="0">
+              <a:solidFill>
+                <a:schemeClr val="accent5">
+                  <a:lumMod val="60000"/>
+                  <a:lumOff val="40000"/>
+                </a:schemeClr>
+              </a:solidFill>
+            </a:endParaRPr>
+          </a:p>
+        </p:txBody>
+      </p:sp>
+      <p:cxnSp>
+        <p:nvCxnSpPr>
+          <p:cNvPr id="126" name="Connector: Elbow 125">
+            <a:extLst>
+              <a:ext uri="{FF2B5EF4-FFF2-40B4-BE49-F238E27FC236}">
+                <a16:creationId xmlns:a16="http://schemas.microsoft.com/office/drawing/2014/main" id="{76072E4C-3B50-489B-A5AC-F1D3F1D5E2F7}"/>
+              </a:ext>
+            </a:extLst>
+          </p:cNvPr>
+          <p:cNvCxnSpPr>
+            <a:cxnSpLocks/>
+            <a:stCxn id="9" idx="1"/>
+            <a:endCxn id="12" idx="0"/>
+          </p:cNvCxnSpPr>
+          <p:nvPr/>
+        </p:nvCxnSpPr>
+        <p:spPr>
+          <a:xfrm rot="10800000" flipV="1">
+            <a:off x="631350" y="4191751"/>
+            <a:ext cx="3563980" cy="1621964"/>
+          </a:xfrm>
+          <a:prstGeom prst="bentConnector2">
+            <a:avLst/>
+          </a:prstGeom>
+          <a:ln w="28575">
+            <a:solidFill>
+              <a:srgbClr val="0070C0"/>
+            </a:solidFill>
+            <a:tailEnd type="triangle"/>
+          </a:ln>
+        </p:spPr>
+        <p:style>
+          <a:lnRef idx="1">
+            <a:schemeClr val="accent1"/>
+          </a:lnRef>
+          <a:fillRef idx="0">
+            <a:schemeClr val="accent1"/>
+          </a:fillRef>
+          <a:effectRef idx="0">
+            <a:schemeClr val="accent1"/>
+          </a:effectRef>
+          <a:fontRef idx="minor">
+            <a:schemeClr val="tx1"/>
+          </a:fontRef>
+        </p:style>
+      </p:cxnSp>
+      <p:cxnSp>
+        <p:nvCxnSpPr>
+          <p:cNvPr id="129" name="Connector: Elbow 128">
+            <a:extLst>
+              <a:ext uri="{FF2B5EF4-FFF2-40B4-BE49-F238E27FC236}">
+                <a16:creationId xmlns:a16="http://schemas.microsoft.com/office/drawing/2014/main" id="{3FB4D0C2-E0CF-4EFA-B554-72FD2CD0D28C}"/>
+              </a:ext>
+            </a:extLst>
+          </p:cNvPr>
+          <p:cNvCxnSpPr>
+            <a:stCxn id="9" idx="3"/>
+            <a:endCxn id="13" idx="0"/>
+          </p:cNvCxnSpPr>
+          <p:nvPr/>
+        </p:nvCxnSpPr>
+        <p:spPr>
+          <a:xfrm>
+            <a:off x="7412182" y="4191751"/>
+            <a:ext cx="3652026" cy="1674440"/>
+          </a:xfrm>
+          <a:prstGeom prst="bentConnector2">
+            <a:avLst/>
+          </a:prstGeom>
+          <a:ln w="28575">
+            <a:solidFill>
+              <a:srgbClr val="00B050"/>
+            </a:solidFill>
+            <a:tailEnd type="triangle"/>
+          </a:ln>
+        </p:spPr>
+        <p:style>
+          <a:lnRef idx="1">
+            <a:schemeClr val="accent1"/>
+          </a:lnRef>
+          <a:fillRef idx="0">
+            <a:schemeClr val="accent1"/>
+          </a:fillRef>
+          <a:effectRef idx="0">
+            <a:schemeClr val="accent1"/>
+          </a:effectRef>
+          <a:fontRef idx="minor">
+            <a:schemeClr val="tx1"/>
+          </a:fontRef>
+        </p:style>
+      </p:cxnSp>
+      <p:cxnSp>
+        <p:nvCxnSpPr>
+          <p:cNvPr id="132" name="Straight Arrow Connector 131">
+            <a:extLst>
+              <a:ext uri="{FF2B5EF4-FFF2-40B4-BE49-F238E27FC236}">
+                <a16:creationId xmlns:a16="http://schemas.microsoft.com/office/drawing/2014/main" id="{97D8A800-DB72-41A4-928B-C0599E8E0B75}"/>
+              </a:ext>
+            </a:extLst>
+          </p:cNvPr>
+          <p:cNvCxnSpPr>
+            <a:cxnSpLocks/>
+            <a:stCxn id="13" idx="2"/>
+            <a:endCxn id="16" idx="0"/>
+          </p:cNvCxnSpPr>
+          <p:nvPr/>
+        </p:nvCxnSpPr>
+        <p:spPr>
+          <a:xfrm>
+            <a:off x="11064208" y="6461937"/>
+            <a:ext cx="0" cy="5219580"/>
+          </a:xfrm>
+          <a:prstGeom prst="straightConnector1">
+            <a:avLst/>
+          </a:prstGeom>
+          <a:ln w="28575">
+            <a:solidFill>
+              <a:srgbClr val="00B050"/>
+            </a:solidFill>
+            <a:tailEnd type="triangle"/>
+          </a:ln>
+        </p:spPr>
+        <p:style>
+          <a:lnRef idx="1">
+            <a:schemeClr val="accent1"/>
+          </a:lnRef>
+          <a:fillRef idx="0">
+            <a:schemeClr val="accent1"/>
+          </a:fillRef>
+          <a:effectRef idx="0">
+            <a:schemeClr val="accent1"/>
+          </a:effectRef>
+          <a:fontRef idx="minor">
+            <a:schemeClr val="tx1"/>
+          </a:fontRef>
+        </p:style>
+      </p:cxnSp>
+      <p:cxnSp>
+        <p:nvCxnSpPr>
+          <p:cNvPr id="133" name="Straight Arrow Connector 132">
+            <a:extLst>
+              <a:ext uri="{FF2B5EF4-FFF2-40B4-BE49-F238E27FC236}">
+                <a16:creationId xmlns:a16="http://schemas.microsoft.com/office/drawing/2014/main" id="{4439E4BC-2D68-4AAF-9D72-A860E3CBB4D9}"/>
+              </a:ext>
+            </a:extLst>
+          </p:cNvPr>
+          <p:cNvCxnSpPr>
+            <a:cxnSpLocks/>
+            <a:stCxn id="16" idx="2"/>
+          </p:cNvCxnSpPr>
+          <p:nvPr/>
+        </p:nvCxnSpPr>
+        <p:spPr>
+          <a:xfrm>
+            <a:off x="11064208" y="12277263"/>
+            <a:ext cx="0" cy="5495073"/>
+          </a:xfrm>
+          <a:prstGeom prst="straightConnector1">
+            <a:avLst/>
+          </a:prstGeom>
+          <a:ln w="28575">
+            <a:solidFill>
+              <a:srgbClr val="00B050"/>
+            </a:solidFill>
+            <a:tailEnd type="triangle"/>
+          </a:ln>
+        </p:spPr>
+        <p:style>
+          <a:lnRef idx="1">
+            <a:schemeClr val="accent1"/>
+          </a:lnRef>
+          <a:fillRef idx="0">
+            <a:schemeClr val="accent1"/>
+          </a:fillRef>
+          <a:effectRef idx="0">
+            <a:schemeClr val="accent1"/>
+          </a:effectRef>
+          <a:fontRef idx="minor">
+            <a:schemeClr val="tx1"/>
+          </a:fontRef>
+        </p:style>
+      </p:cxnSp>
+      <p:cxnSp>
+        <p:nvCxnSpPr>
+          <p:cNvPr id="137" name="Straight Arrow Connector 136">
+            <a:extLst>
+              <a:ext uri="{FF2B5EF4-FFF2-40B4-BE49-F238E27FC236}">
+                <a16:creationId xmlns:a16="http://schemas.microsoft.com/office/drawing/2014/main" id="{7A6023C0-B413-4135-9EAB-68B3AFD3C38F}"/>
+              </a:ext>
+            </a:extLst>
+          </p:cNvPr>
+          <p:cNvCxnSpPr>
+            <a:cxnSpLocks/>
+          </p:cNvCxnSpPr>
+          <p:nvPr/>
+        </p:nvCxnSpPr>
+        <p:spPr>
+          <a:xfrm>
+            <a:off x="11095002" y="18355382"/>
+            <a:ext cx="0" cy="931841"/>
+          </a:xfrm>
+          <a:prstGeom prst="straightConnector1">
+            <a:avLst/>
+          </a:prstGeom>
+          <a:ln w="28575">
+            <a:solidFill>
+              <a:srgbClr val="00B050"/>
+            </a:solidFill>
+            <a:tailEnd type="triangle"/>
+          </a:ln>
+        </p:spPr>
+        <p:style>
+          <a:lnRef idx="1">
+            <a:schemeClr val="accent1"/>
+          </a:lnRef>
+          <a:fillRef idx="0">
+            <a:schemeClr val="accent1"/>
+          </a:fillRef>
+          <a:effectRef idx="0">
+            <a:schemeClr val="accent1"/>
+          </a:effectRef>
+          <a:fontRef idx="minor">
+            <a:schemeClr val="tx1"/>
+          </a:fontRef>
+        </p:style>
+      </p:cxnSp>
+      <p:cxnSp>
+        <p:nvCxnSpPr>
+          <p:cNvPr id="140" name="Straight Arrow Connector 139">
+            <a:extLst>
+              <a:ext uri="{FF2B5EF4-FFF2-40B4-BE49-F238E27FC236}">
+                <a16:creationId xmlns:a16="http://schemas.microsoft.com/office/drawing/2014/main" id="{B3193C45-243C-48BD-979F-75C9FCEF8ED3}"/>
+              </a:ext>
+            </a:extLst>
+          </p:cNvPr>
+          <p:cNvCxnSpPr>
+            <a:cxnSpLocks/>
+            <a:stCxn id="18" idx="2"/>
+          </p:cNvCxnSpPr>
+          <p:nvPr/>
+        </p:nvCxnSpPr>
+        <p:spPr>
+          <a:xfrm flipH="1">
+            <a:off x="627508" y="8399338"/>
+            <a:ext cx="3842" cy="5567994"/>
+          </a:xfrm>
+          <a:prstGeom prst="straightConnector1">
+            <a:avLst/>
+          </a:prstGeom>
+          <a:ln w="28575">
+            <a:solidFill>
+              <a:srgbClr val="0070C0"/>
+            </a:solidFill>
+            <a:tailEnd type="triangle"/>
+          </a:ln>
+        </p:spPr>
+        <p:style>
+          <a:lnRef idx="1">
+            <a:schemeClr val="accent1"/>
+          </a:lnRef>
+          <a:fillRef idx="0">
+            <a:schemeClr val="accent1"/>
+          </a:fillRef>
+          <a:effectRef idx="0">
+            <a:schemeClr val="accent1"/>
+          </a:effectRef>
+          <a:fontRef idx="minor">
+            <a:schemeClr val="tx1"/>
+          </a:fontRef>
+        </p:style>
+      </p:cxnSp>
+      <p:cxnSp>
+        <p:nvCxnSpPr>
+          <p:cNvPr id="142" name="Straight Arrow Connector 141">
+            <a:extLst>
+              <a:ext uri="{FF2B5EF4-FFF2-40B4-BE49-F238E27FC236}">
+                <a16:creationId xmlns:a16="http://schemas.microsoft.com/office/drawing/2014/main" id="{3B07673E-C2F9-408B-B7D4-BB3AB9101EEE}"/>
+              </a:ext>
+            </a:extLst>
+          </p:cNvPr>
+          <p:cNvCxnSpPr>
+            <a:cxnSpLocks/>
+            <a:stCxn id="12" idx="2"/>
+            <a:endCxn id="18" idx="0"/>
+          </p:cNvCxnSpPr>
+          <p:nvPr/>
+        </p:nvCxnSpPr>
+        <p:spPr>
+          <a:xfrm>
+            <a:off x="631350" y="6409461"/>
+            <a:ext cx="0" cy="1394131"/>
+          </a:xfrm>
+          <a:prstGeom prst="straightConnector1">
+            <a:avLst/>
+          </a:prstGeom>
+          <a:ln w="28575">
+            <a:solidFill>
+              <a:srgbClr val="0070C0"/>
+            </a:solidFill>
+            <a:tailEnd type="triangle"/>
+          </a:ln>
+        </p:spPr>
+        <p:style>
+          <a:lnRef idx="1">
+            <a:schemeClr val="accent1"/>
+          </a:lnRef>
+          <a:fillRef idx="0">
+            <a:schemeClr val="accent1"/>
+          </a:fillRef>
+          <a:effectRef idx="0">
+            <a:schemeClr val="accent1"/>
+          </a:effectRef>
+          <a:fontRef idx="minor">
+            <a:schemeClr val="tx1"/>
+          </a:fontRef>
+        </p:style>
+      </p:cxnSp>
+      <p:cxnSp>
+        <p:nvCxnSpPr>
+          <p:cNvPr id="146" name="Straight Arrow Connector 145">
+            <a:extLst>
+              <a:ext uri="{FF2B5EF4-FFF2-40B4-BE49-F238E27FC236}">
+                <a16:creationId xmlns:a16="http://schemas.microsoft.com/office/drawing/2014/main" id="{58997DA0-6E18-4459-8D62-77A4B59E1860}"/>
+              </a:ext>
+            </a:extLst>
+          </p:cNvPr>
+          <p:cNvCxnSpPr>
+            <a:cxnSpLocks/>
+            <a:stCxn id="8" idx="2"/>
+          </p:cNvCxnSpPr>
+          <p:nvPr/>
+        </p:nvCxnSpPr>
+        <p:spPr>
+          <a:xfrm>
+            <a:off x="5992091" y="3552709"/>
+            <a:ext cx="0" cy="354119"/>
+          </a:xfrm>
+          <a:prstGeom prst="straightConnector1">
+            <a:avLst/>
+          </a:prstGeom>
+          <a:ln w="28575">
+            <a:solidFill>
+              <a:schemeClr val="bg1"/>
+            </a:solidFill>
+            <a:tailEnd type="triangle"/>
+          </a:ln>
+        </p:spPr>
+        <p:style>
+          <a:lnRef idx="1">
+            <a:schemeClr val="accent1"/>
+          </a:lnRef>
+          <a:fillRef idx="0">
+            <a:schemeClr val="accent1"/>
+          </a:fillRef>
+          <a:effectRef idx="0">
+            <a:schemeClr val="accent1"/>
+          </a:effectRef>
+          <a:fontRef idx="minor">
+            <a:schemeClr val="tx1"/>
+          </a:fontRef>
+        </p:style>
+      </p:cxnSp>
+      <p:cxnSp>
+        <p:nvCxnSpPr>
+          <p:cNvPr id="151" name="Straight Arrow Connector 150">
+            <a:extLst>
+              <a:ext uri="{FF2B5EF4-FFF2-40B4-BE49-F238E27FC236}">
+                <a16:creationId xmlns:a16="http://schemas.microsoft.com/office/drawing/2014/main" id="{A3300C4A-B6AE-4C3F-B3ED-E25D7CD7C7A8}"/>
+              </a:ext>
+            </a:extLst>
+          </p:cNvPr>
+          <p:cNvCxnSpPr>
+            <a:cxnSpLocks/>
+          </p:cNvCxnSpPr>
+          <p:nvPr/>
+        </p:nvCxnSpPr>
+        <p:spPr>
+          <a:xfrm>
+            <a:off x="5961148" y="2602844"/>
+            <a:ext cx="0" cy="354119"/>
+          </a:xfrm>
+          <a:prstGeom prst="straightConnector1">
+            <a:avLst/>
+          </a:prstGeom>
+          <a:ln w="28575">
+            <a:solidFill>
+              <a:schemeClr val="bg1"/>
+            </a:solidFill>
+            <a:tailEnd type="triangle"/>
+          </a:ln>
+        </p:spPr>
+        <p:style>
+          <a:lnRef idx="1">
+            <a:schemeClr val="accent1"/>
+          </a:lnRef>
+          <a:fillRef idx="0">
+            <a:schemeClr val="accent1"/>
+          </a:fillRef>
+          <a:effectRef idx="0">
+            <a:schemeClr val="accent1"/>
+          </a:effectRef>
+          <a:fontRef idx="minor">
+            <a:schemeClr val="tx1"/>
+          </a:fontRef>
+        </p:style>
+      </p:cxnSp>
+      <p:sp>
+        <p:nvSpPr>
+          <p:cNvPr id="152" name="Flowchart: Alternate Process 151">
+            <a:extLst>
+              <a:ext uri="{FF2B5EF4-FFF2-40B4-BE49-F238E27FC236}">
+                <a16:creationId xmlns:a16="http://schemas.microsoft.com/office/drawing/2014/main" id="{60053B7D-A56E-4E31-840C-BC4537437EEE}"/>
+              </a:ext>
+            </a:extLst>
+          </p:cNvPr>
+          <p:cNvSpPr/>
+          <p:nvPr/>
+        </p:nvSpPr>
+        <p:spPr>
+          <a:xfrm>
+            <a:off x="4724400" y="2142142"/>
+            <a:ext cx="2840182" cy="595746"/>
+          </a:xfrm>
+          <a:prstGeom prst="flowChartAlternateProcess">
+            <a:avLst/>
+          </a:prstGeom>
+          <a:noFill/>
+          <a:ln>
+            <a:solidFill>
+              <a:schemeClr val="bg1"/>
+            </a:solidFill>
+          </a:ln>
+          <a:effectLst/>
+        </p:spPr>
+        <p:style>
+          <a:lnRef idx="2">
+            <a:schemeClr val="accent1">
+              <a:shade val="50000"/>
+            </a:schemeClr>
+          </a:lnRef>
+          <a:fillRef idx="1">
+            <a:schemeClr val="accent1"/>
+          </a:fillRef>
+          <a:effectRef idx="0">
+            <a:schemeClr val="accent1"/>
+          </a:effectRef>
+          <a:fontRef idx="minor">
+            <a:schemeClr val="lt1"/>
+          </a:fontRef>
+        </p:style>
+        <p:txBody>
+          <a:bodyPr rtlCol="0" anchor="ctr"/>
+          <a:lstStyle/>
+          <a:p>
+            <a:pPr algn="ctr"/>
+            <a:r>
+              <a:rPr lang="en-US" altLang="zh-CN" b="1" dirty="0" err="1">
+                <a:solidFill>
+                  <a:schemeClr val="tx2"/>
+                </a:solidFill>
+              </a:rPr>
+              <a:t>checkKernelParameters</a:t>
+            </a:r>
+            <a:r>
+              <a:rPr lang="en-US" altLang="zh-CN" b="1" dirty="0">
+                <a:solidFill>
+                  <a:schemeClr val="tx2"/>
+                </a:solidFill>
+              </a:rPr>
+              <a:t>()</a:t>
+            </a:r>
+            <a:endParaRPr lang="en-US" b="1" dirty="0">
+              <a:solidFill>
+                <a:schemeClr val="tx2"/>
+              </a:solidFill>
+            </a:endParaRPr>
+          </a:p>
+        </p:txBody>
+      </p:sp>
+      <p:cxnSp>
+        <p:nvCxnSpPr>
+          <p:cNvPr id="153" name="Connector: Elbow 152">
+            <a:extLst>
+              <a:ext uri="{FF2B5EF4-FFF2-40B4-BE49-F238E27FC236}">
+                <a16:creationId xmlns:a16="http://schemas.microsoft.com/office/drawing/2014/main" id="{154E187E-5192-4FA5-97A2-B3EF57EC7E94}"/>
+              </a:ext>
+            </a:extLst>
+          </p:cNvPr>
+          <p:cNvCxnSpPr>
+            <a:cxnSpLocks/>
+            <a:endCxn id="5" idx="3"/>
+          </p:cNvCxnSpPr>
+          <p:nvPr/>
+        </p:nvCxnSpPr>
+        <p:spPr>
+          <a:xfrm rot="10800000" flipV="1">
+            <a:off x="7335116" y="19887335"/>
+            <a:ext cx="3729092" cy="1247930"/>
+          </a:xfrm>
+          <a:prstGeom prst="bentConnector3">
+            <a:avLst>
+              <a:gd name="adj1" fmla="val -1085"/>
+            </a:avLst>
+          </a:prstGeom>
+          <a:ln w="28575">
+            <a:solidFill>
+              <a:srgbClr val="00B050"/>
+            </a:solidFill>
+            <a:tailEnd type="triangle"/>
+          </a:ln>
+        </p:spPr>
+        <p:style>
+          <a:lnRef idx="1">
+            <a:schemeClr val="accent1"/>
+          </a:lnRef>
+          <a:fillRef idx="0">
+            <a:schemeClr val="accent1"/>
+          </a:fillRef>
+          <a:effectRef idx="0">
+            <a:schemeClr val="accent1"/>
+          </a:effectRef>
+          <a:fontRef idx="minor">
+            <a:schemeClr val="tx1"/>
+          </a:fontRef>
+        </p:style>
+      </p:cxnSp>
+      <p:cxnSp>
+        <p:nvCxnSpPr>
+          <p:cNvPr id="157" name="Connector: Elbow 156">
+            <a:extLst>
+              <a:ext uri="{FF2B5EF4-FFF2-40B4-BE49-F238E27FC236}">
+                <a16:creationId xmlns:a16="http://schemas.microsoft.com/office/drawing/2014/main" id="{14611C2B-0DEB-417A-A31D-8B30813E4022}"/>
+              </a:ext>
+            </a:extLst>
+          </p:cNvPr>
+          <p:cNvCxnSpPr>
+            <a:cxnSpLocks/>
+            <a:endCxn id="5" idx="1"/>
+          </p:cNvCxnSpPr>
+          <p:nvPr/>
+        </p:nvCxnSpPr>
+        <p:spPr>
+          <a:xfrm rot="16200000" flipH="1">
+            <a:off x="-713247" y="15927084"/>
+            <a:ext cx="6509430" cy="3906932"/>
+          </a:xfrm>
+          <a:prstGeom prst="bentConnector2">
+            <a:avLst/>
+          </a:prstGeom>
+          <a:ln w="28575">
+            <a:solidFill>
+              <a:srgbClr val="0070C0"/>
+            </a:solidFill>
+            <a:tailEnd type="triangle"/>
+          </a:ln>
+        </p:spPr>
+        <p:style>
+          <a:lnRef idx="1">
+            <a:schemeClr val="accent1"/>
+          </a:lnRef>
+          <a:fillRef idx="0">
+            <a:schemeClr val="accent1"/>
+          </a:fillRef>
+          <a:effectRef idx="0">
+            <a:schemeClr val="accent1"/>
+          </a:effectRef>
+          <a:fontRef idx="minor">
+            <a:schemeClr val="tx1"/>
+          </a:fontRef>
+        </p:style>
+      </p:cxnSp>
+    </p:spTree>
+    <p:extLst>
+      <p:ext uri="{BB962C8B-B14F-4D97-AF65-F5344CB8AC3E}">
+        <p14:creationId xmlns:p14="http://schemas.microsoft.com/office/powerpoint/2010/main" val="3202903746"/>
       </p:ext>
     </p:extLst>
   </p:cSld>
@@ -6601,6 +10884,15 @@
 </file>
 
 <file path=customXml/item1.xml><?xml version="1.0" encoding="utf-8"?>
+<?mso-contentType ?>
+<FormTemplates xmlns="http://schemas.microsoft.com/sharepoint/v3/contenttype/forms">
+  <Display>DocumentLibraryForm</Display>
+  <Edit>DocumentLibraryForm</Edit>
+  <New>DocumentLibraryForm</New>
+</FormTemplates>
+</file>
+
+<file path=customXml/item2.xml><?xml version="1.0" encoding="utf-8"?>
 <ct:contentTypeSchema xmlns:ct="http://schemas.microsoft.com/office/2006/metadata/contentType" xmlns:ma="http://schemas.microsoft.com/office/2006/metadata/properties/metaAttributes" ct:_="" ma:_="" ma:contentTypeName="Document" ma:contentTypeID="0x010100B040F28C9190714F9051F1661A72B344" ma:contentTypeVersion="0" ma:contentTypeDescription="Create a new document." ma:contentTypeScope="" ma:versionID="b8b95d69f10381dae1e3fc8aa097d9b2">
   <xsd:schema xmlns:xsd="http://www.w3.org/2001/XMLSchema" xmlns:xs="http://www.w3.org/2001/XMLSchema" xmlns:p="http://schemas.microsoft.com/office/2006/metadata/properties" targetNamespace="http://schemas.microsoft.com/office/2006/metadata/properties" ma:root="true" ma:fieldsID="1b05d82d297216baf5b26c55225140df">
     <xsd:element name="properties">
@@ -6714,16 +11006,15 @@
 </ct:contentTypeSchema>
 </file>
 
-<file path=customXml/item2.xml><?xml version="1.0" encoding="utf-8"?>
-<?mso-contentType ?>
-<FormTemplates xmlns="http://schemas.microsoft.com/sharepoint/v3/contenttype/forms">
-  <Display>DocumentLibraryForm</Display>
-  <Edit>DocumentLibraryForm</Edit>
-  <New>DocumentLibraryForm</New>
-</FormTemplates>
+<file path=customXml/itemProps1.xml><?xml version="1.0" encoding="utf-8"?>
+<ds:datastoreItem xmlns:ds="http://schemas.openxmlformats.org/officeDocument/2006/customXml" ds:itemID="{46C7C7BA-398C-443C-9325-A8C61CE3C0A0}">
+  <ds:schemaRefs>
+    <ds:schemaRef ds:uri="http://schemas.microsoft.com/sharepoint/v3/contenttype/forms"/>
+  </ds:schemaRefs>
+</ds:datastoreItem>
 </file>
 
-<file path=customXml/itemProps1.xml><?xml version="1.0" encoding="utf-8"?>
+<file path=customXml/itemProps2.xml><?xml version="1.0" encoding="utf-8"?>
 <ds:datastoreItem xmlns:ds="http://schemas.openxmlformats.org/officeDocument/2006/customXml" ds:itemID="{CB9B9DAE-0203-490A-8CF8-6A331C5A0B02}">
   <ds:schemaRefs>
     <ds:schemaRef ds:uri="http://schemas.microsoft.com/office/2006/metadata/contentType"/>
@@ -6737,12 +11028,4 @@
     <ds:schemaRef ds:uri="http://schemas.microsoft.com/office/infopath/2007/PartnerControls"/>
   </ds:schemaRefs>
 </ds:datastoreItem>
-</file>
-
-<file path=customXml/itemProps2.xml><?xml version="1.0" encoding="utf-8"?>
-<ds:datastoreItem xmlns:ds="http://schemas.openxmlformats.org/officeDocument/2006/customXml" ds:itemID="{46C7C7BA-398C-443C-9325-A8C61CE3C0A0}">
-  <ds:schemaRefs>
-    <ds:schemaRef ds:uri="http://schemas.microsoft.com/sharepoint/v3/contenttype/forms"/>
-  </ds:schemaRefs>
-</ds:datastoreItem>
 </file>
--- a/doc/mfma gemm.pptx
+++ b/doc/mfma gemm.pptx
@@ -349,7 +349,7 @@
               <a:pPr>
                 <a:defRPr/>
               </a:pPr>
-              <a:t>4/4/2020</a:t>
+              <a:t>6/12/2020</a:t>
             </a:fld>
             <a:endParaRPr lang="en-US"/>
           </a:p>
@@ -568,7 +568,7 @@
               <a:pPr>
                 <a:defRPr/>
               </a:pPr>
-              <a:t>4/4/2020</a:t>
+              <a:t>6/12/2020</a:t>
             </a:fld>
             <a:endParaRPr lang="en-US"/>
           </a:p>
@@ -8316,6 +8316,212 @@
           </a:p>
         </p:txBody>
       </p:sp>
+      <p:cxnSp>
+        <p:nvCxnSpPr>
+          <p:cNvPr id="6" name="Straight Arrow Connector 5">
+            <a:extLst>
+              <a:ext uri="{FF2B5EF4-FFF2-40B4-BE49-F238E27FC236}">
+                <a16:creationId xmlns:a16="http://schemas.microsoft.com/office/drawing/2014/main" id="{D5D54CAD-83D8-44C2-B008-8C1E96FED4DC}"/>
+              </a:ext>
+            </a:extLst>
+          </p:cNvPr>
+          <p:cNvCxnSpPr/>
+          <p:nvPr/>
+        </p:nvCxnSpPr>
+        <p:spPr>
+          <a:xfrm>
+            <a:off x="6959600" y="6482080"/>
+            <a:ext cx="330200" cy="0"/>
+          </a:xfrm>
+          <a:prstGeom prst="straightConnector1">
+            <a:avLst/>
+          </a:prstGeom>
+          <a:ln>
+            <a:solidFill>
+              <a:schemeClr val="bg1"/>
+            </a:solidFill>
+            <a:tailEnd type="triangle" w="med" len="sm"/>
+          </a:ln>
+        </p:spPr>
+        <p:style>
+          <a:lnRef idx="1">
+            <a:schemeClr val="accent1"/>
+          </a:lnRef>
+          <a:fillRef idx="0">
+            <a:schemeClr val="accent1"/>
+          </a:fillRef>
+          <a:effectRef idx="0">
+            <a:schemeClr val="accent1"/>
+          </a:effectRef>
+          <a:fontRef idx="minor">
+            <a:schemeClr val="tx1"/>
+          </a:fontRef>
+        </p:style>
+      </p:cxnSp>
+      <p:cxnSp>
+        <p:nvCxnSpPr>
+          <p:cNvPr id="8" name="Straight Arrow Connector 7">
+            <a:extLst>
+              <a:ext uri="{FF2B5EF4-FFF2-40B4-BE49-F238E27FC236}">
+                <a16:creationId xmlns:a16="http://schemas.microsoft.com/office/drawing/2014/main" id="{138E5475-455A-4DA6-A163-01F9939DAEB5}"/>
+              </a:ext>
+            </a:extLst>
+          </p:cNvPr>
+          <p:cNvCxnSpPr>
+            <a:cxnSpLocks/>
+          </p:cNvCxnSpPr>
+          <p:nvPr/>
+        </p:nvCxnSpPr>
+        <p:spPr>
+          <a:xfrm>
+            <a:off x="11837460" y="2113282"/>
+            <a:ext cx="0" cy="320886"/>
+          </a:xfrm>
+          <a:prstGeom prst="straightConnector1">
+            <a:avLst/>
+          </a:prstGeom>
+          <a:ln>
+            <a:solidFill>
+              <a:schemeClr val="bg1"/>
+            </a:solidFill>
+            <a:tailEnd type="triangle" w="med" len="sm"/>
+          </a:ln>
+        </p:spPr>
+        <p:style>
+          <a:lnRef idx="1">
+            <a:schemeClr val="accent1"/>
+          </a:lnRef>
+          <a:fillRef idx="0">
+            <a:schemeClr val="accent1"/>
+          </a:fillRef>
+          <a:effectRef idx="0">
+            <a:schemeClr val="accent1"/>
+          </a:effectRef>
+          <a:fontRef idx="minor">
+            <a:schemeClr val="tx1"/>
+          </a:fontRef>
+        </p:style>
+      </p:cxnSp>
+      <p:sp>
+        <p:nvSpPr>
+          <p:cNvPr id="10" name="Rectangle: Rounded Corners 9">
+            <a:extLst>
+              <a:ext uri="{FF2B5EF4-FFF2-40B4-BE49-F238E27FC236}">
+                <a16:creationId xmlns:a16="http://schemas.microsoft.com/office/drawing/2014/main" id="{498BAF35-99AF-4B06-B396-E981E1EE3165}"/>
+              </a:ext>
+            </a:extLst>
+          </p:cNvPr>
+          <p:cNvSpPr/>
+          <p:nvPr/>
+        </p:nvSpPr>
+        <p:spPr>
+          <a:xfrm>
+            <a:off x="6773333" y="1905000"/>
+            <a:ext cx="4878472" cy="618067"/>
+          </a:xfrm>
+          <a:prstGeom prst="roundRect">
+            <a:avLst/>
+          </a:prstGeom>
+          <a:noFill/>
+          <a:ln>
+            <a:solidFill>
+              <a:srgbClr val="ED1C24"/>
+            </a:solidFill>
+          </a:ln>
+          <a:effectLst/>
+        </p:spPr>
+        <p:style>
+          <a:lnRef idx="2">
+            <a:schemeClr val="accent1">
+              <a:shade val="50000"/>
+            </a:schemeClr>
+          </a:lnRef>
+          <a:fillRef idx="1">
+            <a:schemeClr val="accent1"/>
+          </a:fillRef>
+          <a:effectRef idx="0">
+            <a:schemeClr val="accent1"/>
+          </a:effectRef>
+          <a:fontRef idx="minor">
+            <a:schemeClr val="lt1"/>
+          </a:fontRef>
+        </p:style>
+        <p:txBody>
+          <a:bodyPr rtlCol="0" anchor="ctr"/>
+          <a:lstStyle/>
+          <a:p>
+            <a:pPr algn="ctr"/>
+            <a:r>
+              <a:rPr lang="en-US" dirty="0">
+                <a:solidFill>
+                  <a:srgbClr val="FF0000"/>
+                </a:solidFill>
+              </a:rPr>
+              <a:t>One lane of store</a:t>
+            </a:r>
+          </a:p>
+        </p:txBody>
+      </p:sp>
+      <p:sp>
+        <p:nvSpPr>
+          <p:cNvPr id="12" name="Rectangle: Rounded Corners 11">
+            <a:extLst>
+              <a:ext uri="{FF2B5EF4-FFF2-40B4-BE49-F238E27FC236}">
+                <a16:creationId xmlns:a16="http://schemas.microsoft.com/office/drawing/2014/main" id="{80371DE4-D5FE-4191-BB36-6D31C3FD7F81}"/>
+              </a:ext>
+            </a:extLst>
+          </p:cNvPr>
+          <p:cNvSpPr/>
+          <p:nvPr/>
+        </p:nvSpPr>
+        <p:spPr>
+          <a:xfrm>
+            <a:off x="6773333" y="3030009"/>
+            <a:ext cx="4878472" cy="1140671"/>
+          </a:xfrm>
+          <a:prstGeom prst="roundRect">
+            <a:avLst/>
+          </a:prstGeom>
+          <a:noFill/>
+          <a:ln>
+            <a:solidFill>
+              <a:srgbClr val="ED1C24"/>
+            </a:solidFill>
+          </a:ln>
+          <a:effectLst/>
+        </p:spPr>
+        <p:style>
+          <a:lnRef idx="2">
+            <a:schemeClr val="accent1">
+              <a:shade val="50000"/>
+            </a:schemeClr>
+          </a:lnRef>
+          <a:fillRef idx="1">
+            <a:schemeClr val="accent1"/>
+          </a:fillRef>
+          <a:effectRef idx="0">
+            <a:schemeClr val="accent1"/>
+          </a:effectRef>
+          <a:fontRef idx="minor">
+            <a:schemeClr val="lt1"/>
+          </a:fontRef>
+        </p:style>
+        <p:txBody>
+          <a:bodyPr rtlCol="0" anchor="ctr"/>
+          <a:lstStyle/>
+          <a:p>
+            <a:pPr algn="ctr"/>
+            <a:r>
+              <a:rPr lang="en-US" dirty="0">
+                <a:solidFill>
+                  <a:srgbClr val="FF0000"/>
+                </a:solidFill>
+              </a:rPr>
+              <a:t>One tile for store</a:t>
+            </a:r>
+          </a:p>
+        </p:txBody>
+      </p:sp>
     </p:spTree>
     <p:extLst>
       <p:ext uri="{BB962C8B-B14F-4D97-AF65-F5344CB8AC3E}">
@@ -9297,6 +9503,126 @@
           </a:prstGeom>
         </p:spPr>
       </p:pic>
+      <p:sp>
+        <p:nvSpPr>
+          <p:cNvPr id="6" name="Rectangle: Rounded Corners 5">
+            <a:extLst>
+              <a:ext uri="{FF2B5EF4-FFF2-40B4-BE49-F238E27FC236}">
+                <a16:creationId xmlns:a16="http://schemas.microsoft.com/office/drawing/2014/main" id="{D8D8D3FE-6DD2-4F4F-9AC1-DC9406973934}"/>
+              </a:ext>
+            </a:extLst>
+          </p:cNvPr>
+          <p:cNvSpPr/>
+          <p:nvPr/>
+        </p:nvSpPr>
+        <p:spPr>
+          <a:xfrm rot="16200000">
+            <a:off x="4044048" y="3141523"/>
+            <a:ext cx="4495021" cy="618067"/>
+          </a:xfrm>
+          <a:prstGeom prst="roundRect">
+            <a:avLst/>
+          </a:prstGeom>
+          <a:noFill/>
+          <a:ln>
+            <a:solidFill>
+              <a:srgbClr val="ED1C24"/>
+            </a:solidFill>
+          </a:ln>
+          <a:effectLst/>
+        </p:spPr>
+        <p:style>
+          <a:lnRef idx="2">
+            <a:schemeClr val="accent1">
+              <a:shade val="50000"/>
+            </a:schemeClr>
+          </a:lnRef>
+          <a:fillRef idx="1">
+            <a:schemeClr val="accent1"/>
+          </a:fillRef>
+          <a:effectRef idx="0">
+            <a:schemeClr val="accent1"/>
+          </a:effectRef>
+          <a:fontRef idx="minor">
+            <a:schemeClr val="lt1"/>
+          </a:fontRef>
+        </p:style>
+        <p:txBody>
+          <a:bodyPr rtlCol="0" anchor="ctr"/>
+          <a:lstStyle/>
+          <a:p>
+            <a:pPr algn="ctr"/>
+            <a:r>
+              <a:rPr lang="en-US" dirty="0">
+                <a:solidFill>
+                  <a:srgbClr val="FF0000"/>
+                </a:solidFill>
+              </a:rPr>
+              <a:t>One lane of store</a:t>
+            </a:r>
+          </a:p>
+        </p:txBody>
+      </p:sp>
+      <p:sp>
+        <p:nvSpPr>
+          <p:cNvPr id="7" name="Rectangle: Rounded Corners 6">
+            <a:extLst>
+              <a:ext uri="{FF2B5EF4-FFF2-40B4-BE49-F238E27FC236}">
+                <a16:creationId xmlns:a16="http://schemas.microsoft.com/office/drawing/2014/main" id="{59547A7A-474E-4907-87A3-BE04BD2F256B}"/>
+              </a:ext>
+            </a:extLst>
+          </p:cNvPr>
+          <p:cNvSpPr/>
+          <p:nvPr/>
+        </p:nvSpPr>
+        <p:spPr>
+          <a:xfrm rot="16200000">
+            <a:off x="5597986" y="2810205"/>
+            <a:ext cx="4495023" cy="1280701"/>
+          </a:xfrm>
+          <a:prstGeom prst="roundRect">
+            <a:avLst/>
+          </a:prstGeom>
+          <a:noFill/>
+          <a:ln>
+            <a:solidFill>
+              <a:srgbClr val="ED1C24"/>
+            </a:solidFill>
+          </a:ln>
+          <a:effectLst/>
+        </p:spPr>
+        <p:style>
+          <a:lnRef idx="2">
+            <a:schemeClr val="accent1">
+              <a:shade val="50000"/>
+            </a:schemeClr>
+          </a:lnRef>
+          <a:fillRef idx="1">
+            <a:schemeClr val="accent1"/>
+          </a:fillRef>
+          <a:effectRef idx="0">
+            <a:schemeClr val="accent1"/>
+          </a:effectRef>
+          <a:fontRef idx="minor">
+            <a:schemeClr val="lt1"/>
+          </a:fontRef>
+        </p:style>
+        <p:txBody>
+          <a:bodyPr rtlCol="0" anchor="ctr"/>
+          <a:lstStyle/>
+          <a:p>
+            <a:pPr algn="ctr"/>
+            <a:r>
+              <a:rPr lang="en-US" dirty="0">
+                <a:solidFill>
+                  <a:srgbClr val="FF0000"/>
+                </a:solidFill>
+              </a:rPr>
+              <a:t>One tile for store</a:t>
+            </a:r>
+          </a:p>
+        </p:txBody>
+      </p:sp>
     </p:spTree>
     <p:extLst>
       <p:ext uri="{BB962C8B-B14F-4D97-AF65-F5344CB8AC3E}">
@@ -10884,15 +11210,6 @@
 </file>
 
 <file path=customXml/item1.xml><?xml version="1.0" encoding="utf-8"?>
-<?mso-contentType ?>
-<FormTemplates xmlns="http://schemas.microsoft.com/sharepoint/v3/contenttype/forms">
-  <Display>DocumentLibraryForm</Display>
-  <Edit>DocumentLibraryForm</Edit>
-  <New>DocumentLibraryForm</New>
-</FormTemplates>
-</file>
-
-<file path=customXml/item2.xml><?xml version="1.0" encoding="utf-8"?>
 <ct:contentTypeSchema xmlns:ct="http://schemas.microsoft.com/office/2006/metadata/contentType" xmlns:ma="http://schemas.microsoft.com/office/2006/metadata/properties/metaAttributes" ct:_="" ma:_="" ma:contentTypeName="Document" ma:contentTypeID="0x010100B040F28C9190714F9051F1661A72B344" ma:contentTypeVersion="0" ma:contentTypeDescription="Create a new document." ma:contentTypeScope="" ma:versionID="b8b95d69f10381dae1e3fc8aa097d9b2">
   <xsd:schema xmlns:xsd="http://www.w3.org/2001/XMLSchema" xmlns:xs="http://www.w3.org/2001/XMLSchema" xmlns:p="http://schemas.microsoft.com/office/2006/metadata/properties" targetNamespace="http://schemas.microsoft.com/office/2006/metadata/properties" ma:root="true" ma:fieldsID="1b05d82d297216baf5b26c55225140df">
     <xsd:element name="properties">
@@ -11006,15 +11323,16 @@
 </ct:contentTypeSchema>
 </file>
 
-<file path=customXml/itemProps1.xml><?xml version="1.0" encoding="utf-8"?>
-<ds:datastoreItem xmlns:ds="http://schemas.openxmlformats.org/officeDocument/2006/customXml" ds:itemID="{46C7C7BA-398C-443C-9325-A8C61CE3C0A0}">
-  <ds:schemaRefs>
-    <ds:schemaRef ds:uri="http://schemas.microsoft.com/sharepoint/v3/contenttype/forms"/>
-  </ds:schemaRefs>
-</ds:datastoreItem>
+<file path=customXml/item2.xml><?xml version="1.0" encoding="utf-8"?>
+<?mso-contentType ?>
+<FormTemplates xmlns="http://schemas.microsoft.com/sharepoint/v3/contenttype/forms">
+  <Display>DocumentLibraryForm</Display>
+  <Edit>DocumentLibraryForm</Edit>
+  <New>DocumentLibraryForm</New>
+</FormTemplates>
 </file>
 
-<file path=customXml/itemProps2.xml><?xml version="1.0" encoding="utf-8"?>
+<file path=customXml/itemProps1.xml><?xml version="1.0" encoding="utf-8"?>
 <ds:datastoreItem xmlns:ds="http://schemas.openxmlformats.org/officeDocument/2006/customXml" ds:itemID="{CB9B9DAE-0203-490A-8CF8-6A331C5A0B02}">
   <ds:schemaRefs>
     <ds:schemaRef ds:uri="http://schemas.microsoft.com/office/2006/metadata/contentType"/>
@@ -11028,4 +11346,12 @@
     <ds:schemaRef ds:uri="http://schemas.microsoft.com/office/infopath/2007/PartnerControls"/>
   </ds:schemaRefs>
 </ds:datastoreItem>
+</file>
+
+<file path=customXml/itemProps2.xml><?xml version="1.0" encoding="utf-8"?>
+<ds:datastoreItem xmlns:ds="http://schemas.openxmlformats.org/officeDocument/2006/customXml" ds:itemID="{46C7C7BA-398C-443C-9325-A8C61CE3C0A0}">
+  <ds:schemaRefs>
+    <ds:schemaRef ds:uri="http://schemas.microsoft.com/sharepoint/v3/contenttype/forms"/>
+  </ds:schemaRefs>
+</ds:datastoreItem>
 </file>